--- a/TP1/TP1_PRESENTACIÓN.pptx
+++ b/TP1/TP1_PRESENTACIÓN.pptx
@@ -27,16 +27,20 @@
     <p:sldId id="272" r:id="rId23"/>
     <p:sldId id="273" r:id="rId24"/>
     <p:sldId id="274" r:id="rId25"/>
+    <p:sldId id="275" r:id="rId26"/>
+    <p:sldId id="276" r:id="rId27"/>
+    <p:sldId id="277" r:id="rId28"/>
+    <p:sldId id="278" r:id="rId29"/>
   </p:sldIdLst>
   <p:sldSz cy="5143500" cx="9144000"/>
   <p:notesSz cx="6858000" cy="9144000"/>
   <p:embeddedFontLst>
     <p:embeddedFont>
       <p:font typeface="Roboto"/>
-      <p:regular r:id="rId26"/>
-      <p:bold r:id="rId27"/>
-      <p:italic r:id="rId28"/>
-      <p:boldItalic r:id="rId29"/>
+      <p:regular r:id="rId30"/>
+      <p:bold r:id="rId31"/>
+      <p:italic r:id="rId32"/>
+      <p:boldItalic r:id="rId33"/>
     </p:embeddedFont>
   </p:embeddedFontLst>
   <p:defaultTextStyle>
@@ -817,7 +821,7 @@
   <p:cSld>
     <p:spTree>
       <p:nvGrpSpPr>
-        <p:cNvPr id="140" name="Shape 140"/>
+        <p:cNvPr id="145" name="Shape 145"/>
         <p:cNvGrpSpPr/>
         <p:nvPr/>
       </p:nvGrpSpPr>
@@ -831,7 +835,7 @@
       </p:grpSpPr>
       <p:sp>
         <p:nvSpPr>
-          <p:cNvPr id="141" name="Google Shape;141;g119d700d543_0_8:notes"/>
+          <p:cNvPr id="146" name="Google Shape;146;g119d700d543_0_8:notes"/>
           <p:cNvSpPr/>
           <p:nvPr>
             <p:ph idx="2" type="sldImg"/>
@@ -866,7 +870,7 @@
       </p:sp>
       <p:sp>
         <p:nvSpPr>
-          <p:cNvPr id="142" name="Google Shape;142;g119d700d543_0_8:notes"/>
+          <p:cNvPr id="147" name="Google Shape;147;g119d700d543_0_8:notes"/>
           <p:cNvSpPr txBox="1"/>
           <p:nvPr>
             <p:ph idx="1" type="body"/>
@@ -916,7 +920,7 @@
   <p:cSld>
     <p:spTree>
       <p:nvGrpSpPr>
-        <p:cNvPr id="149" name="Shape 149"/>
+        <p:cNvPr id="154" name="Shape 154"/>
         <p:cNvGrpSpPr/>
         <p:nvPr/>
       </p:nvGrpSpPr>
@@ -930,7 +934,7 @@
       </p:grpSpPr>
       <p:sp>
         <p:nvSpPr>
-          <p:cNvPr id="150" name="Google Shape;150;g11a4e44000b_1_902:notes"/>
+          <p:cNvPr id="155" name="Google Shape;155;g11a4e44000b_1_902:notes"/>
           <p:cNvSpPr/>
           <p:nvPr>
             <p:ph idx="2" type="sldImg"/>
@@ -965,7 +969,7 @@
       </p:sp>
       <p:sp>
         <p:nvSpPr>
-          <p:cNvPr id="151" name="Google Shape;151;g11a4e44000b_1_902:notes"/>
+          <p:cNvPr id="156" name="Google Shape;156;g11a4e44000b_1_902:notes"/>
           <p:cNvSpPr txBox="1"/>
           <p:nvPr>
             <p:ph idx="1" type="body"/>
@@ -1015,7 +1019,7 @@
   <p:cSld>
     <p:spTree>
       <p:nvGrpSpPr>
-        <p:cNvPr id="157" name="Shape 157"/>
+        <p:cNvPr id="162" name="Shape 162"/>
         <p:cNvGrpSpPr/>
         <p:nvPr/>
       </p:nvGrpSpPr>
@@ -1029,7 +1033,7 @@
       </p:grpSpPr>
       <p:sp>
         <p:nvSpPr>
-          <p:cNvPr id="158" name="Google Shape;158;g11a4e44000b_1_922:notes"/>
+          <p:cNvPr id="163" name="Google Shape;163;g11a4e44000b_1_922:notes"/>
           <p:cNvSpPr/>
           <p:nvPr>
             <p:ph idx="2" type="sldImg"/>
@@ -1064,7 +1068,7 @@
       </p:sp>
       <p:sp>
         <p:nvSpPr>
-          <p:cNvPr id="159" name="Google Shape;159;g11a4e44000b_1_922:notes"/>
+          <p:cNvPr id="164" name="Google Shape;164;g11a4e44000b_1_922:notes"/>
           <p:cNvSpPr txBox="1"/>
           <p:nvPr>
             <p:ph idx="1" type="body"/>
@@ -1114,7 +1118,7 @@
   <p:cSld>
     <p:spTree>
       <p:nvGrpSpPr>
-        <p:cNvPr id="165" name="Shape 165"/>
+        <p:cNvPr id="170" name="Shape 170"/>
         <p:cNvGrpSpPr/>
         <p:nvPr/>
       </p:nvGrpSpPr>
@@ -1128,7 +1132,7 @@
       </p:grpSpPr>
       <p:sp>
         <p:nvSpPr>
-          <p:cNvPr id="166" name="Google Shape;166;g11a4e44000b_1_928:notes"/>
+          <p:cNvPr id="171" name="Google Shape;171;g11939dd1860_0_0:notes"/>
           <p:cNvSpPr/>
           <p:nvPr>
             <p:ph idx="2" type="sldImg"/>
@@ -1163,7 +1167,7 @@
       </p:sp>
       <p:sp>
         <p:nvSpPr>
-          <p:cNvPr id="167" name="Google Shape;167;g11a4e44000b_1_928:notes"/>
+          <p:cNvPr id="172" name="Google Shape;172;g11939dd1860_0_0:notes"/>
           <p:cNvSpPr txBox="1"/>
           <p:nvPr>
             <p:ph idx="1" type="body"/>
@@ -1213,7 +1217,7 @@
   <p:cSld>
     <p:spTree>
       <p:nvGrpSpPr>
-        <p:cNvPr id="173" name="Shape 173"/>
+        <p:cNvPr id="178" name="Shape 178"/>
         <p:cNvGrpSpPr/>
         <p:nvPr/>
       </p:nvGrpSpPr>
@@ -1227,7 +1231,7 @@
       </p:grpSpPr>
       <p:sp>
         <p:nvSpPr>
-          <p:cNvPr id="174" name="Google Shape;174;g119d700d543_0_0:notes"/>
+          <p:cNvPr id="179" name="Google Shape;179;g11a4e44000b_1_928:notes"/>
           <p:cNvSpPr/>
           <p:nvPr>
             <p:ph idx="2" type="sldImg"/>
@@ -1262,7 +1266,7 @@
       </p:sp>
       <p:sp>
         <p:nvSpPr>
-          <p:cNvPr id="175" name="Google Shape;175;g119d700d543_0_0:notes"/>
+          <p:cNvPr id="180" name="Google Shape;180;g11a4e44000b_1_928:notes"/>
           <p:cNvSpPr txBox="1"/>
           <p:nvPr>
             <p:ph idx="1" type="body"/>
@@ -1312,7 +1316,7 @@
   <p:cSld>
     <p:spTree>
       <p:nvGrpSpPr>
-        <p:cNvPr id="181" name="Shape 181"/>
+        <p:cNvPr id="186" name="Shape 186"/>
         <p:cNvGrpSpPr/>
         <p:nvPr/>
       </p:nvGrpSpPr>
@@ -1326,7 +1330,7 @@
       </p:grpSpPr>
       <p:sp>
         <p:nvSpPr>
-          <p:cNvPr id="182" name="Google Shape;182;g11a4e44000b_1_934:notes"/>
+          <p:cNvPr id="187" name="Google Shape;187;g119d700d543_0_0:notes"/>
           <p:cNvSpPr/>
           <p:nvPr>
             <p:ph idx="2" type="sldImg"/>
@@ -1361,7 +1365,7 @@
       </p:sp>
       <p:sp>
         <p:nvSpPr>
-          <p:cNvPr id="183" name="Google Shape;183;g11a4e44000b_1_934:notes"/>
+          <p:cNvPr id="188" name="Google Shape;188;g119d700d543_0_0:notes"/>
           <p:cNvSpPr txBox="1"/>
           <p:nvPr>
             <p:ph idx="1" type="body"/>
@@ -1411,7 +1415,7 @@
   <p:cSld>
     <p:spTree>
       <p:nvGrpSpPr>
-        <p:cNvPr id="189" name="Shape 189"/>
+        <p:cNvPr id="194" name="Shape 194"/>
         <p:cNvGrpSpPr/>
         <p:nvPr/>
       </p:nvGrpSpPr>
@@ -1425,7 +1429,7 @@
       </p:grpSpPr>
       <p:sp>
         <p:nvSpPr>
-          <p:cNvPr id="190" name="Google Shape;190;g11a4e44000b_1_940:notes"/>
+          <p:cNvPr id="195" name="Google Shape;195;g11939dd1860_0_7:notes"/>
           <p:cNvSpPr/>
           <p:nvPr>
             <p:ph idx="2" type="sldImg"/>
@@ -1460,7 +1464,7 @@
       </p:sp>
       <p:sp>
         <p:nvSpPr>
-          <p:cNvPr id="191" name="Google Shape;191;g11a4e44000b_1_940:notes"/>
+          <p:cNvPr id="196" name="Google Shape;196;g11939dd1860_0_7:notes"/>
           <p:cNvSpPr txBox="1"/>
           <p:nvPr>
             <p:ph idx="1" type="body"/>
@@ -1510,7 +1514,7 @@
   <p:cSld>
     <p:spTree>
       <p:nvGrpSpPr>
-        <p:cNvPr id="197" name="Shape 197"/>
+        <p:cNvPr id="202" name="Shape 202"/>
         <p:cNvGrpSpPr/>
         <p:nvPr/>
       </p:nvGrpSpPr>
@@ -1524,7 +1528,7 @@
       </p:grpSpPr>
       <p:sp>
         <p:nvSpPr>
-          <p:cNvPr id="198" name="Google Shape;198;g119d700d543_1_11:notes"/>
+          <p:cNvPr id="203" name="Google Shape;203;g11a4e44000b_1_934:notes"/>
           <p:cNvSpPr/>
           <p:nvPr>
             <p:ph idx="2" type="sldImg"/>
@@ -1559,7 +1563,7 @@
       </p:sp>
       <p:sp>
         <p:nvSpPr>
-          <p:cNvPr id="199" name="Google Shape;199;g119d700d543_1_11:notes"/>
+          <p:cNvPr id="204" name="Google Shape;204;g11a4e44000b_1_934:notes"/>
           <p:cNvSpPr txBox="1"/>
           <p:nvPr>
             <p:ph idx="1" type="body"/>
@@ -1609,7 +1613,7 @@
   <p:cSld>
     <p:spTree>
       <p:nvGrpSpPr>
-        <p:cNvPr id="202" name="Shape 202"/>
+        <p:cNvPr id="210" name="Shape 210"/>
         <p:cNvGrpSpPr/>
         <p:nvPr/>
       </p:nvGrpSpPr>
@@ -1623,7 +1627,7 @@
       </p:grpSpPr>
       <p:sp>
         <p:nvSpPr>
-          <p:cNvPr id="203" name="Google Shape;203;g11a4e44000b_1_896:notes"/>
+          <p:cNvPr id="211" name="Google Shape;211;g11a4e44000b_1_940:notes"/>
           <p:cNvSpPr/>
           <p:nvPr>
             <p:ph idx="2" type="sldImg"/>
@@ -1658,7 +1662,7 @@
       </p:sp>
       <p:sp>
         <p:nvSpPr>
-          <p:cNvPr id="204" name="Google Shape;204;g11a4e44000b_1_896:notes"/>
+          <p:cNvPr id="212" name="Google Shape;212;g11a4e44000b_1_940:notes"/>
           <p:cNvSpPr txBox="1"/>
           <p:nvPr>
             <p:ph idx="1" type="body"/>
@@ -1708,7 +1712,7 @@
   <p:cSld>
     <p:spTree>
       <p:nvGrpSpPr>
-        <p:cNvPr id="210" name="Shape 210"/>
+        <p:cNvPr id="218" name="Shape 218"/>
         <p:cNvGrpSpPr/>
         <p:nvPr/>
       </p:nvGrpSpPr>
@@ -1722,7 +1726,7 @@
       </p:grpSpPr>
       <p:sp>
         <p:nvSpPr>
-          <p:cNvPr id="211" name="Google Shape;211;g11a4e44000b_1_909:notes"/>
+          <p:cNvPr id="219" name="Google Shape;219;g11939dd1860_2_0:notes"/>
           <p:cNvSpPr/>
           <p:nvPr>
             <p:ph idx="2" type="sldImg"/>
@@ -1757,7 +1761,7 @@
       </p:sp>
       <p:sp>
         <p:nvSpPr>
-          <p:cNvPr id="212" name="Google Shape;212;g11a4e44000b_1_909:notes"/>
+          <p:cNvPr id="220" name="Google Shape;220;g11939dd1860_2_0:notes"/>
           <p:cNvSpPr txBox="1"/>
           <p:nvPr>
             <p:ph idx="1" type="body"/>
@@ -1901,6 +1905,402 @@
 </p:notes>
 </file>
 
+<file path=ppt/notesSlides/notesSlide20.xml><?xml version="1.0" encoding="utf-8"?>
+<p:notes xmlns:a="http://schemas.openxmlformats.org/drawingml/2006/main" xmlns:r="http://schemas.openxmlformats.org/officeDocument/2006/relationships" xmlns:mc="http://schemas.openxmlformats.org/markup-compatibility/2006" xmlns:mv="urn:schemas-microsoft-com:mac:vml" xmlns:p="http://schemas.openxmlformats.org/presentationml/2006/main" xmlns:c="http://schemas.openxmlformats.org/drawingml/2006/chart" xmlns:dgm="http://schemas.openxmlformats.org/drawingml/2006/diagram" xmlns:o="urn:schemas-microsoft-com:office:office" xmlns:v="urn:schemas-microsoft-com:vml" xmlns:pvml="urn:schemas-microsoft-com:office:powerpoint" xmlns:com="http://schemas.openxmlformats.org/drawingml/2006/compatibility" xmlns:p14="http://schemas.microsoft.com/office/powerpoint/2010/main" xmlns:p15="http://schemas.microsoft.com/office/powerpoint/2012/main" xmlns:ahyp="http://schemas.microsoft.com/office/drawing/2018/hyperlinkcolor" showMasterPhAnim="0" showMasterSp="0">
+  <p:cSld>
+    <p:spTree>
+      <p:nvGrpSpPr>
+        <p:cNvPr id="226" name="Shape 226"/>
+        <p:cNvGrpSpPr/>
+        <p:nvPr/>
+      </p:nvGrpSpPr>
+      <p:grpSpPr>
+        <a:xfrm>
+          <a:off x="0" y="0"/>
+          <a:ext cx="0" cy="0"/>
+          <a:chOff x="0" y="0"/>
+          <a:chExt cx="0" cy="0"/>
+        </a:xfrm>
+      </p:grpSpPr>
+      <p:sp>
+        <p:nvSpPr>
+          <p:cNvPr id="227" name="Google Shape;227;g119d700d543_1_11:notes"/>
+          <p:cNvSpPr/>
+          <p:nvPr>
+            <p:ph idx="2" type="sldImg"/>
+          </p:nvPr>
+        </p:nvSpPr>
+        <p:spPr>
+          <a:xfrm>
+            <a:off x="381300" y="685800"/>
+            <a:ext cx="6096000" cy="3429000"/>
+          </a:xfrm>
+          <a:custGeom>
+            <a:rect b="b" l="l" r="r" t="t"/>
+            <a:pathLst>
+              <a:path extrusionOk="0" h="120000" w="120000">
+                <a:moveTo>
+                  <a:pt x="0" y="0"/>
+                </a:moveTo>
+                <a:lnTo>
+                  <a:pt x="120000" y="0"/>
+                </a:lnTo>
+                <a:lnTo>
+                  <a:pt x="120000" y="120000"/>
+                </a:lnTo>
+                <a:lnTo>
+                  <a:pt x="0" y="120000"/>
+                </a:lnTo>
+                <a:close/>
+              </a:path>
+            </a:pathLst>
+          </a:custGeom>
+        </p:spPr>
+      </p:sp>
+      <p:sp>
+        <p:nvSpPr>
+          <p:cNvPr id="228" name="Google Shape;228;g119d700d543_1_11:notes"/>
+          <p:cNvSpPr txBox="1"/>
+          <p:nvPr>
+            <p:ph idx="1" type="body"/>
+          </p:nvPr>
+        </p:nvSpPr>
+        <p:spPr>
+          <a:xfrm>
+            <a:off x="685800" y="4343400"/>
+            <a:ext cx="5486400" cy="4114800"/>
+          </a:xfrm>
+          <a:prstGeom prst="rect">
+            <a:avLst/>
+          </a:prstGeom>
+        </p:spPr>
+        <p:txBody>
+          <a:bodyPr anchorCtr="0" anchor="t" bIns="91425" lIns="91425" spcFirstLastPara="1" rIns="91425" wrap="square" tIns="91425">
+            <a:noAutofit/>
+          </a:bodyPr>
+          <a:lstStyle/>
+          <a:p>
+            <a:pPr indent="0" lvl="0" marL="0" rtl="0" algn="l">
+              <a:spcBef>
+                <a:spcPts val="0"/>
+              </a:spcBef>
+              <a:spcAft>
+                <a:spcPts val="0"/>
+              </a:spcAft>
+              <a:buNone/>
+            </a:pPr>
+            <a:r>
+              <a:t/>
+            </a:r>
+            <a:endParaRPr/>
+          </a:p>
+        </p:txBody>
+      </p:sp>
+    </p:spTree>
+  </p:cSld>
+  <p:clrMapOvr>
+    <a:masterClrMapping/>
+  </p:clrMapOvr>
+</p:notes>
+</file>
+
+<file path=ppt/notesSlides/notesSlide21.xml><?xml version="1.0" encoding="utf-8"?>
+<p:notes xmlns:a="http://schemas.openxmlformats.org/drawingml/2006/main" xmlns:r="http://schemas.openxmlformats.org/officeDocument/2006/relationships" xmlns:mc="http://schemas.openxmlformats.org/markup-compatibility/2006" xmlns:mv="urn:schemas-microsoft-com:mac:vml" xmlns:p="http://schemas.openxmlformats.org/presentationml/2006/main" xmlns:c="http://schemas.openxmlformats.org/drawingml/2006/chart" xmlns:dgm="http://schemas.openxmlformats.org/drawingml/2006/diagram" xmlns:o="urn:schemas-microsoft-com:office:office" xmlns:v="urn:schemas-microsoft-com:vml" xmlns:pvml="urn:schemas-microsoft-com:office:powerpoint" xmlns:com="http://schemas.openxmlformats.org/drawingml/2006/compatibility" xmlns:p14="http://schemas.microsoft.com/office/powerpoint/2010/main" xmlns:p15="http://schemas.microsoft.com/office/powerpoint/2012/main" xmlns:ahyp="http://schemas.microsoft.com/office/drawing/2018/hyperlinkcolor" showMasterPhAnim="0" showMasterSp="0">
+  <p:cSld>
+    <p:spTree>
+      <p:nvGrpSpPr>
+        <p:cNvPr id="231" name="Shape 231"/>
+        <p:cNvGrpSpPr/>
+        <p:nvPr/>
+      </p:nvGrpSpPr>
+      <p:grpSpPr>
+        <a:xfrm>
+          <a:off x="0" y="0"/>
+          <a:ext cx="0" cy="0"/>
+          <a:chOff x="0" y="0"/>
+          <a:chExt cx="0" cy="0"/>
+        </a:xfrm>
+      </p:grpSpPr>
+      <p:sp>
+        <p:nvSpPr>
+          <p:cNvPr id="232" name="Google Shape;232;g11a4e44000b_1_909:notes"/>
+          <p:cNvSpPr/>
+          <p:nvPr>
+            <p:ph idx="2" type="sldImg"/>
+          </p:nvPr>
+        </p:nvSpPr>
+        <p:spPr>
+          <a:xfrm>
+            <a:off x="381300" y="685800"/>
+            <a:ext cx="6096000" cy="3429000"/>
+          </a:xfrm>
+          <a:custGeom>
+            <a:rect b="b" l="l" r="r" t="t"/>
+            <a:pathLst>
+              <a:path extrusionOk="0" h="120000" w="120000">
+                <a:moveTo>
+                  <a:pt x="0" y="0"/>
+                </a:moveTo>
+                <a:lnTo>
+                  <a:pt x="120000" y="0"/>
+                </a:lnTo>
+                <a:lnTo>
+                  <a:pt x="120000" y="120000"/>
+                </a:lnTo>
+                <a:lnTo>
+                  <a:pt x="0" y="120000"/>
+                </a:lnTo>
+                <a:close/>
+              </a:path>
+            </a:pathLst>
+          </a:custGeom>
+        </p:spPr>
+      </p:sp>
+      <p:sp>
+        <p:nvSpPr>
+          <p:cNvPr id="233" name="Google Shape;233;g11a4e44000b_1_909:notes"/>
+          <p:cNvSpPr txBox="1"/>
+          <p:nvPr>
+            <p:ph idx="1" type="body"/>
+          </p:nvPr>
+        </p:nvSpPr>
+        <p:spPr>
+          <a:xfrm>
+            <a:off x="685800" y="4343400"/>
+            <a:ext cx="5486400" cy="4114800"/>
+          </a:xfrm>
+          <a:prstGeom prst="rect">
+            <a:avLst/>
+          </a:prstGeom>
+        </p:spPr>
+        <p:txBody>
+          <a:bodyPr anchorCtr="0" anchor="t" bIns="91425" lIns="91425" spcFirstLastPara="1" rIns="91425" wrap="square" tIns="91425">
+            <a:noAutofit/>
+          </a:bodyPr>
+          <a:lstStyle/>
+          <a:p>
+            <a:pPr indent="0" lvl="0" marL="0" rtl="0" algn="l">
+              <a:spcBef>
+                <a:spcPts val="0"/>
+              </a:spcBef>
+              <a:spcAft>
+                <a:spcPts val="0"/>
+              </a:spcAft>
+              <a:buNone/>
+            </a:pPr>
+            <a:r>
+              <a:t/>
+            </a:r>
+            <a:endParaRPr/>
+          </a:p>
+        </p:txBody>
+      </p:sp>
+    </p:spTree>
+  </p:cSld>
+  <p:clrMapOvr>
+    <a:masterClrMapping/>
+  </p:clrMapOvr>
+</p:notes>
+</file>
+
+<file path=ppt/notesSlides/notesSlide22.xml><?xml version="1.0" encoding="utf-8"?>
+<p:notes xmlns:a="http://schemas.openxmlformats.org/drawingml/2006/main" xmlns:r="http://schemas.openxmlformats.org/officeDocument/2006/relationships" xmlns:mc="http://schemas.openxmlformats.org/markup-compatibility/2006" xmlns:mv="urn:schemas-microsoft-com:mac:vml" xmlns:p="http://schemas.openxmlformats.org/presentationml/2006/main" xmlns:c="http://schemas.openxmlformats.org/drawingml/2006/chart" xmlns:dgm="http://schemas.openxmlformats.org/drawingml/2006/diagram" xmlns:o="urn:schemas-microsoft-com:office:office" xmlns:v="urn:schemas-microsoft-com:vml" xmlns:pvml="urn:schemas-microsoft-com:office:powerpoint" xmlns:com="http://schemas.openxmlformats.org/drawingml/2006/compatibility" xmlns:p14="http://schemas.microsoft.com/office/powerpoint/2010/main" xmlns:p15="http://schemas.microsoft.com/office/powerpoint/2012/main" xmlns:ahyp="http://schemas.microsoft.com/office/drawing/2018/hyperlinkcolor" showMasterPhAnim="0" showMasterSp="0">
+  <p:cSld>
+    <p:spTree>
+      <p:nvGrpSpPr>
+        <p:cNvPr id="239" name="Shape 239"/>
+        <p:cNvGrpSpPr/>
+        <p:nvPr/>
+      </p:nvGrpSpPr>
+      <p:grpSpPr>
+        <a:xfrm>
+          <a:off x="0" y="0"/>
+          <a:ext cx="0" cy="0"/>
+          <a:chOff x="0" y="0"/>
+          <a:chExt cx="0" cy="0"/>
+        </a:xfrm>
+      </p:grpSpPr>
+      <p:sp>
+        <p:nvSpPr>
+          <p:cNvPr id="240" name="Google Shape;240;g11a4e44000b_1_896:notes"/>
+          <p:cNvSpPr/>
+          <p:nvPr>
+            <p:ph idx="2" type="sldImg"/>
+          </p:nvPr>
+        </p:nvSpPr>
+        <p:spPr>
+          <a:xfrm>
+            <a:off x="381300" y="685800"/>
+            <a:ext cx="6096000" cy="3429000"/>
+          </a:xfrm>
+          <a:custGeom>
+            <a:rect b="b" l="l" r="r" t="t"/>
+            <a:pathLst>
+              <a:path extrusionOk="0" h="120000" w="120000">
+                <a:moveTo>
+                  <a:pt x="0" y="0"/>
+                </a:moveTo>
+                <a:lnTo>
+                  <a:pt x="120000" y="0"/>
+                </a:lnTo>
+                <a:lnTo>
+                  <a:pt x="120000" y="120000"/>
+                </a:lnTo>
+                <a:lnTo>
+                  <a:pt x="0" y="120000"/>
+                </a:lnTo>
+                <a:close/>
+              </a:path>
+            </a:pathLst>
+          </a:custGeom>
+        </p:spPr>
+      </p:sp>
+      <p:sp>
+        <p:nvSpPr>
+          <p:cNvPr id="241" name="Google Shape;241;g11a4e44000b_1_896:notes"/>
+          <p:cNvSpPr txBox="1"/>
+          <p:nvPr>
+            <p:ph idx="1" type="body"/>
+          </p:nvPr>
+        </p:nvSpPr>
+        <p:spPr>
+          <a:xfrm>
+            <a:off x="685800" y="4343400"/>
+            <a:ext cx="5486400" cy="4114800"/>
+          </a:xfrm>
+          <a:prstGeom prst="rect">
+            <a:avLst/>
+          </a:prstGeom>
+        </p:spPr>
+        <p:txBody>
+          <a:bodyPr anchorCtr="0" anchor="t" bIns="91425" lIns="91425" spcFirstLastPara="1" rIns="91425" wrap="square" tIns="91425">
+            <a:noAutofit/>
+          </a:bodyPr>
+          <a:lstStyle/>
+          <a:p>
+            <a:pPr indent="0" lvl="0" marL="0" rtl="0" algn="l">
+              <a:spcBef>
+                <a:spcPts val="0"/>
+              </a:spcBef>
+              <a:spcAft>
+                <a:spcPts val="0"/>
+              </a:spcAft>
+              <a:buNone/>
+            </a:pPr>
+            <a:r>
+              <a:t/>
+            </a:r>
+            <a:endParaRPr/>
+          </a:p>
+        </p:txBody>
+      </p:sp>
+    </p:spTree>
+  </p:cSld>
+  <p:clrMapOvr>
+    <a:masterClrMapping/>
+  </p:clrMapOvr>
+</p:notes>
+</file>
+
+<file path=ppt/notesSlides/notesSlide23.xml><?xml version="1.0" encoding="utf-8"?>
+<p:notes xmlns:a="http://schemas.openxmlformats.org/drawingml/2006/main" xmlns:r="http://schemas.openxmlformats.org/officeDocument/2006/relationships" xmlns:mc="http://schemas.openxmlformats.org/markup-compatibility/2006" xmlns:mv="urn:schemas-microsoft-com:mac:vml" xmlns:p="http://schemas.openxmlformats.org/presentationml/2006/main" xmlns:c="http://schemas.openxmlformats.org/drawingml/2006/chart" xmlns:dgm="http://schemas.openxmlformats.org/drawingml/2006/diagram" xmlns:o="urn:schemas-microsoft-com:office:office" xmlns:v="urn:schemas-microsoft-com:vml" xmlns:pvml="urn:schemas-microsoft-com:office:powerpoint" xmlns:com="http://schemas.openxmlformats.org/drawingml/2006/compatibility" xmlns:p14="http://schemas.microsoft.com/office/powerpoint/2010/main" xmlns:p15="http://schemas.microsoft.com/office/powerpoint/2012/main" xmlns:ahyp="http://schemas.microsoft.com/office/drawing/2018/hyperlinkcolor" showMasterPhAnim="0" showMasterSp="0">
+  <p:cSld>
+    <p:spTree>
+      <p:nvGrpSpPr>
+        <p:cNvPr id="247" name="Shape 247"/>
+        <p:cNvGrpSpPr/>
+        <p:nvPr/>
+      </p:nvGrpSpPr>
+      <p:grpSpPr>
+        <a:xfrm>
+          <a:off x="0" y="0"/>
+          <a:ext cx="0" cy="0"/>
+          <a:chOff x="0" y="0"/>
+          <a:chExt cx="0" cy="0"/>
+        </a:xfrm>
+      </p:grpSpPr>
+      <p:sp>
+        <p:nvSpPr>
+          <p:cNvPr id="248" name="Google Shape;248;g11939dd1860_1_1:notes"/>
+          <p:cNvSpPr/>
+          <p:nvPr>
+            <p:ph idx="2" type="sldImg"/>
+          </p:nvPr>
+        </p:nvSpPr>
+        <p:spPr>
+          <a:xfrm>
+            <a:off x="381300" y="685800"/>
+            <a:ext cx="6096000" cy="3429000"/>
+          </a:xfrm>
+          <a:custGeom>
+            <a:rect b="b" l="l" r="r" t="t"/>
+            <a:pathLst>
+              <a:path extrusionOk="0" h="120000" w="120000">
+                <a:moveTo>
+                  <a:pt x="0" y="0"/>
+                </a:moveTo>
+                <a:lnTo>
+                  <a:pt x="120000" y="0"/>
+                </a:lnTo>
+                <a:lnTo>
+                  <a:pt x="120000" y="120000"/>
+                </a:lnTo>
+                <a:lnTo>
+                  <a:pt x="0" y="120000"/>
+                </a:lnTo>
+                <a:close/>
+              </a:path>
+            </a:pathLst>
+          </a:custGeom>
+        </p:spPr>
+      </p:sp>
+      <p:sp>
+        <p:nvSpPr>
+          <p:cNvPr id="249" name="Google Shape;249;g11939dd1860_1_1:notes"/>
+          <p:cNvSpPr txBox="1"/>
+          <p:nvPr>
+            <p:ph idx="1" type="body"/>
+          </p:nvPr>
+        </p:nvSpPr>
+        <p:spPr>
+          <a:xfrm>
+            <a:off x="685800" y="4343400"/>
+            <a:ext cx="5486400" cy="4114800"/>
+          </a:xfrm>
+          <a:prstGeom prst="rect">
+            <a:avLst/>
+          </a:prstGeom>
+        </p:spPr>
+        <p:txBody>
+          <a:bodyPr anchorCtr="0" anchor="t" bIns="91425" lIns="91425" spcFirstLastPara="1" rIns="91425" wrap="square" tIns="91425">
+            <a:noAutofit/>
+          </a:bodyPr>
+          <a:lstStyle/>
+          <a:p>
+            <a:pPr indent="0" lvl="0" marL="0" rtl="0" algn="l">
+              <a:spcBef>
+                <a:spcPts val="0"/>
+              </a:spcBef>
+              <a:spcAft>
+                <a:spcPts val="0"/>
+              </a:spcAft>
+              <a:buNone/>
+            </a:pPr>
+            <a:r>
+              <a:t/>
+            </a:r>
+            <a:endParaRPr/>
+          </a:p>
+        </p:txBody>
+      </p:sp>
+    </p:spTree>
+  </p:cSld>
+  <p:clrMapOvr>
+    <a:masterClrMapping/>
+  </p:clrMapOvr>
+</p:notes>
+</file>
+
 <file path=ppt/notesSlides/notesSlide3.xml><?xml version="1.0" encoding="utf-8"?>
 <p:notes xmlns:a="http://schemas.openxmlformats.org/drawingml/2006/main" xmlns:r="http://schemas.openxmlformats.org/officeDocument/2006/relationships" xmlns:mc="http://schemas.openxmlformats.org/markup-compatibility/2006" xmlns:mv="urn:schemas-microsoft-com:mac:vml" xmlns:p="http://schemas.openxmlformats.org/presentationml/2006/main" xmlns:c="http://schemas.openxmlformats.org/drawingml/2006/chart" xmlns:dgm="http://schemas.openxmlformats.org/drawingml/2006/diagram" xmlns:o="urn:schemas-microsoft-com:office:office" xmlns:v="urn:schemas-microsoft-com:vml" xmlns:pvml="urn:schemas-microsoft-com:office:powerpoint" xmlns:com="http://schemas.openxmlformats.org/drawingml/2006/compatibility" xmlns:p14="http://schemas.microsoft.com/office/powerpoint/2010/main" xmlns:p15="http://schemas.microsoft.com/office/powerpoint/2012/main" xmlns:ahyp="http://schemas.microsoft.com/office/drawing/2018/hyperlinkcolor" showMasterPhAnim="0" showMasterSp="0">
   <p:cSld>
@@ -2302,7 +2702,7 @@
   <p:cSld>
     <p:spTree>
       <p:nvGrpSpPr>
-        <p:cNvPr id="121" name="Shape 121"/>
+        <p:cNvPr id="122" name="Shape 122"/>
         <p:cNvGrpSpPr/>
         <p:nvPr/>
       </p:nvGrpSpPr>
@@ -2316,7 +2716,7 @@
       </p:grpSpPr>
       <p:sp>
         <p:nvSpPr>
-          <p:cNvPr id="122" name="Google Shape;122;g11a4e44000b_1_878:notes"/>
+          <p:cNvPr id="123" name="Google Shape;123;g11a4e44000b_1_878:notes"/>
           <p:cNvSpPr/>
           <p:nvPr>
             <p:ph idx="2" type="sldImg"/>
@@ -2351,7 +2751,7 @@
       </p:sp>
       <p:sp>
         <p:nvSpPr>
-          <p:cNvPr id="123" name="Google Shape;123;g11a4e44000b_1_878:notes"/>
+          <p:cNvPr id="124" name="Google Shape;124;g11a4e44000b_1_878:notes"/>
           <p:cNvSpPr txBox="1"/>
           <p:nvPr>
             <p:ph idx="1" type="body"/>
@@ -2401,7 +2801,7 @@
   <p:cSld>
     <p:spTree>
       <p:nvGrpSpPr>
-        <p:cNvPr id="128" name="Shape 128"/>
+        <p:cNvPr id="131" name="Shape 131"/>
         <p:cNvGrpSpPr/>
         <p:nvPr/>
       </p:nvGrpSpPr>
@@ -2415,7 +2815,7 @@
       </p:grpSpPr>
       <p:sp>
         <p:nvSpPr>
-          <p:cNvPr id="129" name="Google Shape;129;g11a4e44000b_1_872:notes"/>
+          <p:cNvPr id="132" name="Google Shape;132;g11a4e44000b_1_872:notes"/>
           <p:cNvSpPr/>
           <p:nvPr>
             <p:ph idx="2" type="sldImg"/>
@@ -2450,7 +2850,7 @@
       </p:sp>
       <p:sp>
         <p:nvSpPr>
-          <p:cNvPr id="130" name="Google Shape;130;g11a4e44000b_1_872:notes"/>
+          <p:cNvPr id="133" name="Google Shape;133;g11a4e44000b_1_872:notes"/>
           <p:cNvSpPr txBox="1"/>
           <p:nvPr>
             <p:ph idx="1" type="body"/>
@@ -2500,7 +2900,7 @@
   <p:cSld>
     <p:spTree>
       <p:nvGrpSpPr>
-        <p:cNvPr id="135" name="Shape 135"/>
+        <p:cNvPr id="140" name="Shape 140"/>
         <p:cNvGrpSpPr/>
         <p:nvPr/>
       </p:nvGrpSpPr>
@@ -2514,7 +2914,7 @@
       </p:grpSpPr>
       <p:sp>
         <p:nvSpPr>
-          <p:cNvPr id="136" name="Google Shape;136;g11a4e44000b_1_890:notes"/>
+          <p:cNvPr id="141" name="Google Shape;141;g11a4e44000b_1_890:notes"/>
           <p:cNvSpPr/>
           <p:nvPr>
             <p:ph idx="2" type="sldImg"/>
@@ -2549,7 +2949,7 @@
       </p:sp>
       <p:sp>
         <p:nvSpPr>
-          <p:cNvPr id="137" name="Google Shape;137;g11a4e44000b_1_890:notes"/>
+          <p:cNvPr id="142" name="Google Shape;142;g11a4e44000b_1_890:notes"/>
           <p:cNvSpPr txBox="1"/>
           <p:nvPr>
             <p:ph idx="1" type="body"/>
@@ -9280,7 +9680,7 @@
   <p:cSld>
     <p:spTree>
       <p:nvGrpSpPr>
-        <p:cNvPr id="143" name="Shape 143"/>
+        <p:cNvPr id="148" name="Shape 148"/>
         <p:cNvGrpSpPr/>
         <p:nvPr/>
       </p:nvGrpSpPr>
@@ -9294,7 +9694,7 @@
       </p:grpSpPr>
       <p:sp>
         <p:nvSpPr>
-          <p:cNvPr id="144" name="Google Shape;144;p22"/>
+          <p:cNvPr id="149" name="Google Shape;149;p22"/>
           <p:cNvSpPr txBox="1"/>
           <p:nvPr>
             <p:ph type="title"/>
@@ -9334,7 +9734,7 @@
       </p:sp>
       <p:sp>
         <p:nvSpPr>
-          <p:cNvPr id="145" name="Google Shape;145;p22"/>
+          <p:cNvPr id="150" name="Google Shape;150;p22"/>
           <p:cNvSpPr txBox="1"/>
           <p:nvPr>
             <p:ph idx="1" type="body"/>
@@ -9389,7 +9789,7 @@
       </p:sp>
       <p:sp>
         <p:nvSpPr>
-          <p:cNvPr id="146" name="Google Shape;146;p22"/>
+          <p:cNvPr id="151" name="Google Shape;151;p22"/>
           <p:cNvSpPr txBox="1"/>
           <p:nvPr>
             <p:ph idx="2" type="body"/>
@@ -9429,7 +9829,7 @@
       </p:sp>
       <p:pic>
         <p:nvPicPr>
-          <p:cNvPr id="147" name="Google Shape;147;p22"/>
+          <p:cNvPr id="152" name="Google Shape;152;p22"/>
           <p:cNvPicPr preferRelativeResize="0"/>
           <p:nvPr/>
         </p:nvPicPr>
@@ -9456,7 +9856,7 @@
       </p:pic>
       <p:pic>
         <p:nvPicPr>
-          <p:cNvPr id="148" name="Google Shape;148;p22"/>
+          <p:cNvPr id="153" name="Google Shape;153;p22"/>
           <p:cNvPicPr preferRelativeResize="0"/>
           <p:nvPr/>
         </p:nvPicPr>
@@ -9495,7 +9895,7 @@
   <p:cSld>
     <p:spTree>
       <p:nvGrpSpPr>
-        <p:cNvPr id="152" name="Shape 152"/>
+        <p:cNvPr id="157" name="Shape 157"/>
         <p:cNvGrpSpPr/>
         <p:nvPr/>
       </p:nvGrpSpPr>
@@ -9509,7 +9909,7 @@
       </p:grpSpPr>
       <p:sp>
         <p:nvSpPr>
-          <p:cNvPr id="153" name="Google Shape;153;p23"/>
+          <p:cNvPr id="158" name="Google Shape;158;p23"/>
           <p:cNvSpPr txBox="1"/>
           <p:nvPr>
             <p:ph type="title"/>
@@ -9549,7 +9949,7 @@
       </p:sp>
       <p:sp>
         <p:nvSpPr>
-          <p:cNvPr id="154" name="Google Shape;154;p23"/>
+          <p:cNvPr id="159" name="Google Shape;159;p23"/>
           <p:cNvSpPr txBox="1"/>
           <p:nvPr>
             <p:ph idx="1" type="body"/>
@@ -9581,7 +9981,7 @@
             </a:pPr>
             <a:r>
               <a:rPr lang="es"/>
-              <a:t>Tiempo de ejecución</a:t>
+              <a:t>Tiempo de ejecución (en segundos)</a:t>
             </a:r>
             <a:endParaRPr/>
           </a:p>
@@ -9679,7 +10079,7 @@
       </p:sp>
       <p:graphicFrame>
         <p:nvGraphicFramePr>
-          <p:cNvPr id="155" name="Google Shape;155;p23"/>
+          <p:cNvPr id="160" name="Google Shape;160;p23"/>
           <p:cNvGraphicFramePr/>
           <p:nvPr/>
         </p:nvGraphicFramePr>
@@ -9692,7 +10092,7 @@
             <a:tbl>
               <a:tblPr>
                 <a:noFill/>
-                <a:tableStyleId>{6B91BAA7-B78E-4BBA-8B07-45E24C09FD7C}</a:tableStyleId>
+                <a:tableStyleId>{924DFE90-9517-4390-BDEE-AA3B4A31AECB}</a:tableStyleId>
               </a:tblPr>
               <a:tblGrid>
                 <a:gridCol w="1841400"/>
@@ -9845,7 +10245,7 @@
                             <a:schemeClr val="dk2"/>
                           </a:solidFill>
                         </a:rPr>
-                        <a:t>0,0114 segundos</a:t>
+                        <a:t>0,0114</a:t>
                       </a:r>
                       <a:endParaRPr>
                         <a:solidFill>
@@ -9876,7 +10276,7 @@
                             <a:schemeClr val="dk2"/>
                           </a:solidFill>
                         </a:rPr>
-                        <a:t>0,0101 segundos</a:t>
+                        <a:t>0,0101</a:t>
                       </a:r>
                       <a:endParaRPr/>
                     </a:p>
@@ -9899,7 +10299,7 @@
                       </a:pPr>
                       <a:r>
                         <a:rPr lang="es"/>
-                        <a:t>0,327 segundos</a:t>
+                        <a:t>0,327</a:t>
                       </a:r>
                       <a:endParaRPr/>
                     </a:p>
@@ -9963,7 +10363,7 @@
                             <a:schemeClr val="dk2"/>
                           </a:solidFill>
                         </a:rPr>
-                        <a:t>0,0112 segundos</a:t>
+                        <a:t>0,0112</a:t>
                       </a:r>
                       <a:endParaRPr>
                         <a:solidFill>
@@ -9994,7 +10394,7 @@
                             <a:schemeClr val="dk2"/>
                           </a:solidFill>
                         </a:rPr>
-                        <a:t>0,0104 segundos</a:t>
+                        <a:t>0,0104</a:t>
                       </a:r>
                       <a:endParaRPr/>
                     </a:p>
@@ -10017,7 +10417,7 @@
                       </a:pPr>
                       <a:r>
                         <a:rPr lang="es"/>
-                        <a:t>0,317 segundos</a:t>
+                        <a:t>0,317</a:t>
                       </a:r>
                       <a:endParaRPr/>
                     </a:p>
@@ -10031,7 +10431,7 @@
       </p:graphicFrame>
       <p:sp>
         <p:nvSpPr>
-          <p:cNvPr id="156" name="Google Shape;156;p23"/>
+          <p:cNvPr id="161" name="Google Shape;161;p23"/>
           <p:cNvSpPr txBox="1"/>
           <p:nvPr/>
         </p:nvSpPr>
@@ -10100,7 +10500,7 @@
   <p:cSld>
     <p:spTree>
       <p:nvGrpSpPr>
-        <p:cNvPr id="160" name="Shape 160"/>
+        <p:cNvPr id="165" name="Shape 165"/>
         <p:cNvGrpSpPr/>
         <p:nvPr/>
       </p:nvGrpSpPr>
@@ -10114,7 +10514,7 @@
       </p:grpSpPr>
       <p:sp>
         <p:nvSpPr>
-          <p:cNvPr id="161" name="Google Shape;161;p24"/>
+          <p:cNvPr id="166" name="Google Shape;166;p24"/>
           <p:cNvSpPr txBox="1"/>
           <p:nvPr>
             <p:ph type="title"/>
@@ -10154,7 +10554,7 @@
       </p:sp>
       <p:sp>
         <p:nvSpPr>
-          <p:cNvPr id="162" name="Google Shape;162;p24"/>
+          <p:cNvPr id="167" name="Google Shape;167;p24"/>
           <p:cNvSpPr txBox="1"/>
           <p:nvPr>
             <p:ph idx="1" type="body"/>
@@ -10269,7 +10669,7 @@
       </p:sp>
       <p:graphicFrame>
         <p:nvGraphicFramePr>
-          <p:cNvPr id="163" name="Google Shape;163;p24"/>
+          <p:cNvPr id="168" name="Google Shape;168;p24"/>
           <p:cNvGraphicFramePr/>
           <p:nvPr/>
         </p:nvGraphicFramePr>
@@ -10282,7 +10682,7 @@
             <a:tbl>
               <a:tblPr>
                 <a:noFill/>
-                <a:tableStyleId>{6B91BAA7-B78E-4BBA-8B07-45E24C09FD7C}</a:tableStyleId>
+                <a:tableStyleId>{924DFE90-9517-4390-BDEE-AA3B4A31AECB}</a:tableStyleId>
               </a:tblPr>
               <a:tblGrid>
                 <a:gridCol w="1841400"/>
@@ -10601,7 +11001,7 @@
       </p:graphicFrame>
       <p:sp>
         <p:nvSpPr>
-          <p:cNvPr id="164" name="Google Shape;164;p24"/>
+          <p:cNvPr id="169" name="Google Shape;169;p24"/>
           <p:cNvSpPr txBox="1"/>
           <p:nvPr/>
         </p:nvSpPr>
@@ -10670,7 +11070,7 @@
   <p:cSld>
     <p:spTree>
       <p:nvGrpSpPr>
-        <p:cNvPr id="168" name="Shape 168"/>
+        <p:cNvPr id="173" name="Shape 173"/>
         <p:cNvGrpSpPr/>
         <p:nvPr/>
       </p:nvGrpSpPr>
@@ -10684,7 +11084,7 @@
       </p:grpSpPr>
       <p:sp>
         <p:nvSpPr>
-          <p:cNvPr id="169" name="Google Shape;169;p25"/>
+          <p:cNvPr id="174" name="Google Shape;174;p25"/>
           <p:cNvSpPr txBox="1"/>
           <p:nvPr>
             <p:ph type="title"/>
@@ -10716,7 +11116,7 @@
             </a:pPr>
             <a:r>
               <a:rPr lang="es"/>
-              <a:t>Heurística Global</a:t>
+              <a:t>Heurística Local</a:t>
             </a:r>
             <a:endParaRPr/>
           </a:p>
@@ -10724,7 +11124,7 @@
       </p:sp>
       <p:sp>
         <p:nvSpPr>
-          <p:cNvPr id="170" name="Google Shape;170;p25"/>
+          <p:cNvPr id="175" name="Google Shape;175;p25"/>
           <p:cNvSpPr txBox="1"/>
           <p:nvPr>
             <p:ph idx="1" type="body"/>
@@ -10756,22 +11156,7 @@
             </a:pPr>
             <a:r>
               <a:rPr lang="es"/>
-              <a:t>Tiempo de ejecución</a:t>
-            </a:r>
-            <a:endParaRPr/>
-          </a:p>
-          <a:p>
-            <a:pPr indent="0" lvl="0" marL="0" rtl="0" algn="l">
-              <a:spcBef>
-                <a:spcPts val="1200"/>
-              </a:spcBef>
-              <a:spcAft>
-                <a:spcPts val="0"/>
-              </a:spcAft>
-              <a:buNone/>
-            </a:pPr>
-            <a:r>
-              <a:t/>
+              <a:t>Costo de la solución</a:t>
             </a:r>
             <a:endParaRPr/>
           </a:p>
@@ -10854,12 +11239,12 @@
       </p:sp>
       <p:graphicFrame>
         <p:nvGraphicFramePr>
-          <p:cNvPr id="171" name="Google Shape;171;p25"/>
+          <p:cNvPr id="176" name="Google Shape;176;p25"/>
           <p:cNvGraphicFramePr/>
           <p:nvPr/>
         </p:nvGraphicFramePr>
         <p:xfrm>
-          <a:off x="952500" y="1809750"/>
+          <a:off x="952500" y="1742525"/>
           <a:ext cx="3000000" cy="3000000"/>
         </p:xfrm>
         <a:graphic>
@@ -10867,7 +11252,7 @@
             <a:tbl>
               <a:tblPr>
                 <a:noFill/>
-                <a:tableStyleId>{6B91BAA7-B78E-4BBA-8B07-45E24C09FD7C}</a:tableStyleId>
+                <a:tableStyleId>{924DFE90-9517-4390-BDEE-AA3B4A31AECB}</a:tableStyleId>
               </a:tblPr>
               <a:tblGrid>
                 <a:gridCol w="1841400"/>
@@ -11007,8 +11392,12 @@
                         <a:buNone/>
                       </a:pPr>
                       <a:r>
-                        <a:rPr lang="es"/>
-                        <a:t>0,0098 segundos</a:t>
+                        <a:rPr lang="es">
+                          <a:solidFill>
+                            <a:schemeClr val="dk2"/>
+                          </a:solidFill>
+                        </a:rPr>
+                        <a:t>1.526</a:t>
                       </a:r>
                       <a:endParaRPr>
                         <a:solidFill>
@@ -11039,7 +11428,7 @@
                             <a:schemeClr val="dk2"/>
                           </a:solidFill>
                         </a:rPr>
-                        <a:t>0,0210 segs</a:t>
+                        <a:t>124</a:t>
                       </a:r>
                       <a:endParaRPr/>
                     </a:p>
@@ -11062,7 +11451,7 @@
                       </a:pPr>
                       <a:r>
                         <a:rPr lang="es"/>
-                        <a:t>0,0882 segundos</a:t>
+                        <a:t>3.982</a:t>
                       </a:r>
                       <a:endParaRPr/>
                     </a:p>
@@ -11114,7 +11503,7 @@
                             <a:schemeClr val="dk2"/>
                           </a:solidFill>
                         </a:rPr>
-                        <a:t>0,0816 segundos</a:t>
+                        <a:t>151</a:t>
                       </a:r>
                       <a:endParaRPr>
                         <a:solidFill>
@@ -11145,7 +11534,7 @@
                             <a:schemeClr val="dk2"/>
                           </a:solidFill>
                         </a:rPr>
-                        <a:t>0,0221 segs</a:t>
+                        <a:t>133</a:t>
                       </a:r>
                       <a:endParaRPr/>
                     </a:p>
@@ -11168,7 +11557,7 @@
                       </a:pPr>
                       <a:r>
                         <a:rPr lang="es"/>
-                        <a:t>0,0445 segundos</a:t>
+                        <a:t>3.861</a:t>
                       </a:r>
                       <a:endParaRPr/>
                     </a:p>
@@ -11182,7 +11571,7 @@
       </p:graphicFrame>
       <p:sp>
         <p:nvSpPr>
-          <p:cNvPr id="172" name="Google Shape;172;p25"/>
+          <p:cNvPr id="177" name="Google Shape;177;p25"/>
           <p:cNvSpPr txBox="1"/>
           <p:nvPr/>
         </p:nvSpPr>
@@ -11251,7 +11640,7 @@
   <p:cSld>
     <p:spTree>
       <p:nvGrpSpPr>
-        <p:cNvPr id="176" name="Shape 176"/>
+        <p:cNvPr id="181" name="Shape 181"/>
         <p:cNvGrpSpPr/>
         <p:nvPr/>
       </p:nvGrpSpPr>
@@ -11265,7 +11654,7 @@
       </p:grpSpPr>
       <p:sp>
         <p:nvSpPr>
-          <p:cNvPr id="177" name="Google Shape;177;p26"/>
+          <p:cNvPr id="182" name="Google Shape;182;p26"/>
           <p:cNvSpPr txBox="1"/>
           <p:nvPr>
             <p:ph type="title"/>
@@ -11305,7 +11694,7 @@
       </p:sp>
       <p:sp>
         <p:nvSpPr>
-          <p:cNvPr id="178" name="Google Shape;178;p26"/>
+          <p:cNvPr id="183" name="Google Shape;183;p26"/>
           <p:cNvSpPr txBox="1"/>
           <p:nvPr>
             <p:ph idx="1" type="body"/>
@@ -11337,7 +11726,7 @@
             </a:pPr>
             <a:r>
               <a:rPr lang="es"/>
-              <a:t>Cantidad de nodos visitados</a:t>
+              <a:t>Tiempo de ejecución (en segundos)</a:t>
             </a:r>
             <a:endParaRPr/>
           </a:p>
@@ -11435,7 +11824,7 @@
       </p:sp>
       <p:graphicFrame>
         <p:nvGraphicFramePr>
-          <p:cNvPr id="179" name="Google Shape;179;p26"/>
+          <p:cNvPr id="184" name="Google Shape;184;p26"/>
           <p:cNvGraphicFramePr/>
           <p:nvPr/>
         </p:nvGraphicFramePr>
@@ -11448,7 +11837,7 @@
             <a:tbl>
               <a:tblPr>
                 <a:noFill/>
-                <a:tableStyleId>{6B91BAA7-B78E-4BBA-8B07-45E24C09FD7C}</a:tableStyleId>
+                <a:tableStyleId>{924DFE90-9517-4390-BDEE-AA3B4A31AECB}</a:tableStyleId>
               </a:tblPr>
               <a:tblGrid>
                 <a:gridCol w="1841400"/>
@@ -11588,12 +11977,8 @@
                         <a:buNone/>
                       </a:pPr>
                       <a:r>
-                        <a:rPr lang="es">
-                          <a:solidFill>
-                            <a:schemeClr val="dk2"/>
-                          </a:solidFill>
-                        </a:rPr>
-                        <a:t>126</a:t>
+                        <a:rPr lang="es"/>
+                        <a:t>0,0098</a:t>
                       </a:r>
                       <a:endParaRPr>
                         <a:solidFill>
@@ -11624,7 +12009,7 @@
                             <a:schemeClr val="dk2"/>
                           </a:solidFill>
                         </a:rPr>
-                        <a:t>96</a:t>
+                        <a:t>0,0210</a:t>
                       </a:r>
                       <a:endParaRPr/>
                     </a:p>
@@ -11647,7 +12032,7 @@
                       </a:pPr>
                       <a:r>
                         <a:rPr lang="es"/>
-                        <a:t>330</a:t>
+                        <a:t>0,0882</a:t>
                       </a:r>
                       <a:endParaRPr/>
                     </a:p>
@@ -11699,7 +12084,7 @@
                             <a:schemeClr val="dk2"/>
                           </a:solidFill>
                         </a:rPr>
-                        <a:t>337</a:t>
+                        <a:t>0,0816</a:t>
                       </a:r>
                       <a:endParaRPr>
                         <a:solidFill>
@@ -11730,7 +12115,7 @@
                             <a:schemeClr val="dk2"/>
                           </a:solidFill>
                         </a:rPr>
-                        <a:t>103</a:t>
+                        <a:t>0,0221</a:t>
                       </a:r>
                       <a:endParaRPr/>
                     </a:p>
@@ -11753,7 +12138,7 @@
                       </a:pPr>
                       <a:r>
                         <a:rPr lang="es"/>
-                        <a:t>179</a:t>
+                        <a:t>0,0445</a:t>
                       </a:r>
                       <a:endParaRPr/>
                     </a:p>
@@ -11767,7 +12152,7 @@
       </p:graphicFrame>
       <p:sp>
         <p:nvSpPr>
-          <p:cNvPr id="180" name="Google Shape;180;p26"/>
+          <p:cNvPr id="185" name="Google Shape;185;p26"/>
           <p:cNvSpPr txBox="1"/>
           <p:nvPr/>
         </p:nvSpPr>
@@ -11836,7 +12221,7 @@
   <p:cSld>
     <p:spTree>
       <p:nvGrpSpPr>
-        <p:cNvPr id="184" name="Shape 184"/>
+        <p:cNvPr id="189" name="Shape 189"/>
         <p:cNvGrpSpPr/>
         <p:nvPr/>
       </p:nvGrpSpPr>
@@ -11850,7 +12235,7 @@
       </p:grpSpPr>
       <p:sp>
         <p:nvSpPr>
-          <p:cNvPr id="185" name="Google Shape;185;p27"/>
+          <p:cNvPr id="190" name="Google Shape;190;p27"/>
           <p:cNvSpPr txBox="1"/>
           <p:nvPr>
             <p:ph type="title"/>
@@ -11882,7 +12267,7 @@
             </a:pPr>
             <a:r>
               <a:rPr lang="es"/>
-              <a:t>A*</a:t>
+              <a:t>Heurística Global</a:t>
             </a:r>
             <a:endParaRPr/>
           </a:p>
@@ -11890,7 +12275,7 @@
       </p:sp>
       <p:sp>
         <p:nvSpPr>
-          <p:cNvPr id="186" name="Google Shape;186;p27"/>
+          <p:cNvPr id="191" name="Google Shape;191;p27"/>
           <p:cNvSpPr txBox="1"/>
           <p:nvPr>
             <p:ph idx="1" type="body"/>
@@ -11907,7 +12292,7 @@
         </p:spPr>
         <p:txBody>
           <a:bodyPr anchorCtr="0" anchor="t" bIns="91425" lIns="91425" spcFirstLastPara="1" rIns="91425" wrap="square" tIns="91425">
-            <a:normAutofit lnSpcReduction="20000"/>
+            <a:normAutofit/>
           </a:bodyPr>
           <a:lstStyle/>
           <a:p>
@@ -11922,22 +12307,7 @@
             </a:pPr>
             <a:r>
               <a:rPr lang="es"/>
-              <a:t>Tiempo de ejecución</a:t>
-            </a:r>
-            <a:endParaRPr/>
-          </a:p>
-          <a:p>
-            <a:pPr indent="0" lvl="0" marL="0" rtl="0" algn="l">
-              <a:spcBef>
-                <a:spcPts val="1200"/>
-              </a:spcBef>
-              <a:spcAft>
-                <a:spcPts val="0"/>
-              </a:spcAft>
-              <a:buNone/>
-            </a:pPr>
-            <a:r>
-              <a:t/>
+              <a:t>Cantidad de nodos visitados</a:t>
             </a:r>
             <a:endParaRPr/>
           </a:p>
@@ -12035,12 +12405,12 @@
       </p:sp>
       <p:graphicFrame>
         <p:nvGraphicFramePr>
-          <p:cNvPr id="187" name="Google Shape;187;p27"/>
+          <p:cNvPr id="192" name="Google Shape;192;p27"/>
           <p:cNvGraphicFramePr/>
           <p:nvPr/>
         </p:nvGraphicFramePr>
         <p:xfrm>
-          <a:off x="952500" y="1776150"/>
+          <a:off x="952500" y="1809750"/>
           <a:ext cx="3000000" cy="3000000"/>
         </p:xfrm>
         <a:graphic>
@@ -12048,7 +12418,7 @@
             <a:tbl>
               <a:tblPr>
                 <a:noFill/>
-                <a:tableStyleId>{6B91BAA7-B78E-4BBA-8B07-45E24C09FD7C}</a:tableStyleId>
+                <a:tableStyleId>{924DFE90-9517-4390-BDEE-AA3B4A31AECB}</a:tableStyleId>
               </a:tblPr>
               <a:tblGrid>
                 <a:gridCol w="1841400"/>
@@ -12193,7 +12563,7 @@
                             <a:schemeClr val="dk2"/>
                           </a:solidFill>
                         </a:rPr>
-                        <a:t>2,884 segundos</a:t>
+                        <a:t>126</a:t>
                       </a:r>
                       <a:endParaRPr>
                         <a:solidFill>
@@ -12224,7 +12594,7 @@
                             <a:schemeClr val="dk2"/>
                           </a:solidFill>
                         </a:rPr>
-                        <a:t>0,387 segundos</a:t>
+                        <a:t>96</a:t>
                       </a:r>
                       <a:endParaRPr/>
                     </a:p>
@@ -12247,7 +12617,7 @@
                       </a:pPr>
                       <a:r>
                         <a:rPr lang="es"/>
-                        <a:t>0,627 segundos</a:t>
+                        <a:t>330</a:t>
                       </a:r>
                       <a:endParaRPr/>
                     </a:p>
@@ -12299,7 +12669,7 @@
                             <a:schemeClr val="dk2"/>
                           </a:solidFill>
                         </a:rPr>
-                        <a:t>99,951 segundos</a:t>
+                        <a:t>337</a:t>
                       </a:r>
                       <a:endParaRPr>
                         <a:solidFill>
@@ -12330,7 +12700,7 @@
                             <a:schemeClr val="dk2"/>
                           </a:solidFill>
                         </a:rPr>
-                        <a:t>21,921 segundos</a:t>
+                        <a:t>103</a:t>
                       </a:r>
                       <a:endParaRPr/>
                     </a:p>
@@ -12353,7 +12723,7 @@
                       </a:pPr>
                       <a:r>
                         <a:rPr lang="es"/>
-                        <a:t>3,464 segundos</a:t>
+                        <a:t>179</a:t>
                       </a:r>
                       <a:endParaRPr/>
                     </a:p>
@@ -12367,7 +12737,7 @@
       </p:graphicFrame>
       <p:sp>
         <p:nvSpPr>
-          <p:cNvPr id="188" name="Google Shape;188;p27"/>
+          <p:cNvPr id="193" name="Google Shape;193;p27"/>
           <p:cNvSpPr txBox="1"/>
           <p:nvPr/>
         </p:nvSpPr>
@@ -12436,7 +12806,7 @@
   <p:cSld>
     <p:spTree>
       <p:nvGrpSpPr>
-        <p:cNvPr id="192" name="Shape 192"/>
+        <p:cNvPr id="197" name="Shape 197"/>
         <p:cNvGrpSpPr/>
         <p:nvPr/>
       </p:nvGrpSpPr>
@@ -12450,7 +12820,7 @@
       </p:grpSpPr>
       <p:sp>
         <p:nvSpPr>
-          <p:cNvPr id="193" name="Google Shape;193;p28"/>
+          <p:cNvPr id="198" name="Google Shape;198;p28"/>
           <p:cNvSpPr txBox="1"/>
           <p:nvPr>
             <p:ph type="title"/>
@@ -12482,7 +12852,7 @@
             </a:pPr>
             <a:r>
               <a:rPr lang="es"/>
-              <a:t>A*</a:t>
+              <a:t>Heurística Global</a:t>
             </a:r>
             <a:endParaRPr/>
           </a:p>
@@ -12490,7 +12860,7 @@
       </p:sp>
       <p:sp>
         <p:nvSpPr>
-          <p:cNvPr id="194" name="Google Shape;194;p28"/>
+          <p:cNvPr id="199" name="Google Shape;199;p28"/>
           <p:cNvSpPr txBox="1"/>
           <p:nvPr>
             <p:ph idx="1" type="body"/>
@@ -12522,7 +12892,7 @@
             </a:pPr>
             <a:r>
               <a:rPr lang="es"/>
-              <a:t>Cantidad de nodos visitados</a:t>
+              <a:t>Costo de la solución</a:t>
             </a:r>
             <a:endParaRPr/>
           </a:p>
@@ -12620,7 +12990,7 @@
       </p:sp>
       <p:graphicFrame>
         <p:nvGraphicFramePr>
-          <p:cNvPr id="195" name="Google Shape;195;p28"/>
+          <p:cNvPr id="200" name="Google Shape;200;p28"/>
           <p:cNvGraphicFramePr/>
           <p:nvPr/>
         </p:nvGraphicFramePr>
@@ -12633,7 +13003,7 @@
             <a:tbl>
               <a:tblPr>
                 <a:noFill/>
-                <a:tableStyleId>{6B91BAA7-B78E-4BBA-8B07-45E24C09FD7C}</a:tableStyleId>
+                <a:tableStyleId>{924DFE90-9517-4390-BDEE-AA3B4A31AECB}</a:tableStyleId>
               </a:tblPr>
               <a:tblGrid>
                 <a:gridCol w="1841400"/>
@@ -12778,7 +13148,7 @@
                             <a:schemeClr val="dk2"/>
                           </a:solidFill>
                         </a:rPr>
-                        <a:t>7.883</a:t>
+                        <a:t>46</a:t>
                       </a:r>
                       <a:endParaRPr>
                         <a:solidFill>
@@ -12809,7 +13179,7 @@
                             <a:schemeClr val="dk2"/>
                           </a:solidFill>
                         </a:rPr>
-                        <a:t>1.269</a:t>
+                        <a:t>38</a:t>
                       </a:r>
                       <a:endParaRPr/>
                     </a:p>
@@ -12832,7 +13202,7 @@
                       </a:pPr>
                       <a:r>
                         <a:rPr lang="es"/>
-                        <a:t>1.920</a:t>
+                        <a:t>68</a:t>
                       </a:r>
                       <a:endParaRPr/>
                     </a:p>
@@ -12884,7 +13254,7 @@
                             <a:schemeClr val="dk2"/>
                           </a:solidFill>
                         </a:rPr>
-                        <a:t>143.840</a:t>
+                        <a:t>63</a:t>
                       </a:r>
                       <a:endParaRPr>
                         <a:solidFill>
@@ -12915,7 +13285,7 @@
                             <a:schemeClr val="dk2"/>
                           </a:solidFill>
                         </a:rPr>
-                        <a:t>39.059</a:t>
+                        <a:t>47</a:t>
                       </a:r>
                       <a:endParaRPr/>
                     </a:p>
@@ -12938,7 +13308,7 @@
                       </a:pPr>
                       <a:r>
                         <a:rPr lang="es"/>
-                        <a:t>8.952</a:t>
+                        <a:t>59</a:t>
                       </a:r>
                       <a:endParaRPr/>
                     </a:p>
@@ -12952,7 +13322,7 @@
       </p:graphicFrame>
       <p:sp>
         <p:nvSpPr>
-          <p:cNvPr id="196" name="Google Shape;196;p28"/>
+          <p:cNvPr id="201" name="Google Shape;201;p28"/>
           <p:cNvSpPr txBox="1"/>
           <p:nvPr/>
         </p:nvSpPr>
@@ -13021,71 +13391,6 @@
   <p:cSld>
     <p:spTree>
       <p:nvGrpSpPr>
-        <p:cNvPr id="200" name="Shape 200"/>
-        <p:cNvGrpSpPr/>
-        <p:nvPr/>
-      </p:nvGrpSpPr>
-      <p:grpSpPr>
-        <a:xfrm>
-          <a:off x="0" y="0"/>
-          <a:ext cx="0" cy="0"/>
-          <a:chOff x="0" y="0"/>
-          <a:chExt cx="0" cy="0"/>
-        </a:xfrm>
-      </p:grpSpPr>
-      <p:sp>
-        <p:nvSpPr>
-          <p:cNvPr id="201" name="Google Shape;201;p29"/>
-          <p:cNvSpPr txBox="1"/>
-          <p:nvPr>
-            <p:ph type="title"/>
-          </p:nvPr>
-        </p:nvSpPr>
-        <p:spPr>
-          <a:xfrm>
-            <a:off x="598100" y="2152347"/>
-            <a:ext cx="8222100" cy="838800"/>
-          </a:xfrm>
-          <a:prstGeom prst="rect">
-            <a:avLst/>
-          </a:prstGeom>
-        </p:spPr>
-        <p:txBody>
-          <a:bodyPr anchorCtr="0" anchor="ctr" bIns="91425" lIns="91425" spcFirstLastPara="1" rIns="91425" wrap="square" tIns="91425">
-            <a:normAutofit/>
-          </a:bodyPr>
-          <a:lstStyle/>
-          <a:p>
-            <a:pPr indent="0" lvl="0" marL="0" rtl="0" algn="l">
-              <a:spcBef>
-                <a:spcPts val="0"/>
-              </a:spcBef>
-              <a:spcAft>
-                <a:spcPts val="0"/>
-              </a:spcAft>
-              <a:buNone/>
-            </a:pPr>
-            <a:r>
-              <a:rPr lang="es"/>
-              <a:t>Comparación de Algoritmos</a:t>
-            </a:r>
-            <a:endParaRPr/>
-          </a:p>
-        </p:txBody>
-      </p:sp>
-    </p:spTree>
-  </p:cSld>
-  <p:clrMapOvr>
-    <a:masterClrMapping/>
-  </p:clrMapOvr>
-</p:sld>
-</file>
-
-<file path=ppt/slides/slide18.xml><?xml version="1.0" encoding="utf-8"?>
-<p:sld xmlns:a="http://schemas.openxmlformats.org/drawingml/2006/main" xmlns:r="http://schemas.openxmlformats.org/officeDocument/2006/relationships" xmlns:mc="http://schemas.openxmlformats.org/markup-compatibility/2006" xmlns:mv="urn:schemas-microsoft-com:mac:vml" xmlns:p="http://schemas.openxmlformats.org/presentationml/2006/main" xmlns:c="http://schemas.openxmlformats.org/drawingml/2006/chart" xmlns:dgm="http://schemas.openxmlformats.org/drawingml/2006/diagram" xmlns:o="urn:schemas-microsoft-com:office:office" xmlns:v="urn:schemas-microsoft-com:vml" xmlns:pvml="urn:schemas-microsoft-com:office:powerpoint" xmlns:com="http://schemas.openxmlformats.org/drawingml/2006/compatibility" xmlns:p14="http://schemas.microsoft.com/office/powerpoint/2010/main" xmlns:p15="http://schemas.microsoft.com/office/powerpoint/2012/main" xmlns:ahyp="http://schemas.microsoft.com/office/drawing/2018/hyperlinkcolor">
-  <p:cSld>
-    <p:spTree>
-      <p:nvGrpSpPr>
         <p:cNvPr id="205" name="Shape 205"/>
         <p:cNvGrpSpPr/>
         <p:nvPr/>
@@ -13100,7 +13405,7 @@
       </p:grpSpPr>
       <p:sp>
         <p:nvSpPr>
-          <p:cNvPr id="206" name="Google Shape;206;p30"/>
+          <p:cNvPr id="206" name="Google Shape;206;p29"/>
           <p:cNvSpPr txBox="1"/>
           <p:nvPr>
             <p:ph type="title"/>
@@ -13132,7 +13437,7 @@
             </a:pPr>
             <a:r>
               <a:rPr lang="es"/>
-              <a:t>Algoritmos</a:t>
+              <a:t>A*</a:t>
             </a:r>
             <a:endParaRPr/>
           </a:p>
@@ -13140,7 +13445,7 @@
       </p:sp>
       <p:sp>
         <p:nvSpPr>
-          <p:cNvPr id="207" name="Google Shape;207;p30"/>
+          <p:cNvPr id="207" name="Google Shape;207;p29"/>
           <p:cNvSpPr txBox="1"/>
           <p:nvPr>
             <p:ph idx="1" type="body"/>
@@ -13148,7 +13453,7 @@
         </p:nvSpPr>
         <p:spPr>
           <a:xfrm>
-            <a:off x="311700" y="1082375"/>
+            <a:off x="311700" y="1229875"/>
             <a:ext cx="8520600" cy="3339000"/>
           </a:xfrm>
           <a:prstGeom prst="rect">
@@ -13157,7 +13462,7 @@
         </p:spPr>
         <p:txBody>
           <a:bodyPr anchorCtr="0" anchor="t" bIns="91425" lIns="91425" spcFirstLastPara="1" rIns="91425" wrap="square" tIns="91425">
-            <a:normAutofit lnSpcReduction="20000"/>
+            <a:normAutofit/>
           </a:bodyPr>
           <a:lstStyle/>
           <a:p>
@@ -13171,10 +13476,14 @@
               <a:buNone/>
             </a:pPr>
             <a:r>
+              <a:rPr lang="es"/>
+              <a:t>Tiempo de ejecución </a:t>
+            </a:r>
+            <a:r>
               <a:rPr lang="es" sz="1600"/>
-              <a:t>Los algoritmos de búsqueda informada utilizan el mejor resultado para las distintas heurísticas</a:t>
+              <a:t>(en segundos)</a:t>
             </a:r>
-            <a:endParaRPr sz="1600"/>
+            <a:endParaRPr/>
           </a:p>
           <a:p>
             <a:pPr indent="0" lvl="0" marL="0" rtl="0" algn="l">
@@ -13189,7 +13498,7 @@
             <a:r>
               <a:t/>
             </a:r>
-            <a:endParaRPr sz="1600"/>
+            <a:endParaRPr/>
           </a:p>
           <a:p>
             <a:pPr indent="0" lvl="0" marL="0" rtl="0" algn="l">
@@ -13204,7 +13513,7 @@
             <a:r>
               <a:t/>
             </a:r>
-            <a:endParaRPr sz="1600"/>
+            <a:endParaRPr/>
           </a:p>
           <a:p>
             <a:pPr indent="0" lvl="0" marL="0" rtl="0" algn="l">
@@ -13219,7 +13528,7 @@
             <a:r>
               <a:t/>
             </a:r>
-            <a:endParaRPr sz="1600"/>
+            <a:endParaRPr/>
           </a:p>
           <a:p>
             <a:pPr indent="0" lvl="0" marL="0" rtl="0" algn="l">
@@ -13234,7 +13543,7 @@
             <a:r>
               <a:t/>
             </a:r>
-            <a:endParaRPr sz="1600"/>
+            <a:endParaRPr/>
           </a:p>
           <a:p>
             <a:pPr indent="0" lvl="0" marL="0" rtl="0" algn="l">
@@ -13242,56 +13551,25 @@
                 <a:spcPts val="1200"/>
               </a:spcBef>
               <a:spcAft>
-                <a:spcPts val="0"/>
+                <a:spcPts val="1200"/>
               </a:spcAft>
               <a:buNone/>
             </a:pPr>
             <a:r>
               <a:t/>
             </a:r>
-            <a:endParaRPr sz="1600"/>
-          </a:p>
-          <a:p>
-            <a:pPr indent="0" lvl="0" marL="0" rtl="0" algn="l">
-              <a:spcBef>
-                <a:spcPts val="1200"/>
-              </a:spcBef>
-              <a:spcAft>
-                <a:spcPts val="0"/>
-              </a:spcAft>
-              <a:buNone/>
-            </a:pPr>
-            <a:r>
-              <a:t/>
-            </a:r>
-            <a:endParaRPr sz="1600"/>
-          </a:p>
-          <a:p>
-            <a:pPr indent="0" lvl="0" marL="0" rtl="0" algn="l">
-              <a:spcBef>
-                <a:spcPts val="1200"/>
-              </a:spcBef>
-              <a:spcAft>
-                <a:spcPts val="1200"/>
-              </a:spcAft>
-              <a:buNone/>
-            </a:pPr>
-            <a:r>
-              <a:rPr lang="es" sz="1600"/>
-              <a:t>Cantidad de nodos visitados</a:t>
-            </a:r>
-            <a:endParaRPr sz="1600"/>
+            <a:endParaRPr/>
           </a:p>
         </p:txBody>
       </p:sp>
       <p:graphicFrame>
         <p:nvGraphicFramePr>
-          <p:cNvPr id="208" name="Google Shape;208;p30"/>
+          <p:cNvPr id="208" name="Google Shape;208;p29"/>
           <p:cNvGraphicFramePr/>
           <p:nvPr/>
         </p:nvGraphicFramePr>
         <p:xfrm>
-          <a:off x="952475" y="1809750"/>
+          <a:off x="952500" y="1776150"/>
           <a:ext cx="3000000" cy="3000000"/>
         </p:xfrm>
         <a:graphic>
@@ -13299,18 +13577,15 @@
             <a:tbl>
               <a:tblPr>
                 <a:noFill/>
-                <a:tableStyleId>{6B91BAA7-B78E-4BBA-8B07-45E24C09FD7C}</a:tableStyleId>
+                <a:tableStyleId>{924DFE90-9517-4390-BDEE-AA3B4A31AECB}</a:tableStyleId>
               </a:tblPr>
               <a:tblGrid>
-                <a:gridCol w="1034150"/>
-                <a:gridCol w="1034150"/>
-                <a:gridCol w="1034150"/>
-                <a:gridCol w="1034150"/>
-                <a:gridCol w="1034150"/>
-                <a:gridCol w="1034150"/>
-                <a:gridCol w="1034150"/>
+                <a:gridCol w="1841400"/>
+                <a:gridCol w="1953100"/>
+                <a:gridCol w="1729700"/>
+                <a:gridCol w="1841400"/>
               </a:tblGrid>
-              <a:tr h="611100">
+              <a:tr h="609575">
                 <a:tc>
                   <a:txBody>
                     <a:bodyPr/>
@@ -13349,7 +13624,7 @@
                       </a:pPr>
                       <a:r>
                         <a:rPr lang="es"/>
-                        <a:t>BPA</a:t>
+                        <a:t>Cantidad fuera de lugar</a:t>
                       </a:r>
                       <a:endParaRPr/>
                     </a:p>
@@ -13372,7 +13647,7 @@
                       </a:pPr>
                       <a:r>
                         <a:rPr lang="es"/>
-                        <a:t>BPP</a:t>
+                        <a:t>Distancia Euclídea</a:t>
                       </a:r>
                       <a:endParaRPr/>
                     </a:p>
@@ -13395,7 +13670,32 @@
                       </a:pPr>
                       <a:r>
                         <a:rPr lang="es"/>
-                        <a:t>BPPV</a:t>
+                        <a:t>Distancia Manhattan</a:t>
+                      </a:r>
+                      <a:endParaRPr/>
+                    </a:p>
+                  </a:txBody>
+                  <a:tcPr marT="91425" marB="91425" marR="91425" marL="91425"/>
+                </a:tc>
+              </a:tr>
+              <a:tr h="609575">
+                <a:tc>
+                  <a:txBody>
+                    <a:bodyPr/>
+                    <a:lstStyle/>
+                    <a:p>
+                      <a:pPr indent="0" lvl="0" marL="0" rtl="0" algn="l">
+                        <a:spcBef>
+                          <a:spcPts val="0"/>
+                        </a:spcBef>
+                        <a:spcAft>
+                          <a:spcPts val="0"/>
+                        </a:spcAft>
+                        <a:buNone/>
+                      </a:pPr>
+                      <a:r>
+                        <a:rPr lang="es"/>
+                        <a:t>Problema Promedio</a:t>
                       </a:r>
                       <a:endParaRPr/>
                     </a:p>
@@ -13417,12 +13717,43 @@
                         <a:buNone/>
                       </a:pPr>
                       <a:r>
-                        <a:rPr lang="es"/>
-                        <a:t>Heurística</a:t>
+                        <a:rPr lang="es">
+                          <a:solidFill>
+                            <a:schemeClr val="dk2"/>
+                          </a:solidFill>
+                        </a:rPr>
+                        <a:t>2,884</a:t>
                       </a:r>
+                      <a:endParaRPr>
+                        <a:solidFill>
+                          <a:schemeClr val="dk2"/>
+                        </a:solidFill>
+                      </a:endParaRPr>
+                    </a:p>
+                  </a:txBody>
+                  <a:tcPr marT="91425" marB="91425" marR="91425" marL="91425"/>
+                </a:tc>
+                <a:tc>
+                  <a:txBody>
+                    <a:bodyPr/>
+                    <a:lstStyle/>
+                    <a:p>
+                      <a:pPr indent="0" lvl="0" marL="0" rtl="0" algn="l">
+                        <a:spcBef>
+                          <a:spcPts val="0"/>
+                        </a:spcBef>
+                        <a:spcAft>
+                          <a:spcPts val="0"/>
+                        </a:spcAft>
+                        <a:buNone/>
+                      </a:pPr>
                       <a:r>
-                        <a:rPr lang="es"/>
-                        <a:t> Local</a:t>
+                        <a:rPr lang="es">
+                          <a:solidFill>
+                            <a:schemeClr val="dk2"/>
+                          </a:solidFill>
+                        </a:rPr>
+                        <a:t>0,387</a:t>
                       </a:r>
                       <a:endParaRPr/>
                     </a:p>
@@ -13445,11 +13776,32 @@
                       </a:pPr>
                       <a:r>
                         <a:rPr lang="es"/>
-                        <a:t>Heurística</a:t>
+                        <a:t>0,627</a:t>
                       </a:r>
+                      <a:endParaRPr/>
+                    </a:p>
+                  </a:txBody>
+                  <a:tcPr marT="91425" marB="91425" marR="91425" marL="91425"/>
+                </a:tc>
+              </a:tr>
+              <a:tr h="609575">
+                <a:tc>
+                  <a:txBody>
+                    <a:bodyPr/>
+                    <a:lstStyle/>
+                    <a:p>
+                      <a:pPr indent="0" lvl="0" marL="0" rtl="0" algn="l">
+                        <a:spcBef>
+                          <a:spcPts val="0"/>
+                        </a:spcBef>
+                        <a:spcAft>
+                          <a:spcPts val="0"/>
+                        </a:spcAft>
+                        <a:buNone/>
+                      </a:pPr>
                       <a:r>
                         <a:rPr lang="es"/>
-                        <a:t> Global</a:t>
+                        <a:t>Problema más difícil</a:t>
                       </a:r>
                       <a:endParaRPr/>
                     </a:p>
@@ -13471,16 +13823,22 @@
                         <a:buNone/>
                       </a:pPr>
                       <a:r>
-                        <a:rPr lang="es"/>
-                        <a:t>A*</a:t>
+                        <a:rPr lang="es">
+                          <a:solidFill>
+                            <a:schemeClr val="dk2"/>
+                          </a:solidFill>
+                        </a:rPr>
+                        <a:t>99,951</a:t>
                       </a:r>
-                      <a:endParaRPr/>
+                      <a:endParaRPr>
+                        <a:solidFill>
+                          <a:schemeClr val="dk2"/>
+                        </a:solidFill>
+                      </a:endParaRPr>
                     </a:p>
                   </a:txBody>
                   <a:tcPr marT="91425" marB="91425" marR="91425" marL="91425"/>
                 </a:tc>
-              </a:tr>
-              <a:tr h="611100">
                 <a:tc>
                   <a:txBody>
                     <a:bodyPr/>
@@ -13496,8 +13854,12 @@
                         <a:buNone/>
                       </a:pPr>
                       <a:r>
-                        <a:rPr lang="es"/>
-                        <a:t>Problema promedio</a:t>
+                        <a:rPr lang="es">
+                          <a:solidFill>
+                            <a:schemeClr val="dk2"/>
+                          </a:solidFill>
+                        </a:rPr>
+                        <a:t>21,921</a:t>
                       </a:r>
                       <a:endParaRPr/>
                     </a:p>
@@ -13519,12 +13881,312 @@
                         <a:buNone/>
                       </a:pPr>
                       <a:r>
-                        <a:rPr lang="es">
-                          <a:solidFill>
-                            <a:schemeClr val="dk2"/>
-                          </a:solidFill>
-                        </a:rPr>
-                        <a:t>91.330</a:t>
+                        <a:rPr lang="es"/>
+                        <a:t>3,464</a:t>
+                      </a:r>
+                      <a:endParaRPr/>
+                    </a:p>
+                  </a:txBody>
+                  <a:tcPr marT="91425" marB="91425" marR="91425" marL="91425"/>
+                </a:tc>
+              </a:tr>
+            </a:tbl>
+          </a:graphicData>
+        </a:graphic>
+      </p:graphicFrame>
+      <p:sp>
+        <p:nvSpPr>
+          <p:cNvPr id="209" name="Google Shape;209;p29"/>
+          <p:cNvSpPr txBox="1"/>
+          <p:nvPr/>
+        </p:nvSpPr>
+        <p:spPr>
+          <a:xfrm>
+            <a:off x="311700" y="4844850"/>
+            <a:ext cx="6951900" cy="338700"/>
+          </a:xfrm>
+          <a:prstGeom prst="rect">
+            <a:avLst/>
+          </a:prstGeom>
+          <a:noFill/>
+          <a:ln>
+            <a:noFill/>
+          </a:ln>
+        </p:spPr>
+        <p:txBody>
+          <a:bodyPr anchorCtr="0" anchor="t" bIns="91425" lIns="91425" spcFirstLastPara="1" rIns="91425" wrap="square" tIns="91425">
+            <a:spAutoFit/>
+          </a:bodyPr>
+          <a:lstStyle/>
+          <a:p>
+            <a:pPr indent="0" lvl="0" marL="0" rtl="0" algn="l">
+              <a:spcBef>
+                <a:spcPts val="0"/>
+              </a:spcBef>
+              <a:spcAft>
+                <a:spcPts val="0"/>
+              </a:spcAft>
+              <a:buNone/>
+            </a:pPr>
+            <a:r>
+              <a:rPr lang="es" sz="1000">
+                <a:solidFill>
+                  <a:schemeClr val="lt1"/>
+                </a:solidFill>
+                <a:latin typeface="Roboto"/>
+                <a:ea typeface="Roboto"/>
+                <a:cs typeface="Roboto"/>
+                <a:sym typeface="Roboto"/>
+              </a:rPr>
+              <a:t>Todas las pruebas fueron ejecutadas en una MacBook Pro 2020</a:t>
+            </a:r>
+            <a:endParaRPr sz="1000">
+              <a:solidFill>
+                <a:schemeClr val="lt1"/>
+              </a:solidFill>
+              <a:latin typeface="Roboto"/>
+              <a:ea typeface="Roboto"/>
+              <a:cs typeface="Roboto"/>
+              <a:sym typeface="Roboto"/>
+            </a:endParaRPr>
+          </a:p>
+        </p:txBody>
+      </p:sp>
+    </p:spTree>
+  </p:cSld>
+  <p:clrMapOvr>
+    <a:masterClrMapping/>
+  </p:clrMapOvr>
+</p:sld>
+</file>
+
+<file path=ppt/slides/slide18.xml><?xml version="1.0" encoding="utf-8"?>
+<p:sld xmlns:a="http://schemas.openxmlformats.org/drawingml/2006/main" xmlns:r="http://schemas.openxmlformats.org/officeDocument/2006/relationships" xmlns:mc="http://schemas.openxmlformats.org/markup-compatibility/2006" xmlns:mv="urn:schemas-microsoft-com:mac:vml" xmlns:p="http://schemas.openxmlformats.org/presentationml/2006/main" xmlns:c="http://schemas.openxmlformats.org/drawingml/2006/chart" xmlns:dgm="http://schemas.openxmlformats.org/drawingml/2006/diagram" xmlns:o="urn:schemas-microsoft-com:office:office" xmlns:v="urn:schemas-microsoft-com:vml" xmlns:pvml="urn:schemas-microsoft-com:office:powerpoint" xmlns:com="http://schemas.openxmlformats.org/drawingml/2006/compatibility" xmlns:p14="http://schemas.microsoft.com/office/powerpoint/2010/main" xmlns:p15="http://schemas.microsoft.com/office/powerpoint/2012/main" xmlns:ahyp="http://schemas.microsoft.com/office/drawing/2018/hyperlinkcolor">
+  <p:cSld>
+    <p:spTree>
+      <p:nvGrpSpPr>
+        <p:cNvPr id="213" name="Shape 213"/>
+        <p:cNvGrpSpPr/>
+        <p:nvPr/>
+      </p:nvGrpSpPr>
+      <p:grpSpPr>
+        <a:xfrm>
+          <a:off x="0" y="0"/>
+          <a:ext cx="0" cy="0"/>
+          <a:chOff x="0" y="0"/>
+          <a:chExt cx="0" cy="0"/>
+        </a:xfrm>
+      </p:grpSpPr>
+      <p:sp>
+        <p:nvSpPr>
+          <p:cNvPr id="214" name="Google Shape;214;p30"/>
+          <p:cNvSpPr txBox="1"/>
+          <p:nvPr>
+            <p:ph type="title"/>
+          </p:nvPr>
+        </p:nvSpPr>
+        <p:spPr>
+          <a:xfrm>
+            <a:off x="311700" y="410000"/>
+            <a:ext cx="8520600" cy="607800"/>
+          </a:xfrm>
+          <a:prstGeom prst="rect">
+            <a:avLst/>
+          </a:prstGeom>
+        </p:spPr>
+        <p:txBody>
+          <a:bodyPr anchorCtr="0" anchor="t" bIns="91425" lIns="91425" spcFirstLastPara="1" rIns="91425" wrap="square" tIns="91425">
+            <a:normAutofit fontScale="90000"/>
+          </a:bodyPr>
+          <a:lstStyle/>
+          <a:p>
+            <a:pPr indent="0" lvl="0" marL="0" rtl="0" algn="l">
+              <a:spcBef>
+                <a:spcPts val="0"/>
+              </a:spcBef>
+              <a:spcAft>
+                <a:spcPts val="0"/>
+              </a:spcAft>
+              <a:buNone/>
+            </a:pPr>
+            <a:r>
+              <a:rPr lang="es"/>
+              <a:t>A*</a:t>
+            </a:r>
+            <a:endParaRPr/>
+          </a:p>
+        </p:txBody>
+      </p:sp>
+      <p:sp>
+        <p:nvSpPr>
+          <p:cNvPr id="215" name="Google Shape;215;p30"/>
+          <p:cNvSpPr txBox="1"/>
+          <p:nvPr>
+            <p:ph idx="1" type="body"/>
+          </p:nvPr>
+        </p:nvSpPr>
+        <p:spPr>
+          <a:xfrm>
+            <a:off x="311700" y="1229875"/>
+            <a:ext cx="8520600" cy="3339000"/>
+          </a:xfrm>
+          <a:prstGeom prst="rect">
+            <a:avLst/>
+          </a:prstGeom>
+        </p:spPr>
+        <p:txBody>
+          <a:bodyPr anchorCtr="0" anchor="t" bIns="91425" lIns="91425" spcFirstLastPara="1" rIns="91425" wrap="square" tIns="91425">
+            <a:normAutofit/>
+          </a:bodyPr>
+          <a:lstStyle/>
+          <a:p>
+            <a:pPr indent="0" lvl="0" marL="0" rtl="0" algn="l">
+              <a:spcBef>
+                <a:spcPts val="0"/>
+              </a:spcBef>
+              <a:spcAft>
+                <a:spcPts val="0"/>
+              </a:spcAft>
+              <a:buNone/>
+            </a:pPr>
+            <a:r>
+              <a:rPr lang="es"/>
+              <a:t>Cantidad de nodos visitados</a:t>
+            </a:r>
+            <a:endParaRPr/>
+          </a:p>
+          <a:p>
+            <a:pPr indent="0" lvl="0" marL="0" rtl="0" algn="l">
+              <a:spcBef>
+                <a:spcPts val="1200"/>
+              </a:spcBef>
+              <a:spcAft>
+                <a:spcPts val="0"/>
+              </a:spcAft>
+              <a:buNone/>
+            </a:pPr>
+            <a:r>
+              <a:t/>
+            </a:r>
+            <a:endParaRPr/>
+          </a:p>
+          <a:p>
+            <a:pPr indent="0" lvl="0" marL="0" rtl="0" algn="l">
+              <a:spcBef>
+                <a:spcPts val="1200"/>
+              </a:spcBef>
+              <a:spcAft>
+                <a:spcPts val="0"/>
+              </a:spcAft>
+              <a:buNone/>
+            </a:pPr>
+            <a:r>
+              <a:t/>
+            </a:r>
+            <a:endParaRPr/>
+          </a:p>
+          <a:p>
+            <a:pPr indent="0" lvl="0" marL="0" rtl="0" algn="l">
+              <a:spcBef>
+                <a:spcPts val="1200"/>
+              </a:spcBef>
+              <a:spcAft>
+                <a:spcPts val="0"/>
+              </a:spcAft>
+              <a:buNone/>
+            </a:pPr>
+            <a:r>
+              <a:t/>
+            </a:r>
+            <a:endParaRPr/>
+          </a:p>
+          <a:p>
+            <a:pPr indent="0" lvl="0" marL="0" rtl="0" algn="l">
+              <a:spcBef>
+                <a:spcPts val="1200"/>
+              </a:spcBef>
+              <a:spcAft>
+                <a:spcPts val="0"/>
+              </a:spcAft>
+              <a:buNone/>
+            </a:pPr>
+            <a:r>
+              <a:t/>
+            </a:r>
+            <a:endParaRPr/>
+          </a:p>
+          <a:p>
+            <a:pPr indent="0" lvl="0" marL="0" rtl="0" algn="l">
+              <a:spcBef>
+                <a:spcPts val="1200"/>
+              </a:spcBef>
+              <a:spcAft>
+                <a:spcPts val="0"/>
+              </a:spcAft>
+              <a:buNone/>
+            </a:pPr>
+            <a:r>
+              <a:t/>
+            </a:r>
+            <a:endParaRPr/>
+          </a:p>
+          <a:p>
+            <a:pPr indent="0" lvl="0" marL="0" rtl="0" algn="l">
+              <a:spcBef>
+                <a:spcPts val="1200"/>
+              </a:spcBef>
+              <a:spcAft>
+                <a:spcPts val="1200"/>
+              </a:spcAft>
+              <a:buNone/>
+            </a:pPr>
+            <a:r>
+              <a:t/>
+            </a:r>
+            <a:endParaRPr/>
+          </a:p>
+        </p:txBody>
+      </p:sp>
+      <p:graphicFrame>
+        <p:nvGraphicFramePr>
+          <p:cNvPr id="216" name="Google Shape;216;p30"/>
+          <p:cNvGraphicFramePr/>
+          <p:nvPr/>
+        </p:nvGraphicFramePr>
+        <p:xfrm>
+          <a:off x="952500" y="1809750"/>
+          <a:ext cx="3000000" cy="3000000"/>
+        </p:xfrm>
+        <a:graphic>
+          <a:graphicData uri="http://schemas.openxmlformats.org/drawingml/2006/table">
+            <a:tbl>
+              <a:tblPr>
+                <a:noFill/>
+                <a:tableStyleId>{924DFE90-9517-4390-BDEE-AA3B4A31AECB}</a:tableStyleId>
+              </a:tblPr>
+              <a:tblGrid>
+                <a:gridCol w="1841400"/>
+                <a:gridCol w="1953100"/>
+                <a:gridCol w="1729700"/>
+                <a:gridCol w="1841400"/>
+              </a:tblGrid>
+              <a:tr h="609575">
+                <a:tc>
+                  <a:txBody>
+                    <a:bodyPr/>
+                    <a:lstStyle/>
+                    <a:p>
+                      <a:pPr indent="0" lvl="0" marL="0" rtl="0" algn="l">
+                        <a:spcBef>
+                          <a:spcPts val="0"/>
+                        </a:spcBef>
+                        <a:spcAft>
+                          <a:spcPts val="0"/>
+                        </a:spcAft>
+                        <a:buNone/>
+                      </a:pPr>
+                      <a:r>
+                        <a:t/>
                       </a:r>
                       <a:endParaRPr/>
                     </a:p>
@@ -13546,12 +14208,8 @@
                         <a:buNone/>
                       </a:pPr>
                       <a:r>
-                        <a:rPr lang="es">
-                          <a:solidFill>
-                            <a:schemeClr val="dk2"/>
-                          </a:solidFill>
-                        </a:rPr>
-                        <a:t>171.857</a:t>
+                        <a:rPr lang="es"/>
+                        <a:t>Cantidad fuera de lugar</a:t>
                       </a:r>
                       <a:endParaRPr/>
                     </a:p>
@@ -13573,12 +14231,8 @@
                         <a:buNone/>
                       </a:pPr>
                       <a:r>
-                        <a:rPr lang="es">
-                          <a:solidFill>
-                            <a:schemeClr val="dk2"/>
-                          </a:solidFill>
-                        </a:rPr>
-                        <a:t>102.536</a:t>
+                        <a:rPr lang="es"/>
+                        <a:t>Distancia Euclídea</a:t>
                       </a:r>
                       <a:endParaRPr/>
                     </a:p>
@@ -13601,7 +14255,32 @@
                       </a:pPr>
                       <a:r>
                         <a:rPr lang="es"/>
-                        <a:t>126</a:t>
+                        <a:t>Distancia Manhattan</a:t>
+                      </a:r>
+                      <a:endParaRPr/>
+                    </a:p>
+                  </a:txBody>
+                  <a:tcPr marT="91425" marB="91425" marR="91425" marL="91425"/>
+                </a:tc>
+              </a:tr>
+              <a:tr h="609575">
+                <a:tc>
+                  <a:txBody>
+                    <a:bodyPr/>
+                    <a:lstStyle/>
+                    <a:p>
+                      <a:pPr indent="0" lvl="0" marL="0" rtl="0" algn="l">
+                        <a:spcBef>
+                          <a:spcPts val="0"/>
+                        </a:spcBef>
+                        <a:spcAft>
+                          <a:spcPts val="0"/>
+                        </a:spcAft>
+                        <a:buNone/>
+                      </a:pPr>
+                      <a:r>
+                        <a:rPr lang="es"/>
+                        <a:t>Problema Promedio</a:t>
                       </a:r>
                       <a:endParaRPr/>
                     </a:p>
@@ -13623,8 +14302,43 @@
                         <a:buNone/>
                       </a:pPr>
                       <a:r>
-                        <a:rPr lang="es"/>
-                        <a:t>96</a:t>
+                        <a:rPr lang="es">
+                          <a:solidFill>
+                            <a:schemeClr val="dk2"/>
+                          </a:solidFill>
+                        </a:rPr>
+                        <a:t>7.883</a:t>
+                      </a:r>
+                      <a:endParaRPr>
+                        <a:solidFill>
+                          <a:schemeClr val="dk2"/>
+                        </a:solidFill>
+                      </a:endParaRPr>
+                    </a:p>
+                  </a:txBody>
+                  <a:tcPr marT="91425" marB="91425" marR="91425" marL="91425"/>
+                </a:tc>
+                <a:tc>
+                  <a:txBody>
+                    <a:bodyPr/>
+                    <a:lstStyle/>
+                    <a:p>
+                      <a:pPr indent="0" lvl="0" marL="0" rtl="0" algn="l">
+                        <a:spcBef>
+                          <a:spcPts val="0"/>
+                        </a:spcBef>
+                        <a:spcAft>
+                          <a:spcPts val="0"/>
+                        </a:spcAft>
+                        <a:buNone/>
+                      </a:pPr>
+                      <a:r>
+                        <a:rPr lang="es">
+                          <a:solidFill>
+                            <a:schemeClr val="dk2"/>
+                          </a:solidFill>
+                        </a:rPr>
+                        <a:t>1.269</a:t>
                       </a:r>
                       <a:endParaRPr/>
                     </a:p>
@@ -13647,7 +14361,7 @@
                       </a:pPr>
                       <a:r>
                         <a:rPr lang="es"/>
-                        <a:t>1.269</a:t>
+                        <a:t>1.920</a:t>
                       </a:r>
                       <a:endParaRPr/>
                     </a:p>
@@ -13655,7 +14369,7 @@
                   <a:tcPr marT="91425" marB="91425" marR="91425" marL="91425"/>
                 </a:tc>
               </a:tr>
-              <a:tr h="611100">
+              <a:tr h="609575">
                 <a:tc>
                   <a:txBody>
                     <a:bodyPr/>
@@ -13672,19 +14386,7 @@
                       </a:pPr>
                       <a:r>
                         <a:rPr lang="es"/>
-                        <a:t>Problema </a:t>
-                      </a:r>
-                      <a:r>
-                        <a:rPr lang="es"/>
-                        <a:t>más</a:t>
-                      </a:r>
-                      <a:r>
-                        <a:rPr lang="es"/>
-                        <a:t> </a:t>
-                      </a:r>
-                      <a:r>
-                        <a:rPr lang="es"/>
-                        <a:t>difícil</a:t>
+                        <a:t>Problema más difícil</a:t>
                       </a:r>
                       <a:endParaRPr/>
                     </a:p>
@@ -13711,9 +14413,13 @@
                             <a:schemeClr val="dk2"/>
                           </a:solidFill>
                         </a:rPr>
-                        <a:t>181.439</a:t>
+                        <a:t>143.840</a:t>
                       </a:r>
-                      <a:endParaRPr/>
+                      <a:endParaRPr>
+                        <a:solidFill>
+                          <a:schemeClr val="dk2"/>
+                        </a:solidFill>
+                      </a:endParaRPr>
                     </a:p>
                   </a:txBody>
                   <a:tcPr marT="91425" marB="91425" marR="91425" marL="91425"/>
@@ -13738,80 +14444,7 @@
                             <a:schemeClr val="dk2"/>
                           </a:solidFill>
                         </a:rPr>
-                        <a:t>148.345</a:t>
-                      </a:r>
-                      <a:endParaRPr/>
-                    </a:p>
-                  </a:txBody>
-                  <a:tcPr marT="91425" marB="91425" marR="91425" marL="91425"/>
-                </a:tc>
-                <a:tc>
-                  <a:txBody>
-                    <a:bodyPr/>
-                    <a:lstStyle/>
-                    <a:p>
-                      <a:pPr indent="0" lvl="0" marL="0" rtl="0" algn="l">
-                        <a:spcBef>
-                          <a:spcPts val="0"/>
-                        </a:spcBef>
-                        <a:spcAft>
-                          <a:spcPts val="0"/>
-                        </a:spcAft>
-                        <a:buNone/>
-                      </a:pPr>
-                      <a:r>
-                        <a:rPr lang="es">
-                          <a:solidFill>
-                            <a:schemeClr val="dk2"/>
-                          </a:solidFill>
-                        </a:rPr>
-                        <a:t>181.348</a:t>
-                      </a:r>
-                      <a:endParaRPr/>
-                    </a:p>
-                  </a:txBody>
-                  <a:tcPr marT="91425" marB="91425" marR="91425" marL="91425"/>
-                </a:tc>
-                <a:tc>
-                  <a:txBody>
-                    <a:bodyPr/>
-                    <a:lstStyle/>
-                    <a:p>
-                      <a:pPr indent="0" lvl="0" marL="0" rtl="0" algn="l">
-                        <a:spcBef>
-                          <a:spcPts val="0"/>
-                        </a:spcBef>
-                        <a:spcAft>
-                          <a:spcPts val="0"/>
-                        </a:spcAft>
-                        <a:buNone/>
-                      </a:pPr>
-                      <a:r>
-                        <a:rPr lang="es"/>
-                        <a:t>135</a:t>
-                      </a:r>
-                      <a:endParaRPr/>
-                    </a:p>
-                  </a:txBody>
-                  <a:tcPr marT="91425" marB="91425" marR="91425" marL="91425"/>
-                </a:tc>
-                <a:tc>
-                  <a:txBody>
-                    <a:bodyPr/>
-                    <a:lstStyle/>
-                    <a:p>
-                      <a:pPr indent="0" lvl="0" marL="0" rtl="0" algn="l">
-                        <a:spcBef>
-                          <a:spcPts val="0"/>
-                        </a:spcBef>
-                        <a:spcAft>
-                          <a:spcPts val="0"/>
-                        </a:spcAft>
-                        <a:buNone/>
-                      </a:pPr>
-                      <a:r>
-                        <a:rPr lang="es"/>
-                        <a:t>103</a:t>
+                        <a:t>39.059</a:t>
                       </a:r>
                       <a:endParaRPr/>
                     </a:p>
@@ -13848,7 +14481,7 @@
       </p:graphicFrame>
       <p:sp>
         <p:nvSpPr>
-          <p:cNvPr id="209" name="Google Shape;209;p30"/>
+          <p:cNvPr id="217" name="Google Shape;217;p30"/>
           <p:cNvSpPr txBox="1"/>
           <p:nvPr/>
         </p:nvSpPr>
@@ -13917,7 +14550,7 @@
   <p:cSld>
     <p:spTree>
       <p:nvGrpSpPr>
-        <p:cNvPr id="213" name="Shape 213"/>
+        <p:cNvPr id="221" name="Shape 221"/>
         <p:cNvGrpSpPr/>
         <p:nvPr/>
       </p:nvGrpSpPr>
@@ -13931,7 +14564,7 @@
       </p:grpSpPr>
       <p:sp>
         <p:nvSpPr>
-          <p:cNvPr id="214" name="Google Shape;214;p31"/>
+          <p:cNvPr id="222" name="Google Shape;222;p31"/>
           <p:cNvSpPr txBox="1"/>
           <p:nvPr>
             <p:ph type="title"/>
@@ -13963,7 +14596,7 @@
             </a:pPr>
             <a:r>
               <a:rPr lang="es"/>
-              <a:t>Algoritmos</a:t>
+              <a:t>A*</a:t>
             </a:r>
             <a:endParaRPr/>
           </a:p>
@@ -13971,7 +14604,7 @@
       </p:sp>
       <p:sp>
         <p:nvSpPr>
-          <p:cNvPr id="215" name="Google Shape;215;p31"/>
+          <p:cNvPr id="223" name="Google Shape;223;p31"/>
           <p:cNvSpPr txBox="1"/>
           <p:nvPr>
             <p:ph idx="1" type="body"/>
@@ -13979,7 +14612,7 @@
         </p:nvSpPr>
         <p:spPr>
           <a:xfrm>
-            <a:off x="311700" y="1082375"/>
+            <a:off x="311700" y="1229875"/>
             <a:ext cx="8520600" cy="3339000"/>
           </a:xfrm>
           <a:prstGeom prst="rect">
@@ -13988,7 +14621,7 @@
         </p:spPr>
         <p:txBody>
           <a:bodyPr anchorCtr="0" anchor="t" bIns="91425" lIns="91425" spcFirstLastPara="1" rIns="91425" wrap="square" tIns="91425">
-            <a:normAutofit lnSpcReduction="20000"/>
+            <a:normAutofit/>
           </a:bodyPr>
           <a:lstStyle/>
           <a:p>
@@ -14002,14 +14635,10 @@
               <a:buNone/>
             </a:pPr>
             <a:r>
-              <a:rPr lang="es" sz="1600"/>
-              <a:t>Los algoritmos de búsqueda informada utilizan el mejor resultado para las distintas </a:t>
+              <a:rPr lang="es"/>
+              <a:t>Costo de la solución</a:t>
             </a:r>
-            <a:r>
-              <a:rPr lang="es" sz="1600"/>
-              <a:t>heurísticas</a:t>
-            </a:r>
-            <a:endParaRPr sz="1600"/>
+            <a:endParaRPr/>
           </a:p>
           <a:p>
             <a:pPr indent="0" lvl="0" marL="0" rtl="0" algn="l">
@@ -14024,7 +14653,7 @@
             <a:r>
               <a:t/>
             </a:r>
-            <a:endParaRPr sz="1600"/>
+            <a:endParaRPr/>
           </a:p>
           <a:p>
             <a:pPr indent="0" lvl="0" marL="0" rtl="0" algn="l">
@@ -14039,7 +14668,7 @@
             <a:r>
               <a:t/>
             </a:r>
-            <a:endParaRPr sz="1600"/>
+            <a:endParaRPr/>
           </a:p>
           <a:p>
             <a:pPr indent="0" lvl="0" marL="0" rtl="0" algn="l">
@@ -14054,7 +14683,7 @@
             <a:r>
               <a:t/>
             </a:r>
-            <a:endParaRPr sz="1600"/>
+            <a:endParaRPr/>
           </a:p>
           <a:p>
             <a:pPr indent="0" lvl="0" marL="0" rtl="0" algn="l">
@@ -14069,7 +14698,7 @@
             <a:r>
               <a:t/>
             </a:r>
-            <a:endParaRPr sz="1600"/>
+            <a:endParaRPr/>
           </a:p>
           <a:p>
             <a:pPr indent="0" lvl="0" marL="0" rtl="0" algn="l">
@@ -14084,7 +14713,7 @@
             <a:r>
               <a:t/>
             </a:r>
-            <a:endParaRPr sz="1600"/>
+            <a:endParaRPr/>
           </a:p>
           <a:p>
             <a:pPr indent="0" lvl="0" marL="0" rtl="0" algn="l">
@@ -14092,41 +14721,25 @@
                 <a:spcPts val="1200"/>
               </a:spcBef>
               <a:spcAft>
-                <a:spcPts val="0"/>
+                <a:spcPts val="1200"/>
               </a:spcAft>
               <a:buNone/>
             </a:pPr>
             <a:r>
               <a:t/>
             </a:r>
-            <a:endParaRPr sz="1600"/>
-          </a:p>
-          <a:p>
-            <a:pPr indent="0" lvl="0" marL="0" rtl="0" algn="l">
-              <a:spcBef>
-                <a:spcPts val="1200"/>
-              </a:spcBef>
-              <a:spcAft>
-                <a:spcPts val="1200"/>
-              </a:spcAft>
-              <a:buNone/>
-            </a:pPr>
-            <a:r>
-              <a:rPr lang="es" sz="1600"/>
-              <a:t>Tiempo de ejecución (en segundos)</a:t>
-            </a:r>
-            <a:endParaRPr sz="1600"/>
+            <a:endParaRPr/>
           </a:p>
         </p:txBody>
       </p:sp>
       <p:graphicFrame>
         <p:nvGraphicFramePr>
-          <p:cNvPr id="216" name="Google Shape;216;p31"/>
+          <p:cNvPr id="224" name="Google Shape;224;p31"/>
           <p:cNvGraphicFramePr/>
           <p:nvPr/>
         </p:nvGraphicFramePr>
         <p:xfrm>
-          <a:off x="952475" y="1809750"/>
+          <a:off x="952500" y="1809750"/>
           <a:ext cx="3000000" cy="3000000"/>
         </p:xfrm>
         <a:graphic>
@@ -14134,18 +14747,15 @@
             <a:tbl>
               <a:tblPr>
                 <a:noFill/>
-                <a:tableStyleId>{6B91BAA7-B78E-4BBA-8B07-45E24C09FD7C}</a:tableStyleId>
+                <a:tableStyleId>{924DFE90-9517-4390-BDEE-AA3B4A31AECB}</a:tableStyleId>
               </a:tblPr>
               <a:tblGrid>
-                <a:gridCol w="1034150"/>
-                <a:gridCol w="1034150"/>
-                <a:gridCol w="1034150"/>
-                <a:gridCol w="1034150"/>
-                <a:gridCol w="1034150"/>
-                <a:gridCol w="1034150"/>
-                <a:gridCol w="1034150"/>
+                <a:gridCol w="1841400"/>
+                <a:gridCol w="1953100"/>
+                <a:gridCol w="1729700"/>
+                <a:gridCol w="1841400"/>
               </a:tblGrid>
-              <a:tr h="611100">
+              <a:tr h="609575">
                 <a:tc>
                   <a:txBody>
                     <a:bodyPr/>
@@ -14184,7 +14794,7 @@
                       </a:pPr>
                       <a:r>
                         <a:rPr lang="es"/>
-                        <a:t>BPA</a:t>
+                        <a:t>Cantidad fuera de lugar</a:t>
                       </a:r>
                       <a:endParaRPr/>
                     </a:p>
@@ -14207,7 +14817,7 @@
                       </a:pPr>
                       <a:r>
                         <a:rPr lang="es"/>
-                        <a:t>BPP</a:t>
+                        <a:t>Distancia Euclídea</a:t>
                       </a:r>
                       <a:endParaRPr/>
                     </a:p>
@@ -14230,7 +14840,32 @@
                       </a:pPr>
                       <a:r>
                         <a:rPr lang="es"/>
-                        <a:t>BPPV</a:t>
+                        <a:t>Distancia Manhattan</a:t>
+                      </a:r>
+                      <a:endParaRPr/>
+                    </a:p>
+                  </a:txBody>
+                  <a:tcPr marT="91425" marB="91425" marR="91425" marL="91425"/>
+                </a:tc>
+              </a:tr>
+              <a:tr h="609575">
+                <a:tc>
+                  <a:txBody>
+                    <a:bodyPr/>
+                    <a:lstStyle/>
+                    <a:p>
+                      <a:pPr indent="0" lvl="0" marL="0" rtl="0" algn="l">
+                        <a:spcBef>
+                          <a:spcPts val="0"/>
+                        </a:spcBef>
+                        <a:spcAft>
+                          <a:spcPts val="0"/>
+                        </a:spcAft>
+                        <a:buNone/>
+                      </a:pPr>
+                      <a:r>
+                        <a:rPr lang="es"/>
+                        <a:t>Problema Promedio</a:t>
                       </a:r>
                       <a:endParaRPr/>
                     </a:p>
@@ -14252,8 +14887,43 @@
                         <a:buNone/>
                       </a:pPr>
                       <a:r>
-                        <a:rPr lang="es"/>
-                        <a:t>Heurística Local</a:t>
+                        <a:rPr lang="es">
+                          <a:solidFill>
+                            <a:schemeClr val="dk2"/>
+                          </a:solidFill>
+                        </a:rPr>
+                        <a:t>22</a:t>
+                      </a:r>
+                      <a:endParaRPr>
+                        <a:solidFill>
+                          <a:schemeClr val="dk2"/>
+                        </a:solidFill>
+                      </a:endParaRPr>
+                    </a:p>
+                  </a:txBody>
+                  <a:tcPr marT="91425" marB="91425" marR="91425" marL="91425"/>
+                </a:tc>
+                <a:tc>
+                  <a:txBody>
+                    <a:bodyPr/>
+                    <a:lstStyle/>
+                    <a:p>
+                      <a:pPr indent="0" lvl="0" marL="0" rtl="0" algn="l">
+                        <a:spcBef>
+                          <a:spcPts val="0"/>
+                        </a:spcBef>
+                        <a:spcAft>
+                          <a:spcPts val="0"/>
+                        </a:spcAft>
+                        <a:buNone/>
+                      </a:pPr>
+                      <a:r>
+                        <a:rPr lang="es">
+                          <a:solidFill>
+                            <a:schemeClr val="dk2"/>
+                          </a:solidFill>
+                        </a:rPr>
+                        <a:t>22</a:t>
                       </a:r>
                       <a:endParaRPr/>
                     </a:p>
@@ -14276,30 +14946,7 @@
                       </a:pPr>
                       <a:r>
                         <a:rPr lang="es"/>
-                        <a:t>Heurística Global</a:t>
-                      </a:r>
-                      <a:endParaRPr/>
-                    </a:p>
-                  </a:txBody>
-                  <a:tcPr marT="91425" marB="91425" marR="91425" marL="91425"/>
-                </a:tc>
-                <a:tc>
-                  <a:txBody>
-                    <a:bodyPr/>
-                    <a:lstStyle/>
-                    <a:p>
-                      <a:pPr indent="0" lvl="0" marL="0" rtl="0" algn="l">
-                        <a:spcBef>
-                          <a:spcPts val="0"/>
-                        </a:spcBef>
-                        <a:spcAft>
-                          <a:spcPts val="0"/>
-                        </a:spcAft>
-                        <a:buNone/>
-                      </a:pPr>
-                      <a:r>
-                        <a:rPr lang="es"/>
-                        <a:t>A*</a:t>
+                        <a:t>24</a:t>
                       </a:r>
                       <a:endParaRPr/>
                     </a:p>
@@ -14307,182 +14954,7 @@
                   <a:tcPr marT="91425" marB="91425" marR="91425" marL="91425"/>
                 </a:tc>
               </a:tr>
-              <a:tr h="611100">
-                <a:tc>
-                  <a:txBody>
-                    <a:bodyPr/>
-                    <a:lstStyle/>
-                    <a:p>
-                      <a:pPr indent="0" lvl="0" marL="0" rtl="0" algn="l">
-                        <a:spcBef>
-                          <a:spcPts val="0"/>
-                        </a:spcBef>
-                        <a:spcAft>
-                          <a:spcPts val="0"/>
-                        </a:spcAft>
-                        <a:buNone/>
-                      </a:pPr>
-                      <a:r>
-                        <a:rPr lang="es"/>
-                        <a:t>Problema promedio</a:t>
-                      </a:r>
-                      <a:endParaRPr/>
-                    </a:p>
-                  </a:txBody>
-                  <a:tcPr marT="91425" marB="91425" marR="91425" marL="91425"/>
-                </a:tc>
-                <a:tc>
-                  <a:txBody>
-                    <a:bodyPr/>
-                    <a:lstStyle/>
-                    <a:p>
-                      <a:pPr indent="0" lvl="0" marL="0" rtl="0" algn="l">
-                        <a:spcBef>
-                          <a:spcPts val="0"/>
-                        </a:spcBef>
-                        <a:spcAft>
-                          <a:spcPts val="0"/>
-                        </a:spcAft>
-                        <a:buNone/>
-                      </a:pPr>
-                      <a:r>
-                        <a:rPr lang="es"/>
-                        <a:t>10,089</a:t>
-                      </a:r>
-                      <a:endParaRPr/>
-                    </a:p>
-                  </a:txBody>
-                  <a:tcPr marT="91425" marB="91425" marR="91425" marL="91425"/>
-                </a:tc>
-                <a:tc>
-                  <a:txBody>
-                    <a:bodyPr/>
-                    <a:lstStyle/>
-                    <a:p>
-                      <a:pPr indent="0" lvl="0" marL="0" rtl="0" algn="l">
-                        <a:spcBef>
-                          <a:spcPts val="0"/>
-                        </a:spcBef>
-                        <a:spcAft>
-                          <a:spcPts val="0"/>
-                        </a:spcAft>
-                        <a:buNone/>
-                      </a:pPr>
-                      <a:r>
-                        <a:rPr lang="es"/>
-                        <a:t>17,836</a:t>
-                      </a:r>
-                      <a:endParaRPr/>
-                    </a:p>
-                  </a:txBody>
-                  <a:tcPr marT="91425" marB="91425" marR="91425" marL="91425"/>
-                </a:tc>
-                <a:tc>
-                  <a:txBody>
-                    <a:bodyPr/>
-                    <a:lstStyle/>
-                    <a:p>
-                      <a:pPr indent="0" lvl="0" marL="0" rtl="0" algn="l">
-                        <a:spcBef>
-                          <a:spcPts val="0"/>
-                        </a:spcBef>
-                        <a:spcAft>
-                          <a:spcPts val="0"/>
-                        </a:spcAft>
-                        <a:buNone/>
-                      </a:pPr>
-                      <a:r>
-                        <a:rPr lang="es"/>
-                        <a:t>13,098</a:t>
-                      </a:r>
-                      <a:endParaRPr/>
-                    </a:p>
-                  </a:txBody>
-                  <a:tcPr marT="91425" marB="91425" marR="91425" marL="91425"/>
-                </a:tc>
-                <a:tc>
-                  <a:txBody>
-                    <a:bodyPr/>
-                    <a:lstStyle/>
-                    <a:p>
-                      <a:pPr indent="0" lvl="0" marL="0" rtl="0" algn="l">
-                        <a:spcBef>
-                          <a:spcPts val="0"/>
-                        </a:spcBef>
-                        <a:spcAft>
-                          <a:spcPts val="0"/>
-                        </a:spcAft>
-                        <a:buNone/>
-                      </a:pPr>
-                      <a:r>
-                        <a:rPr lang="es">
-                          <a:solidFill>
-                            <a:schemeClr val="dk2"/>
-                          </a:solidFill>
-                        </a:rPr>
-                        <a:t>0,0101</a:t>
-                      </a:r>
-                      <a:endParaRPr/>
-                    </a:p>
-                  </a:txBody>
-                  <a:tcPr marT="91425" marB="91425" marR="91425" marL="91425"/>
-                </a:tc>
-                <a:tc>
-                  <a:txBody>
-                    <a:bodyPr/>
-                    <a:lstStyle/>
-                    <a:p>
-                      <a:pPr indent="0" lvl="0" marL="0" rtl="0" algn="l">
-                        <a:spcBef>
-                          <a:spcPts val="0"/>
-                        </a:spcBef>
-                        <a:spcAft>
-                          <a:spcPts val="0"/>
-                        </a:spcAft>
-                        <a:buNone/>
-                      </a:pPr>
-                      <a:r>
-                        <a:rPr lang="es"/>
-                        <a:t>0,0098</a:t>
-                      </a:r>
-                      <a:endParaRPr/>
-                    </a:p>
-                  </a:txBody>
-                  <a:tcPr marT="91425" marB="91425" marR="91425" marL="91425"/>
-                </a:tc>
-                <a:tc>
-                  <a:txBody>
-                    <a:bodyPr/>
-                    <a:lstStyle/>
-                    <a:p>
-                      <a:pPr indent="0" lvl="0" marL="0" rtl="0" algn="l">
-                        <a:spcBef>
-                          <a:spcPts val="0"/>
-                        </a:spcBef>
-                        <a:spcAft>
-                          <a:spcPts val="0"/>
-                        </a:spcAft>
-                        <a:buNone/>
-                      </a:pPr>
-                      <a:r>
-                        <a:rPr lang="es"/>
-                        <a:t>0,</a:t>
-                      </a:r>
-                      <a:r>
-                        <a:rPr lang="es">
-                          <a:solidFill>
-                            <a:schemeClr val="dk2"/>
-                          </a:solidFill>
-                        </a:rPr>
-                        <a:t>387</a:t>
-                      </a:r>
-                      <a:endParaRPr/>
-                    </a:p>
-                  </a:txBody>
-                  <a:tcPr marT="91425" marB="91425" marR="91425" marL="91425"/>
-                </a:tc>
-              </a:tr>
-              <a:tr h="611100">
+              <a:tr h="609575">
                 <a:tc>
                   <a:txBody>
                     <a:bodyPr/>
@@ -14521,8 +14993,43 @@
                         <a:buNone/>
                       </a:pPr>
                       <a:r>
-                        <a:rPr lang="es"/>
-                        <a:t>35,174</a:t>
+                        <a:rPr lang="es">
+                          <a:solidFill>
+                            <a:schemeClr val="dk2"/>
+                          </a:solidFill>
+                        </a:rPr>
+                        <a:t>31</a:t>
+                      </a:r>
+                      <a:endParaRPr>
+                        <a:solidFill>
+                          <a:schemeClr val="dk2"/>
+                        </a:solidFill>
+                      </a:endParaRPr>
+                    </a:p>
+                  </a:txBody>
+                  <a:tcPr marT="91425" marB="91425" marR="91425" marL="91425"/>
+                </a:tc>
+                <a:tc>
+                  <a:txBody>
+                    <a:bodyPr/>
+                    <a:lstStyle/>
+                    <a:p>
+                      <a:pPr indent="0" lvl="0" marL="0" rtl="0" algn="l">
+                        <a:spcBef>
+                          <a:spcPts val="0"/>
+                        </a:spcBef>
+                        <a:spcAft>
+                          <a:spcPts val="0"/>
+                        </a:spcAft>
+                        <a:buNone/>
+                      </a:pPr>
+                      <a:r>
+                        <a:rPr lang="es">
+                          <a:solidFill>
+                            <a:schemeClr val="dk2"/>
+                          </a:solidFill>
+                        </a:rPr>
+                        <a:t>31</a:t>
                       </a:r>
                       <a:endParaRPr/>
                     </a:p>
@@ -14545,107 +15052,7 @@
                       </a:pPr>
                       <a:r>
                         <a:rPr lang="es"/>
-                        <a:t>15,011</a:t>
-                      </a:r>
-                      <a:endParaRPr/>
-                    </a:p>
-                  </a:txBody>
-                  <a:tcPr marT="91425" marB="91425" marR="91425" marL="91425"/>
-                </a:tc>
-                <a:tc>
-                  <a:txBody>
-                    <a:bodyPr/>
-                    <a:lstStyle/>
-                    <a:p>
-                      <a:pPr indent="0" lvl="0" marL="0" rtl="0" algn="l">
-                        <a:spcBef>
-                          <a:spcPts val="0"/>
-                        </a:spcBef>
-                        <a:spcAft>
-                          <a:spcPts val="0"/>
-                        </a:spcAft>
-                        <a:buNone/>
-                      </a:pPr>
-                      <a:r>
-                        <a:rPr lang="es"/>
-                        <a:t>47,325</a:t>
-                      </a:r>
-                      <a:endParaRPr/>
-                    </a:p>
-                  </a:txBody>
-                  <a:tcPr marT="91425" marB="91425" marR="91425" marL="91425"/>
-                </a:tc>
-                <a:tc>
-                  <a:txBody>
-                    <a:bodyPr/>
-                    <a:lstStyle/>
-                    <a:p>
-                      <a:pPr indent="0" lvl="0" marL="0" rtl="0" algn="l">
-                        <a:spcBef>
-                          <a:spcPts val="0"/>
-                        </a:spcBef>
-                        <a:spcAft>
-                          <a:spcPts val="0"/>
-                        </a:spcAft>
-                        <a:buNone/>
-                      </a:pPr>
-                      <a:r>
-                        <a:rPr lang="es">
-                          <a:solidFill>
-                            <a:schemeClr val="dk2"/>
-                          </a:solidFill>
-                        </a:rPr>
-                        <a:t>0,0104</a:t>
-                      </a:r>
-                      <a:endParaRPr/>
-                    </a:p>
-                  </a:txBody>
-                  <a:tcPr marT="91425" marB="91425" marR="91425" marL="91425"/>
-                </a:tc>
-                <a:tc>
-                  <a:txBody>
-                    <a:bodyPr/>
-                    <a:lstStyle/>
-                    <a:p>
-                      <a:pPr indent="0" lvl="0" marL="0" rtl="0" algn="l">
-                        <a:spcBef>
-                          <a:spcPts val="0"/>
-                        </a:spcBef>
-                        <a:spcAft>
-                          <a:spcPts val="0"/>
-                        </a:spcAft>
-                        <a:buNone/>
-                      </a:pPr>
-                      <a:r>
-                        <a:rPr lang="es">
-                          <a:solidFill>
-                            <a:schemeClr val="dk2"/>
-                          </a:solidFill>
-                        </a:rPr>
-                        <a:t>0,0816</a:t>
-                      </a:r>
-                      <a:endParaRPr/>
-                    </a:p>
-                  </a:txBody>
-                  <a:tcPr marT="91425" marB="91425" marR="91425" marL="91425"/>
-                </a:tc>
-                <a:tc>
-                  <a:txBody>
-                    <a:bodyPr/>
-                    <a:lstStyle/>
-                    <a:p>
-                      <a:pPr indent="0" lvl="0" marL="0" rtl="0" algn="l">
-                        <a:spcBef>
-                          <a:spcPts val="0"/>
-                        </a:spcBef>
-                        <a:spcAft>
-                          <a:spcPts val="0"/>
-                        </a:spcAft>
-                        <a:buNone/>
-                      </a:pPr>
-                      <a:r>
-                        <a:rPr lang="es"/>
-                        <a:t>3,464</a:t>
+                        <a:t>31</a:t>
                       </a:r>
                       <a:endParaRPr/>
                     </a:p>
@@ -14659,7 +15066,7 @@
       </p:graphicFrame>
       <p:sp>
         <p:nvSpPr>
-          <p:cNvPr id="217" name="Google Shape;217;p31"/>
+          <p:cNvPr id="225" name="Google Shape;225;p31"/>
           <p:cNvSpPr txBox="1"/>
           <p:nvPr/>
         </p:nvSpPr>
@@ -14880,6 +15287,2508 @@
           </a:ln>
         </p:spPr>
       </p:pic>
+    </p:spTree>
+  </p:cSld>
+  <p:clrMapOvr>
+    <a:masterClrMapping/>
+  </p:clrMapOvr>
+</p:sld>
+</file>
+
+<file path=ppt/slides/slide20.xml><?xml version="1.0" encoding="utf-8"?>
+<p:sld xmlns:a="http://schemas.openxmlformats.org/drawingml/2006/main" xmlns:r="http://schemas.openxmlformats.org/officeDocument/2006/relationships" xmlns:mc="http://schemas.openxmlformats.org/markup-compatibility/2006" xmlns:mv="urn:schemas-microsoft-com:mac:vml" xmlns:p="http://schemas.openxmlformats.org/presentationml/2006/main" xmlns:c="http://schemas.openxmlformats.org/drawingml/2006/chart" xmlns:dgm="http://schemas.openxmlformats.org/drawingml/2006/diagram" xmlns:o="urn:schemas-microsoft-com:office:office" xmlns:v="urn:schemas-microsoft-com:vml" xmlns:pvml="urn:schemas-microsoft-com:office:powerpoint" xmlns:com="http://schemas.openxmlformats.org/drawingml/2006/compatibility" xmlns:p14="http://schemas.microsoft.com/office/powerpoint/2010/main" xmlns:p15="http://schemas.microsoft.com/office/powerpoint/2012/main" xmlns:ahyp="http://schemas.microsoft.com/office/drawing/2018/hyperlinkcolor">
+  <p:cSld>
+    <p:spTree>
+      <p:nvGrpSpPr>
+        <p:cNvPr id="229" name="Shape 229"/>
+        <p:cNvGrpSpPr/>
+        <p:nvPr/>
+      </p:nvGrpSpPr>
+      <p:grpSpPr>
+        <a:xfrm>
+          <a:off x="0" y="0"/>
+          <a:ext cx="0" cy="0"/>
+          <a:chOff x="0" y="0"/>
+          <a:chExt cx="0" cy="0"/>
+        </a:xfrm>
+      </p:grpSpPr>
+      <p:sp>
+        <p:nvSpPr>
+          <p:cNvPr id="230" name="Google Shape;230;p32"/>
+          <p:cNvSpPr txBox="1"/>
+          <p:nvPr>
+            <p:ph type="title"/>
+          </p:nvPr>
+        </p:nvSpPr>
+        <p:spPr>
+          <a:xfrm>
+            <a:off x="598100" y="2152347"/>
+            <a:ext cx="8222100" cy="838800"/>
+          </a:xfrm>
+          <a:prstGeom prst="rect">
+            <a:avLst/>
+          </a:prstGeom>
+        </p:spPr>
+        <p:txBody>
+          <a:bodyPr anchorCtr="0" anchor="ctr" bIns="91425" lIns="91425" spcFirstLastPara="1" rIns="91425" wrap="square" tIns="91425">
+            <a:normAutofit/>
+          </a:bodyPr>
+          <a:lstStyle/>
+          <a:p>
+            <a:pPr indent="0" lvl="0" marL="0" rtl="0" algn="l">
+              <a:spcBef>
+                <a:spcPts val="0"/>
+              </a:spcBef>
+              <a:spcAft>
+                <a:spcPts val="0"/>
+              </a:spcAft>
+              <a:buNone/>
+            </a:pPr>
+            <a:r>
+              <a:rPr lang="es"/>
+              <a:t>Comparación de Algoritmos</a:t>
+            </a:r>
+            <a:endParaRPr/>
+          </a:p>
+        </p:txBody>
+      </p:sp>
+    </p:spTree>
+  </p:cSld>
+  <p:clrMapOvr>
+    <a:masterClrMapping/>
+  </p:clrMapOvr>
+</p:sld>
+</file>
+
+<file path=ppt/slides/slide21.xml><?xml version="1.0" encoding="utf-8"?>
+<p:sld xmlns:a="http://schemas.openxmlformats.org/drawingml/2006/main" xmlns:r="http://schemas.openxmlformats.org/officeDocument/2006/relationships" xmlns:mc="http://schemas.openxmlformats.org/markup-compatibility/2006" xmlns:mv="urn:schemas-microsoft-com:mac:vml" xmlns:p="http://schemas.openxmlformats.org/presentationml/2006/main" xmlns:c="http://schemas.openxmlformats.org/drawingml/2006/chart" xmlns:dgm="http://schemas.openxmlformats.org/drawingml/2006/diagram" xmlns:o="urn:schemas-microsoft-com:office:office" xmlns:v="urn:schemas-microsoft-com:vml" xmlns:pvml="urn:schemas-microsoft-com:office:powerpoint" xmlns:com="http://schemas.openxmlformats.org/drawingml/2006/compatibility" xmlns:p14="http://schemas.microsoft.com/office/powerpoint/2010/main" xmlns:p15="http://schemas.microsoft.com/office/powerpoint/2012/main" xmlns:ahyp="http://schemas.microsoft.com/office/drawing/2018/hyperlinkcolor">
+  <p:cSld>
+    <p:spTree>
+      <p:nvGrpSpPr>
+        <p:cNvPr id="234" name="Shape 234"/>
+        <p:cNvGrpSpPr/>
+        <p:nvPr/>
+      </p:nvGrpSpPr>
+      <p:grpSpPr>
+        <a:xfrm>
+          <a:off x="0" y="0"/>
+          <a:ext cx="0" cy="0"/>
+          <a:chOff x="0" y="0"/>
+          <a:chExt cx="0" cy="0"/>
+        </a:xfrm>
+      </p:grpSpPr>
+      <p:sp>
+        <p:nvSpPr>
+          <p:cNvPr id="235" name="Google Shape;235;p33"/>
+          <p:cNvSpPr txBox="1"/>
+          <p:nvPr>
+            <p:ph type="title"/>
+          </p:nvPr>
+        </p:nvSpPr>
+        <p:spPr>
+          <a:xfrm>
+            <a:off x="311700" y="410000"/>
+            <a:ext cx="8520600" cy="607800"/>
+          </a:xfrm>
+          <a:prstGeom prst="rect">
+            <a:avLst/>
+          </a:prstGeom>
+        </p:spPr>
+        <p:txBody>
+          <a:bodyPr anchorCtr="0" anchor="t" bIns="91425" lIns="91425" spcFirstLastPara="1" rIns="91425" wrap="square" tIns="91425">
+            <a:normAutofit fontScale="90000"/>
+          </a:bodyPr>
+          <a:lstStyle/>
+          <a:p>
+            <a:pPr indent="0" lvl="0" marL="0" rtl="0" algn="l">
+              <a:spcBef>
+                <a:spcPts val="0"/>
+              </a:spcBef>
+              <a:spcAft>
+                <a:spcPts val="0"/>
+              </a:spcAft>
+              <a:buNone/>
+            </a:pPr>
+            <a:r>
+              <a:rPr lang="es"/>
+              <a:t>Algoritmos</a:t>
+            </a:r>
+            <a:endParaRPr/>
+          </a:p>
+        </p:txBody>
+      </p:sp>
+      <p:sp>
+        <p:nvSpPr>
+          <p:cNvPr id="236" name="Google Shape;236;p33"/>
+          <p:cNvSpPr txBox="1"/>
+          <p:nvPr>
+            <p:ph idx="1" type="body"/>
+          </p:nvPr>
+        </p:nvSpPr>
+        <p:spPr>
+          <a:xfrm>
+            <a:off x="311700" y="1082375"/>
+            <a:ext cx="8520600" cy="3339000"/>
+          </a:xfrm>
+          <a:prstGeom prst="rect">
+            <a:avLst/>
+          </a:prstGeom>
+        </p:spPr>
+        <p:txBody>
+          <a:bodyPr anchorCtr="0" anchor="t" bIns="91425" lIns="91425" spcFirstLastPara="1" rIns="91425" wrap="square" tIns="91425">
+            <a:normAutofit lnSpcReduction="20000"/>
+          </a:bodyPr>
+          <a:lstStyle/>
+          <a:p>
+            <a:pPr indent="0" lvl="0" marL="0" rtl="0" algn="l">
+              <a:spcBef>
+                <a:spcPts val="0"/>
+              </a:spcBef>
+              <a:spcAft>
+                <a:spcPts val="0"/>
+              </a:spcAft>
+              <a:buNone/>
+            </a:pPr>
+            <a:r>
+              <a:rPr lang="es" sz="1600"/>
+              <a:t>Los algoritmos de búsqueda informada utilizan el mejor resultado para las distintas </a:t>
+            </a:r>
+            <a:r>
+              <a:rPr lang="es" sz="1600"/>
+              <a:t>heurísticas</a:t>
+            </a:r>
+            <a:endParaRPr sz="1600"/>
+          </a:p>
+          <a:p>
+            <a:pPr indent="0" lvl="0" marL="0" rtl="0" algn="l">
+              <a:spcBef>
+                <a:spcPts val="1200"/>
+              </a:spcBef>
+              <a:spcAft>
+                <a:spcPts val="0"/>
+              </a:spcAft>
+              <a:buNone/>
+            </a:pPr>
+            <a:r>
+              <a:t/>
+            </a:r>
+            <a:endParaRPr sz="1600"/>
+          </a:p>
+          <a:p>
+            <a:pPr indent="0" lvl="0" marL="0" rtl="0" algn="l">
+              <a:spcBef>
+                <a:spcPts val="1200"/>
+              </a:spcBef>
+              <a:spcAft>
+                <a:spcPts val="0"/>
+              </a:spcAft>
+              <a:buNone/>
+            </a:pPr>
+            <a:r>
+              <a:t/>
+            </a:r>
+            <a:endParaRPr sz="1600"/>
+          </a:p>
+          <a:p>
+            <a:pPr indent="0" lvl="0" marL="0" rtl="0" algn="l">
+              <a:spcBef>
+                <a:spcPts val="1200"/>
+              </a:spcBef>
+              <a:spcAft>
+                <a:spcPts val="0"/>
+              </a:spcAft>
+              <a:buNone/>
+            </a:pPr>
+            <a:r>
+              <a:t/>
+            </a:r>
+            <a:endParaRPr sz="1600"/>
+          </a:p>
+          <a:p>
+            <a:pPr indent="0" lvl="0" marL="0" rtl="0" algn="l">
+              <a:spcBef>
+                <a:spcPts val="1200"/>
+              </a:spcBef>
+              <a:spcAft>
+                <a:spcPts val="0"/>
+              </a:spcAft>
+              <a:buNone/>
+            </a:pPr>
+            <a:r>
+              <a:t/>
+            </a:r>
+            <a:endParaRPr sz="1600"/>
+          </a:p>
+          <a:p>
+            <a:pPr indent="0" lvl="0" marL="0" rtl="0" algn="l">
+              <a:spcBef>
+                <a:spcPts val="1200"/>
+              </a:spcBef>
+              <a:spcAft>
+                <a:spcPts val="0"/>
+              </a:spcAft>
+              <a:buNone/>
+            </a:pPr>
+            <a:r>
+              <a:t/>
+            </a:r>
+            <a:endParaRPr sz="1600"/>
+          </a:p>
+          <a:p>
+            <a:pPr indent="0" lvl="0" marL="0" rtl="0" algn="l">
+              <a:spcBef>
+                <a:spcPts val="1200"/>
+              </a:spcBef>
+              <a:spcAft>
+                <a:spcPts val="0"/>
+              </a:spcAft>
+              <a:buNone/>
+            </a:pPr>
+            <a:r>
+              <a:t/>
+            </a:r>
+            <a:endParaRPr sz="1600"/>
+          </a:p>
+          <a:p>
+            <a:pPr indent="0" lvl="0" marL="0" rtl="0" algn="l">
+              <a:spcBef>
+                <a:spcPts val="1200"/>
+              </a:spcBef>
+              <a:spcAft>
+                <a:spcPts val="1200"/>
+              </a:spcAft>
+              <a:buNone/>
+            </a:pPr>
+            <a:r>
+              <a:rPr lang="es" sz="1600"/>
+              <a:t>Tiempo de ejecución (en segundos)</a:t>
+            </a:r>
+            <a:endParaRPr sz="1600"/>
+          </a:p>
+        </p:txBody>
+      </p:sp>
+      <p:graphicFrame>
+        <p:nvGraphicFramePr>
+          <p:cNvPr id="237" name="Google Shape;237;p33"/>
+          <p:cNvGraphicFramePr/>
+          <p:nvPr/>
+        </p:nvGraphicFramePr>
+        <p:xfrm>
+          <a:off x="952475" y="1809750"/>
+          <a:ext cx="3000000" cy="3000000"/>
+        </p:xfrm>
+        <a:graphic>
+          <a:graphicData uri="http://schemas.openxmlformats.org/drawingml/2006/table">
+            <a:tbl>
+              <a:tblPr>
+                <a:noFill/>
+                <a:tableStyleId>{924DFE90-9517-4390-BDEE-AA3B4A31AECB}</a:tableStyleId>
+              </a:tblPr>
+              <a:tblGrid>
+                <a:gridCol w="1034150"/>
+                <a:gridCol w="1034150"/>
+                <a:gridCol w="1034150"/>
+                <a:gridCol w="1034150"/>
+                <a:gridCol w="1034150"/>
+                <a:gridCol w="1034150"/>
+                <a:gridCol w="1034150"/>
+              </a:tblGrid>
+              <a:tr h="611100">
+                <a:tc>
+                  <a:txBody>
+                    <a:bodyPr/>
+                    <a:lstStyle/>
+                    <a:p>
+                      <a:pPr indent="0" lvl="0" marL="0" rtl="0" algn="l">
+                        <a:spcBef>
+                          <a:spcPts val="0"/>
+                        </a:spcBef>
+                        <a:spcAft>
+                          <a:spcPts val="0"/>
+                        </a:spcAft>
+                        <a:buNone/>
+                      </a:pPr>
+                      <a:r>
+                        <a:t/>
+                      </a:r>
+                      <a:endParaRPr/>
+                    </a:p>
+                  </a:txBody>
+                  <a:tcPr marT="91425" marB="91425" marR="91425" marL="91425"/>
+                </a:tc>
+                <a:tc>
+                  <a:txBody>
+                    <a:bodyPr/>
+                    <a:lstStyle/>
+                    <a:p>
+                      <a:pPr indent="0" lvl="0" marL="0" rtl="0" algn="l">
+                        <a:spcBef>
+                          <a:spcPts val="0"/>
+                        </a:spcBef>
+                        <a:spcAft>
+                          <a:spcPts val="0"/>
+                        </a:spcAft>
+                        <a:buNone/>
+                      </a:pPr>
+                      <a:r>
+                        <a:rPr lang="es"/>
+                        <a:t>BPA</a:t>
+                      </a:r>
+                      <a:endParaRPr/>
+                    </a:p>
+                  </a:txBody>
+                  <a:tcPr marT="91425" marB="91425" marR="91425" marL="91425"/>
+                </a:tc>
+                <a:tc>
+                  <a:txBody>
+                    <a:bodyPr/>
+                    <a:lstStyle/>
+                    <a:p>
+                      <a:pPr indent="0" lvl="0" marL="0" rtl="0" algn="l">
+                        <a:spcBef>
+                          <a:spcPts val="0"/>
+                        </a:spcBef>
+                        <a:spcAft>
+                          <a:spcPts val="0"/>
+                        </a:spcAft>
+                        <a:buNone/>
+                      </a:pPr>
+                      <a:r>
+                        <a:rPr lang="es"/>
+                        <a:t>BPP</a:t>
+                      </a:r>
+                      <a:endParaRPr/>
+                    </a:p>
+                  </a:txBody>
+                  <a:tcPr marT="91425" marB="91425" marR="91425" marL="91425"/>
+                </a:tc>
+                <a:tc>
+                  <a:txBody>
+                    <a:bodyPr/>
+                    <a:lstStyle/>
+                    <a:p>
+                      <a:pPr indent="0" lvl="0" marL="0" rtl="0" algn="l">
+                        <a:spcBef>
+                          <a:spcPts val="0"/>
+                        </a:spcBef>
+                        <a:spcAft>
+                          <a:spcPts val="0"/>
+                        </a:spcAft>
+                        <a:buNone/>
+                      </a:pPr>
+                      <a:r>
+                        <a:rPr lang="es"/>
+                        <a:t>BPPV</a:t>
+                      </a:r>
+                      <a:endParaRPr/>
+                    </a:p>
+                  </a:txBody>
+                  <a:tcPr marT="91425" marB="91425" marR="91425" marL="91425"/>
+                </a:tc>
+                <a:tc>
+                  <a:txBody>
+                    <a:bodyPr/>
+                    <a:lstStyle/>
+                    <a:p>
+                      <a:pPr indent="0" lvl="0" marL="0" rtl="0" algn="l">
+                        <a:spcBef>
+                          <a:spcPts val="0"/>
+                        </a:spcBef>
+                        <a:spcAft>
+                          <a:spcPts val="0"/>
+                        </a:spcAft>
+                        <a:buNone/>
+                      </a:pPr>
+                      <a:r>
+                        <a:rPr lang="es"/>
+                        <a:t>Heurística Local</a:t>
+                      </a:r>
+                      <a:endParaRPr/>
+                    </a:p>
+                  </a:txBody>
+                  <a:tcPr marT="91425" marB="91425" marR="91425" marL="91425"/>
+                </a:tc>
+                <a:tc>
+                  <a:txBody>
+                    <a:bodyPr/>
+                    <a:lstStyle/>
+                    <a:p>
+                      <a:pPr indent="0" lvl="0" marL="0" rtl="0" algn="l">
+                        <a:spcBef>
+                          <a:spcPts val="0"/>
+                        </a:spcBef>
+                        <a:spcAft>
+                          <a:spcPts val="0"/>
+                        </a:spcAft>
+                        <a:buNone/>
+                      </a:pPr>
+                      <a:r>
+                        <a:rPr lang="es"/>
+                        <a:t>Heurística Global</a:t>
+                      </a:r>
+                      <a:endParaRPr/>
+                    </a:p>
+                  </a:txBody>
+                  <a:tcPr marT="91425" marB="91425" marR="91425" marL="91425"/>
+                </a:tc>
+                <a:tc>
+                  <a:txBody>
+                    <a:bodyPr/>
+                    <a:lstStyle/>
+                    <a:p>
+                      <a:pPr indent="0" lvl="0" marL="0" rtl="0" algn="l">
+                        <a:spcBef>
+                          <a:spcPts val="0"/>
+                        </a:spcBef>
+                        <a:spcAft>
+                          <a:spcPts val="0"/>
+                        </a:spcAft>
+                        <a:buNone/>
+                      </a:pPr>
+                      <a:r>
+                        <a:rPr lang="es"/>
+                        <a:t>A*</a:t>
+                      </a:r>
+                      <a:endParaRPr/>
+                    </a:p>
+                  </a:txBody>
+                  <a:tcPr marT="91425" marB="91425" marR="91425" marL="91425"/>
+                </a:tc>
+              </a:tr>
+              <a:tr h="611100">
+                <a:tc>
+                  <a:txBody>
+                    <a:bodyPr/>
+                    <a:lstStyle/>
+                    <a:p>
+                      <a:pPr indent="0" lvl="0" marL="0" rtl="0" algn="l">
+                        <a:spcBef>
+                          <a:spcPts val="0"/>
+                        </a:spcBef>
+                        <a:spcAft>
+                          <a:spcPts val="0"/>
+                        </a:spcAft>
+                        <a:buNone/>
+                      </a:pPr>
+                      <a:r>
+                        <a:rPr lang="es"/>
+                        <a:t>Problema promedio</a:t>
+                      </a:r>
+                      <a:endParaRPr/>
+                    </a:p>
+                  </a:txBody>
+                  <a:tcPr marT="91425" marB="91425" marR="91425" marL="91425"/>
+                </a:tc>
+                <a:tc>
+                  <a:txBody>
+                    <a:bodyPr/>
+                    <a:lstStyle/>
+                    <a:p>
+                      <a:pPr indent="0" lvl="0" marL="0" rtl="0" algn="l">
+                        <a:spcBef>
+                          <a:spcPts val="0"/>
+                        </a:spcBef>
+                        <a:spcAft>
+                          <a:spcPts val="0"/>
+                        </a:spcAft>
+                        <a:buNone/>
+                      </a:pPr>
+                      <a:r>
+                        <a:rPr lang="es"/>
+                        <a:t>10,089</a:t>
+                      </a:r>
+                      <a:endParaRPr/>
+                    </a:p>
+                  </a:txBody>
+                  <a:tcPr marT="91425" marB="91425" marR="91425" marL="91425"/>
+                </a:tc>
+                <a:tc>
+                  <a:txBody>
+                    <a:bodyPr/>
+                    <a:lstStyle/>
+                    <a:p>
+                      <a:pPr indent="0" lvl="0" marL="0" rtl="0" algn="l">
+                        <a:spcBef>
+                          <a:spcPts val="0"/>
+                        </a:spcBef>
+                        <a:spcAft>
+                          <a:spcPts val="0"/>
+                        </a:spcAft>
+                        <a:buNone/>
+                      </a:pPr>
+                      <a:r>
+                        <a:rPr lang="es"/>
+                        <a:t>17,836</a:t>
+                      </a:r>
+                      <a:endParaRPr/>
+                    </a:p>
+                  </a:txBody>
+                  <a:tcPr marT="91425" marB="91425" marR="91425" marL="91425"/>
+                </a:tc>
+                <a:tc>
+                  <a:txBody>
+                    <a:bodyPr/>
+                    <a:lstStyle/>
+                    <a:p>
+                      <a:pPr indent="0" lvl="0" marL="0" rtl="0" algn="l">
+                        <a:spcBef>
+                          <a:spcPts val="0"/>
+                        </a:spcBef>
+                        <a:spcAft>
+                          <a:spcPts val="0"/>
+                        </a:spcAft>
+                        <a:buNone/>
+                      </a:pPr>
+                      <a:r>
+                        <a:rPr lang="es"/>
+                        <a:t>13,098</a:t>
+                      </a:r>
+                      <a:endParaRPr/>
+                    </a:p>
+                  </a:txBody>
+                  <a:tcPr marT="91425" marB="91425" marR="91425" marL="91425"/>
+                </a:tc>
+                <a:tc>
+                  <a:txBody>
+                    <a:bodyPr/>
+                    <a:lstStyle/>
+                    <a:p>
+                      <a:pPr indent="0" lvl="0" marL="0" rtl="0" algn="l">
+                        <a:spcBef>
+                          <a:spcPts val="0"/>
+                        </a:spcBef>
+                        <a:spcAft>
+                          <a:spcPts val="0"/>
+                        </a:spcAft>
+                        <a:buNone/>
+                      </a:pPr>
+                      <a:r>
+                        <a:rPr lang="es">
+                          <a:solidFill>
+                            <a:schemeClr val="dk2"/>
+                          </a:solidFill>
+                        </a:rPr>
+                        <a:t>0,0101</a:t>
+                      </a:r>
+                      <a:endParaRPr/>
+                    </a:p>
+                  </a:txBody>
+                  <a:tcPr marT="91425" marB="91425" marR="91425" marL="91425"/>
+                </a:tc>
+                <a:tc>
+                  <a:txBody>
+                    <a:bodyPr/>
+                    <a:lstStyle/>
+                    <a:p>
+                      <a:pPr indent="0" lvl="0" marL="0" rtl="0" algn="l">
+                        <a:spcBef>
+                          <a:spcPts val="0"/>
+                        </a:spcBef>
+                        <a:spcAft>
+                          <a:spcPts val="0"/>
+                        </a:spcAft>
+                        <a:buNone/>
+                      </a:pPr>
+                      <a:r>
+                        <a:rPr lang="es"/>
+                        <a:t>0,0098</a:t>
+                      </a:r>
+                      <a:endParaRPr/>
+                    </a:p>
+                  </a:txBody>
+                  <a:tcPr marT="91425" marB="91425" marR="91425" marL="91425"/>
+                </a:tc>
+                <a:tc>
+                  <a:txBody>
+                    <a:bodyPr/>
+                    <a:lstStyle/>
+                    <a:p>
+                      <a:pPr indent="0" lvl="0" marL="0" rtl="0" algn="l">
+                        <a:spcBef>
+                          <a:spcPts val="0"/>
+                        </a:spcBef>
+                        <a:spcAft>
+                          <a:spcPts val="0"/>
+                        </a:spcAft>
+                        <a:buNone/>
+                      </a:pPr>
+                      <a:r>
+                        <a:rPr lang="es"/>
+                        <a:t>0,</a:t>
+                      </a:r>
+                      <a:r>
+                        <a:rPr lang="es">
+                          <a:solidFill>
+                            <a:schemeClr val="dk2"/>
+                          </a:solidFill>
+                        </a:rPr>
+                        <a:t>387</a:t>
+                      </a:r>
+                      <a:endParaRPr/>
+                    </a:p>
+                  </a:txBody>
+                  <a:tcPr marT="91425" marB="91425" marR="91425" marL="91425"/>
+                </a:tc>
+              </a:tr>
+              <a:tr h="611100">
+                <a:tc>
+                  <a:txBody>
+                    <a:bodyPr/>
+                    <a:lstStyle/>
+                    <a:p>
+                      <a:pPr indent="0" lvl="0" marL="0" rtl="0" algn="l">
+                        <a:spcBef>
+                          <a:spcPts val="0"/>
+                        </a:spcBef>
+                        <a:spcAft>
+                          <a:spcPts val="0"/>
+                        </a:spcAft>
+                        <a:buNone/>
+                      </a:pPr>
+                      <a:r>
+                        <a:rPr lang="es"/>
+                        <a:t>Problema más difícil</a:t>
+                      </a:r>
+                      <a:endParaRPr/>
+                    </a:p>
+                  </a:txBody>
+                  <a:tcPr marT="91425" marB="91425" marR="91425" marL="91425"/>
+                </a:tc>
+                <a:tc>
+                  <a:txBody>
+                    <a:bodyPr/>
+                    <a:lstStyle/>
+                    <a:p>
+                      <a:pPr indent="0" lvl="0" marL="0" rtl="0" algn="l">
+                        <a:spcBef>
+                          <a:spcPts val="0"/>
+                        </a:spcBef>
+                        <a:spcAft>
+                          <a:spcPts val="0"/>
+                        </a:spcAft>
+                        <a:buNone/>
+                      </a:pPr>
+                      <a:r>
+                        <a:rPr lang="es"/>
+                        <a:t>35,174</a:t>
+                      </a:r>
+                      <a:endParaRPr/>
+                    </a:p>
+                  </a:txBody>
+                  <a:tcPr marT="91425" marB="91425" marR="91425" marL="91425"/>
+                </a:tc>
+                <a:tc>
+                  <a:txBody>
+                    <a:bodyPr/>
+                    <a:lstStyle/>
+                    <a:p>
+                      <a:pPr indent="0" lvl="0" marL="0" rtl="0" algn="l">
+                        <a:spcBef>
+                          <a:spcPts val="0"/>
+                        </a:spcBef>
+                        <a:spcAft>
+                          <a:spcPts val="0"/>
+                        </a:spcAft>
+                        <a:buNone/>
+                      </a:pPr>
+                      <a:r>
+                        <a:rPr lang="es"/>
+                        <a:t>15,011</a:t>
+                      </a:r>
+                      <a:endParaRPr/>
+                    </a:p>
+                  </a:txBody>
+                  <a:tcPr marT="91425" marB="91425" marR="91425" marL="91425"/>
+                </a:tc>
+                <a:tc>
+                  <a:txBody>
+                    <a:bodyPr/>
+                    <a:lstStyle/>
+                    <a:p>
+                      <a:pPr indent="0" lvl="0" marL="0" rtl="0" algn="l">
+                        <a:spcBef>
+                          <a:spcPts val="0"/>
+                        </a:spcBef>
+                        <a:spcAft>
+                          <a:spcPts val="0"/>
+                        </a:spcAft>
+                        <a:buNone/>
+                      </a:pPr>
+                      <a:r>
+                        <a:rPr lang="es"/>
+                        <a:t>47,325</a:t>
+                      </a:r>
+                      <a:endParaRPr/>
+                    </a:p>
+                  </a:txBody>
+                  <a:tcPr marT="91425" marB="91425" marR="91425" marL="91425"/>
+                </a:tc>
+                <a:tc>
+                  <a:txBody>
+                    <a:bodyPr/>
+                    <a:lstStyle/>
+                    <a:p>
+                      <a:pPr indent="0" lvl="0" marL="0" rtl="0" algn="l">
+                        <a:spcBef>
+                          <a:spcPts val="0"/>
+                        </a:spcBef>
+                        <a:spcAft>
+                          <a:spcPts val="0"/>
+                        </a:spcAft>
+                        <a:buNone/>
+                      </a:pPr>
+                      <a:r>
+                        <a:rPr lang="es">
+                          <a:solidFill>
+                            <a:schemeClr val="dk2"/>
+                          </a:solidFill>
+                        </a:rPr>
+                        <a:t>0,0104</a:t>
+                      </a:r>
+                      <a:endParaRPr/>
+                    </a:p>
+                  </a:txBody>
+                  <a:tcPr marT="91425" marB="91425" marR="91425" marL="91425"/>
+                </a:tc>
+                <a:tc>
+                  <a:txBody>
+                    <a:bodyPr/>
+                    <a:lstStyle/>
+                    <a:p>
+                      <a:pPr indent="0" lvl="0" marL="0" rtl="0" algn="l">
+                        <a:spcBef>
+                          <a:spcPts val="0"/>
+                        </a:spcBef>
+                        <a:spcAft>
+                          <a:spcPts val="0"/>
+                        </a:spcAft>
+                        <a:buNone/>
+                      </a:pPr>
+                      <a:r>
+                        <a:rPr lang="es">
+                          <a:solidFill>
+                            <a:schemeClr val="dk2"/>
+                          </a:solidFill>
+                        </a:rPr>
+                        <a:t>0,0816</a:t>
+                      </a:r>
+                      <a:endParaRPr/>
+                    </a:p>
+                  </a:txBody>
+                  <a:tcPr marT="91425" marB="91425" marR="91425" marL="91425"/>
+                </a:tc>
+                <a:tc>
+                  <a:txBody>
+                    <a:bodyPr/>
+                    <a:lstStyle/>
+                    <a:p>
+                      <a:pPr indent="0" lvl="0" marL="0" rtl="0" algn="l">
+                        <a:spcBef>
+                          <a:spcPts val="0"/>
+                        </a:spcBef>
+                        <a:spcAft>
+                          <a:spcPts val="0"/>
+                        </a:spcAft>
+                        <a:buNone/>
+                      </a:pPr>
+                      <a:r>
+                        <a:rPr lang="es"/>
+                        <a:t>3,464</a:t>
+                      </a:r>
+                      <a:endParaRPr/>
+                    </a:p>
+                  </a:txBody>
+                  <a:tcPr marT="91425" marB="91425" marR="91425" marL="91425"/>
+                </a:tc>
+              </a:tr>
+            </a:tbl>
+          </a:graphicData>
+        </a:graphic>
+      </p:graphicFrame>
+      <p:sp>
+        <p:nvSpPr>
+          <p:cNvPr id="238" name="Google Shape;238;p33"/>
+          <p:cNvSpPr txBox="1"/>
+          <p:nvPr/>
+        </p:nvSpPr>
+        <p:spPr>
+          <a:xfrm>
+            <a:off x="311700" y="4844850"/>
+            <a:ext cx="6951900" cy="338700"/>
+          </a:xfrm>
+          <a:prstGeom prst="rect">
+            <a:avLst/>
+          </a:prstGeom>
+          <a:noFill/>
+          <a:ln>
+            <a:noFill/>
+          </a:ln>
+        </p:spPr>
+        <p:txBody>
+          <a:bodyPr anchorCtr="0" anchor="t" bIns="91425" lIns="91425" spcFirstLastPara="1" rIns="91425" wrap="square" tIns="91425">
+            <a:spAutoFit/>
+          </a:bodyPr>
+          <a:lstStyle/>
+          <a:p>
+            <a:pPr indent="0" lvl="0" marL="0" rtl="0" algn="l">
+              <a:spcBef>
+                <a:spcPts val="0"/>
+              </a:spcBef>
+              <a:spcAft>
+                <a:spcPts val="0"/>
+              </a:spcAft>
+              <a:buNone/>
+            </a:pPr>
+            <a:r>
+              <a:rPr lang="es" sz="1000">
+                <a:solidFill>
+                  <a:schemeClr val="lt1"/>
+                </a:solidFill>
+                <a:latin typeface="Roboto"/>
+                <a:ea typeface="Roboto"/>
+                <a:cs typeface="Roboto"/>
+                <a:sym typeface="Roboto"/>
+              </a:rPr>
+              <a:t>Todas las pruebas fueron ejecutadas en una MacBook Pro 2020</a:t>
+            </a:r>
+            <a:endParaRPr sz="1000">
+              <a:solidFill>
+                <a:schemeClr val="lt1"/>
+              </a:solidFill>
+              <a:latin typeface="Roboto"/>
+              <a:ea typeface="Roboto"/>
+              <a:cs typeface="Roboto"/>
+              <a:sym typeface="Roboto"/>
+            </a:endParaRPr>
+          </a:p>
+        </p:txBody>
+      </p:sp>
+    </p:spTree>
+  </p:cSld>
+  <p:clrMapOvr>
+    <a:masterClrMapping/>
+  </p:clrMapOvr>
+</p:sld>
+</file>
+
+<file path=ppt/slides/slide22.xml><?xml version="1.0" encoding="utf-8"?>
+<p:sld xmlns:a="http://schemas.openxmlformats.org/drawingml/2006/main" xmlns:r="http://schemas.openxmlformats.org/officeDocument/2006/relationships" xmlns:mc="http://schemas.openxmlformats.org/markup-compatibility/2006" xmlns:mv="urn:schemas-microsoft-com:mac:vml" xmlns:p="http://schemas.openxmlformats.org/presentationml/2006/main" xmlns:c="http://schemas.openxmlformats.org/drawingml/2006/chart" xmlns:dgm="http://schemas.openxmlformats.org/drawingml/2006/diagram" xmlns:o="urn:schemas-microsoft-com:office:office" xmlns:v="urn:schemas-microsoft-com:vml" xmlns:pvml="urn:schemas-microsoft-com:office:powerpoint" xmlns:com="http://schemas.openxmlformats.org/drawingml/2006/compatibility" xmlns:p14="http://schemas.microsoft.com/office/powerpoint/2010/main" xmlns:p15="http://schemas.microsoft.com/office/powerpoint/2012/main" xmlns:ahyp="http://schemas.microsoft.com/office/drawing/2018/hyperlinkcolor">
+  <p:cSld>
+    <p:spTree>
+      <p:nvGrpSpPr>
+        <p:cNvPr id="242" name="Shape 242"/>
+        <p:cNvGrpSpPr/>
+        <p:nvPr/>
+      </p:nvGrpSpPr>
+      <p:grpSpPr>
+        <a:xfrm>
+          <a:off x="0" y="0"/>
+          <a:ext cx="0" cy="0"/>
+          <a:chOff x="0" y="0"/>
+          <a:chExt cx="0" cy="0"/>
+        </a:xfrm>
+      </p:grpSpPr>
+      <p:sp>
+        <p:nvSpPr>
+          <p:cNvPr id="243" name="Google Shape;243;p34"/>
+          <p:cNvSpPr txBox="1"/>
+          <p:nvPr>
+            <p:ph type="title"/>
+          </p:nvPr>
+        </p:nvSpPr>
+        <p:spPr>
+          <a:xfrm>
+            <a:off x="311700" y="410000"/>
+            <a:ext cx="8520600" cy="607800"/>
+          </a:xfrm>
+          <a:prstGeom prst="rect">
+            <a:avLst/>
+          </a:prstGeom>
+        </p:spPr>
+        <p:txBody>
+          <a:bodyPr anchorCtr="0" anchor="t" bIns="91425" lIns="91425" spcFirstLastPara="1" rIns="91425" wrap="square" tIns="91425">
+            <a:normAutofit fontScale="90000"/>
+          </a:bodyPr>
+          <a:lstStyle/>
+          <a:p>
+            <a:pPr indent="0" lvl="0" marL="0" rtl="0" algn="l">
+              <a:spcBef>
+                <a:spcPts val="0"/>
+              </a:spcBef>
+              <a:spcAft>
+                <a:spcPts val="0"/>
+              </a:spcAft>
+              <a:buNone/>
+            </a:pPr>
+            <a:r>
+              <a:rPr lang="es"/>
+              <a:t>Algoritmos</a:t>
+            </a:r>
+            <a:endParaRPr/>
+          </a:p>
+        </p:txBody>
+      </p:sp>
+      <p:sp>
+        <p:nvSpPr>
+          <p:cNvPr id="244" name="Google Shape;244;p34"/>
+          <p:cNvSpPr txBox="1"/>
+          <p:nvPr>
+            <p:ph idx="1" type="body"/>
+          </p:nvPr>
+        </p:nvSpPr>
+        <p:spPr>
+          <a:xfrm>
+            <a:off x="311700" y="1082375"/>
+            <a:ext cx="8520600" cy="3339000"/>
+          </a:xfrm>
+          <a:prstGeom prst="rect">
+            <a:avLst/>
+          </a:prstGeom>
+        </p:spPr>
+        <p:txBody>
+          <a:bodyPr anchorCtr="0" anchor="t" bIns="91425" lIns="91425" spcFirstLastPara="1" rIns="91425" wrap="square" tIns="91425">
+            <a:normAutofit lnSpcReduction="20000"/>
+          </a:bodyPr>
+          <a:lstStyle/>
+          <a:p>
+            <a:pPr indent="0" lvl="0" marL="0" rtl="0" algn="l">
+              <a:spcBef>
+                <a:spcPts val="0"/>
+              </a:spcBef>
+              <a:spcAft>
+                <a:spcPts val="0"/>
+              </a:spcAft>
+              <a:buNone/>
+            </a:pPr>
+            <a:r>
+              <a:rPr lang="es" sz="1600"/>
+              <a:t>Los algoritmos de búsqueda informada utilizan el mejor resultado para las distintas heurísticas</a:t>
+            </a:r>
+            <a:endParaRPr sz="1600"/>
+          </a:p>
+          <a:p>
+            <a:pPr indent="0" lvl="0" marL="0" rtl="0" algn="l">
+              <a:spcBef>
+                <a:spcPts val="1200"/>
+              </a:spcBef>
+              <a:spcAft>
+                <a:spcPts val="0"/>
+              </a:spcAft>
+              <a:buNone/>
+            </a:pPr>
+            <a:r>
+              <a:t/>
+            </a:r>
+            <a:endParaRPr sz="1600"/>
+          </a:p>
+          <a:p>
+            <a:pPr indent="0" lvl="0" marL="0" rtl="0" algn="l">
+              <a:spcBef>
+                <a:spcPts val="1200"/>
+              </a:spcBef>
+              <a:spcAft>
+                <a:spcPts val="0"/>
+              </a:spcAft>
+              <a:buNone/>
+            </a:pPr>
+            <a:r>
+              <a:t/>
+            </a:r>
+            <a:endParaRPr sz="1600"/>
+          </a:p>
+          <a:p>
+            <a:pPr indent="0" lvl="0" marL="0" rtl="0" algn="l">
+              <a:spcBef>
+                <a:spcPts val="1200"/>
+              </a:spcBef>
+              <a:spcAft>
+                <a:spcPts val="0"/>
+              </a:spcAft>
+              <a:buNone/>
+            </a:pPr>
+            <a:r>
+              <a:t/>
+            </a:r>
+            <a:endParaRPr sz="1600"/>
+          </a:p>
+          <a:p>
+            <a:pPr indent="0" lvl="0" marL="0" rtl="0" algn="l">
+              <a:spcBef>
+                <a:spcPts val="1200"/>
+              </a:spcBef>
+              <a:spcAft>
+                <a:spcPts val="0"/>
+              </a:spcAft>
+              <a:buNone/>
+            </a:pPr>
+            <a:r>
+              <a:t/>
+            </a:r>
+            <a:endParaRPr sz="1600"/>
+          </a:p>
+          <a:p>
+            <a:pPr indent="0" lvl="0" marL="0" rtl="0" algn="l">
+              <a:spcBef>
+                <a:spcPts val="1200"/>
+              </a:spcBef>
+              <a:spcAft>
+                <a:spcPts val="0"/>
+              </a:spcAft>
+              <a:buNone/>
+            </a:pPr>
+            <a:r>
+              <a:t/>
+            </a:r>
+            <a:endParaRPr sz="1600"/>
+          </a:p>
+          <a:p>
+            <a:pPr indent="0" lvl="0" marL="0" rtl="0" algn="l">
+              <a:spcBef>
+                <a:spcPts val="1200"/>
+              </a:spcBef>
+              <a:spcAft>
+                <a:spcPts val="0"/>
+              </a:spcAft>
+              <a:buNone/>
+            </a:pPr>
+            <a:r>
+              <a:t/>
+            </a:r>
+            <a:endParaRPr sz="1600"/>
+          </a:p>
+          <a:p>
+            <a:pPr indent="0" lvl="0" marL="0" rtl="0" algn="l">
+              <a:spcBef>
+                <a:spcPts val="1200"/>
+              </a:spcBef>
+              <a:spcAft>
+                <a:spcPts val="1200"/>
+              </a:spcAft>
+              <a:buNone/>
+            </a:pPr>
+            <a:r>
+              <a:rPr lang="es" sz="1600"/>
+              <a:t>Cantidad de nodos visitados</a:t>
+            </a:r>
+            <a:endParaRPr sz="1600"/>
+          </a:p>
+        </p:txBody>
+      </p:sp>
+      <p:graphicFrame>
+        <p:nvGraphicFramePr>
+          <p:cNvPr id="245" name="Google Shape;245;p34"/>
+          <p:cNvGraphicFramePr/>
+          <p:nvPr/>
+        </p:nvGraphicFramePr>
+        <p:xfrm>
+          <a:off x="952475" y="1809750"/>
+          <a:ext cx="3000000" cy="3000000"/>
+        </p:xfrm>
+        <a:graphic>
+          <a:graphicData uri="http://schemas.openxmlformats.org/drawingml/2006/table">
+            <a:tbl>
+              <a:tblPr>
+                <a:noFill/>
+                <a:tableStyleId>{924DFE90-9517-4390-BDEE-AA3B4A31AECB}</a:tableStyleId>
+              </a:tblPr>
+              <a:tblGrid>
+                <a:gridCol w="1034150"/>
+                <a:gridCol w="1034150"/>
+                <a:gridCol w="1034150"/>
+                <a:gridCol w="1034150"/>
+                <a:gridCol w="1034150"/>
+                <a:gridCol w="1034150"/>
+                <a:gridCol w="1034150"/>
+              </a:tblGrid>
+              <a:tr h="611100">
+                <a:tc>
+                  <a:txBody>
+                    <a:bodyPr/>
+                    <a:lstStyle/>
+                    <a:p>
+                      <a:pPr indent="0" lvl="0" marL="0" rtl="0" algn="l">
+                        <a:spcBef>
+                          <a:spcPts val="0"/>
+                        </a:spcBef>
+                        <a:spcAft>
+                          <a:spcPts val="0"/>
+                        </a:spcAft>
+                        <a:buNone/>
+                      </a:pPr>
+                      <a:r>
+                        <a:t/>
+                      </a:r>
+                      <a:endParaRPr/>
+                    </a:p>
+                  </a:txBody>
+                  <a:tcPr marT="91425" marB="91425" marR="91425" marL="91425"/>
+                </a:tc>
+                <a:tc>
+                  <a:txBody>
+                    <a:bodyPr/>
+                    <a:lstStyle/>
+                    <a:p>
+                      <a:pPr indent="0" lvl="0" marL="0" rtl="0" algn="l">
+                        <a:spcBef>
+                          <a:spcPts val="0"/>
+                        </a:spcBef>
+                        <a:spcAft>
+                          <a:spcPts val="0"/>
+                        </a:spcAft>
+                        <a:buNone/>
+                      </a:pPr>
+                      <a:r>
+                        <a:rPr lang="es"/>
+                        <a:t>BPA</a:t>
+                      </a:r>
+                      <a:endParaRPr/>
+                    </a:p>
+                  </a:txBody>
+                  <a:tcPr marT="91425" marB="91425" marR="91425" marL="91425"/>
+                </a:tc>
+                <a:tc>
+                  <a:txBody>
+                    <a:bodyPr/>
+                    <a:lstStyle/>
+                    <a:p>
+                      <a:pPr indent="0" lvl="0" marL="0" rtl="0" algn="l">
+                        <a:spcBef>
+                          <a:spcPts val="0"/>
+                        </a:spcBef>
+                        <a:spcAft>
+                          <a:spcPts val="0"/>
+                        </a:spcAft>
+                        <a:buNone/>
+                      </a:pPr>
+                      <a:r>
+                        <a:rPr lang="es"/>
+                        <a:t>BPP</a:t>
+                      </a:r>
+                      <a:endParaRPr/>
+                    </a:p>
+                  </a:txBody>
+                  <a:tcPr marT="91425" marB="91425" marR="91425" marL="91425"/>
+                </a:tc>
+                <a:tc>
+                  <a:txBody>
+                    <a:bodyPr/>
+                    <a:lstStyle/>
+                    <a:p>
+                      <a:pPr indent="0" lvl="0" marL="0" rtl="0" algn="l">
+                        <a:spcBef>
+                          <a:spcPts val="0"/>
+                        </a:spcBef>
+                        <a:spcAft>
+                          <a:spcPts val="0"/>
+                        </a:spcAft>
+                        <a:buNone/>
+                      </a:pPr>
+                      <a:r>
+                        <a:rPr lang="es"/>
+                        <a:t>BPPV</a:t>
+                      </a:r>
+                      <a:endParaRPr/>
+                    </a:p>
+                  </a:txBody>
+                  <a:tcPr marT="91425" marB="91425" marR="91425" marL="91425"/>
+                </a:tc>
+                <a:tc>
+                  <a:txBody>
+                    <a:bodyPr/>
+                    <a:lstStyle/>
+                    <a:p>
+                      <a:pPr indent="0" lvl="0" marL="0" rtl="0" algn="l">
+                        <a:spcBef>
+                          <a:spcPts val="0"/>
+                        </a:spcBef>
+                        <a:spcAft>
+                          <a:spcPts val="0"/>
+                        </a:spcAft>
+                        <a:buNone/>
+                      </a:pPr>
+                      <a:r>
+                        <a:rPr lang="es"/>
+                        <a:t>Heurística</a:t>
+                      </a:r>
+                      <a:r>
+                        <a:rPr lang="es"/>
+                        <a:t> Local</a:t>
+                      </a:r>
+                      <a:endParaRPr/>
+                    </a:p>
+                  </a:txBody>
+                  <a:tcPr marT="91425" marB="91425" marR="91425" marL="91425"/>
+                </a:tc>
+                <a:tc>
+                  <a:txBody>
+                    <a:bodyPr/>
+                    <a:lstStyle/>
+                    <a:p>
+                      <a:pPr indent="0" lvl="0" marL="0" rtl="0" algn="l">
+                        <a:spcBef>
+                          <a:spcPts val="0"/>
+                        </a:spcBef>
+                        <a:spcAft>
+                          <a:spcPts val="0"/>
+                        </a:spcAft>
+                        <a:buNone/>
+                      </a:pPr>
+                      <a:r>
+                        <a:rPr lang="es"/>
+                        <a:t>Heurística</a:t>
+                      </a:r>
+                      <a:r>
+                        <a:rPr lang="es"/>
+                        <a:t> Global</a:t>
+                      </a:r>
+                      <a:endParaRPr/>
+                    </a:p>
+                  </a:txBody>
+                  <a:tcPr marT="91425" marB="91425" marR="91425" marL="91425"/>
+                </a:tc>
+                <a:tc>
+                  <a:txBody>
+                    <a:bodyPr/>
+                    <a:lstStyle/>
+                    <a:p>
+                      <a:pPr indent="0" lvl="0" marL="0" rtl="0" algn="l">
+                        <a:spcBef>
+                          <a:spcPts val="0"/>
+                        </a:spcBef>
+                        <a:spcAft>
+                          <a:spcPts val="0"/>
+                        </a:spcAft>
+                        <a:buNone/>
+                      </a:pPr>
+                      <a:r>
+                        <a:rPr lang="es"/>
+                        <a:t>A*</a:t>
+                      </a:r>
+                      <a:endParaRPr/>
+                    </a:p>
+                  </a:txBody>
+                  <a:tcPr marT="91425" marB="91425" marR="91425" marL="91425"/>
+                </a:tc>
+              </a:tr>
+              <a:tr h="611100">
+                <a:tc>
+                  <a:txBody>
+                    <a:bodyPr/>
+                    <a:lstStyle/>
+                    <a:p>
+                      <a:pPr indent="0" lvl="0" marL="0" rtl="0" algn="l">
+                        <a:spcBef>
+                          <a:spcPts val="0"/>
+                        </a:spcBef>
+                        <a:spcAft>
+                          <a:spcPts val="0"/>
+                        </a:spcAft>
+                        <a:buNone/>
+                      </a:pPr>
+                      <a:r>
+                        <a:rPr lang="es"/>
+                        <a:t>Problema promedio</a:t>
+                      </a:r>
+                      <a:endParaRPr/>
+                    </a:p>
+                  </a:txBody>
+                  <a:tcPr marT="91425" marB="91425" marR="91425" marL="91425"/>
+                </a:tc>
+                <a:tc>
+                  <a:txBody>
+                    <a:bodyPr/>
+                    <a:lstStyle/>
+                    <a:p>
+                      <a:pPr indent="0" lvl="0" marL="0" rtl="0" algn="l">
+                        <a:spcBef>
+                          <a:spcPts val="0"/>
+                        </a:spcBef>
+                        <a:spcAft>
+                          <a:spcPts val="0"/>
+                        </a:spcAft>
+                        <a:buNone/>
+                      </a:pPr>
+                      <a:r>
+                        <a:rPr lang="es">
+                          <a:solidFill>
+                            <a:schemeClr val="dk2"/>
+                          </a:solidFill>
+                        </a:rPr>
+                        <a:t>91.330</a:t>
+                      </a:r>
+                      <a:endParaRPr/>
+                    </a:p>
+                  </a:txBody>
+                  <a:tcPr marT="91425" marB="91425" marR="91425" marL="91425"/>
+                </a:tc>
+                <a:tc>
+                  <a:txBody>
+                    <a:bodyPr/>
+                    <a:lstStyle/>
+                    <a:p>
+                      <a:pPr indent="0" lvl="0" marL="0" rtl="0" algn="l">
+                        <a:spcBef>
+                          <a:spcPts val="0"/>
+                        </a:spcBef>
+                        <a:spcAft>
+                          <a:spcPts val="0"/>
+                        </a:spcAft>
+                        <a:buNone/>
+                      </a:pPr>
+                      <a:r>
+                        <a:rPr lang="es">
+                          <a:solidFill>
+                            <a:schemeClr val="dk2"/>
+                          </a:solidFill>
+                        </a:rPr>
+                        <a:t>171.857</a:t>
+                      </a:r>
+                      <a:endParaRPr/>
+                    </a:p>
+                  </a:txBody>
+                  <a:tcPr marT="91425" marB="91425" marR="91425" marL="91425"/>
+                </a:tc>
+                <a:tc>
+                  <a:txBody>
+                    <a:bodyPr/>
+                    <a:lstStyle/>
+                    <a:p>
+                      <a:pPr indent="0" lvl="0" marL="0" rtl="0" algn="l">
+                        <a:spcBef>
+                          <a:spcPts val="0"/>
+                        </a:spcBef>
+                        <a:spcAft>
+                          <a:spcPts val="0"/>
+                        </a:spcAft>
+                        <a:buNone/>
+                      </a:pPr>
+                      <a:r>
+                        <a:rPr lang="es">
+                          <a:solidFill>
+                            <a:schemeClr val="dk2"/>
+                          </a:solidFill>
+                        </a:rPr>
+                        <a:t>102.536</a:t>
+                      </a:r>
+                      <a:endParaRPr/>
+                    </a:p>
+                  </a:txBody>
+                  <a:tcPr marT="91425" marB="91425" marR="91425" marL="91425"/>
+                </a:tc>
+                <a:tc>
+                  <a:txBody>
+                    <a:bodyPr/>
+                    <a:lstStyle/>
+                    <a:p>
+                      <a:pPr indent="0" lvl="0" marL="0" rtl="0" algn="l">
+                        <a:spcBef>
+                          <a:spcPts val="0"/>
+                        </a:spcBef>
+                        <a:spcAft>
+                          <a:spcPts val="0"/>
+                        </a:spcAft>
+                        <a:buNone/>
+                      </a:pPr>
+                      <a:r>
+                        <a:rPr lang="es"/>
+                        <a:t>126</a:t>
+                      </a:r>
+                      <a:endParaRPr/>
+                    </a:p>
+                  </a:txBody>
+                  <a:tcPr marT="91425" marB="91425" marR="91425" marL="91425"/>
+                </a:tc>
+                <a:tc>
+                  <a:txBody>
+                    <a:bodyPr/>
+                    <a:lstStyle/>
+                    <a:p>
+                      <a:pPr indent="0" lvl="0" marL="0" rtl="0" algn="l">
+                        <a:spcBef>
+                          <a:spcPts val="0"/>
+                        </a:spcBef>
+                        <a:spcAft>
+                          <a:spcPts val="0"/>
+                        </a:spcAft>
+                        <a:buNone/>
+                      </a:pPr>
+                      <a:r>
+                        <a:rPr lang="es"/>
+                        <a:t>96</a:t>
+                      </a:r>
+                      <a:endParaRPr/>
+                    </a:p>
+                  </a:txBody>
+                  <a:tcPr marT="91425" marB="91425" marR="91425" marL="91425"/>
+                </a:tc>
+                <a:tc>
+                  <a:txBody>
+                    <a:bodyPr/>
+                    <a:lstStyle/>
+                    <a:p>
+                      <a:pPr indent="0" lvl="0" marL="0" rtl="0" algn="l">
+                        <a:spcBef>
+                          <a:spcPts val="0"/>
+                        </a:spcBef>
+                        <a:spcAft>
+                          <a:spcPts val="0"/>
+                        </a:spcAft>
+                        <a:buNone/>
+                      </a:pPr>
+                      <a:r>
+                        <a:rPr lang="es"/>
+                        <a:t>1.269</a:t>
+                      </a:r>
+                      <a:endParaRPr/>
+                    </a:p>
+                  </a:txBody>
+                  <a:tcPr marT="91425" marB="91425" marR="91425" marL="91425"/>
+                </a:tc>
+              </a:tr>
+              <a:tr h="611100">
+                <a:tc>
+                  <a:txBody>
+                    <a:bodyPr/>
+                    <a:lstStyle/>
+                    <a:p>
+                      <a:pPr indent="0" lvl="0" marL="0" rtl="0" algn="l">
+                        <a:spcBef>
+                          <a:spcPts val="0"/>
+                        </a:spcBef>
+                        <a:spcAft>
+                          <a:spcPts val="0"/>
+                        </a:spcAft>
+                        <a:buNone/>
+                      </a:pPr>
+                      <a:r>
+                        <a:rPr lang="es"/>
+                        <a:t>Problema </a:t>
+                      </a:r>
+                      <a:r>
+                        <a:rPr lang="es"/>
+                        <a:t>más</a:t>
+                      </a:r>
+                      <a:r>
+                        <a:rPr lang="es"/>
+                        <a:t> </a:t>
+                      </a:r>
+                      <a:r>
+                        <a:rPr lang="es"/>
+                        <a:t>difícil</a:t>
+                      </a:r>
+                      <a:endParaRPr/>
+                    </a:p>
+                  </a:txBody>
+                  <a:tcPr marT="91425" marB="91425" marR="91425" marL="91425"/>
+                </a:tc>
+                <a:tc>
+                  <a:txBody>
+                    <a:bodyPr/>
+                    <a:lstStyle/>
+                    <a:p>
+                      <a:pPr indent="0" lvl="0" marL="0" rtl="0" algn="l">
+                        <a:spcBef>
+                          <a:spcPts val="0"/>
+                        </a:spcBef>
+                        <a:spcAft>
+                          <a:spcPts val="0"/>
+                        </a:spcAft>
+                        <a:buNone/>
+                      </a:pPr>
+                      <a:r>
+                        <a:rPr lang="es">
+                          <a:solidFill>
+                            <a:schemeClr val="dk2"/>
+                          </a:solidFill>
+                        </a:rPr>
+                        <a:t>181.439</a:t>
+                      </a:r>
+                      <a:endParaRPr/>
+                    </a:p>
+                  </a:txBody>
+                  <a:tcPr marT="91425" marB="91425" marR="91425" marL="91425"/>
+                </a:tc>
+                <a:tc>
+                  <a:txBody>
+                    <a:bodyPr/>
+                    <a:lstStyle/>
+                    <a:p>
+                      <a:pPr indent="0" lvl="0" marL="0" rtl="0" algn="l">
+                        <a:spcBef>
+                          <a:spcPts val="0"/>
+                        </a:spcBef>
+                        <a:spcAft>
+                          <a:spcPts val="0"/>
+                        </a:spcAft>
+                        <a:buNone/>
+                      </a:pPr>
+                      <a:r>
+                        <a:rPr lang="es">
+                          <a:solidFill>
+                            <a:schemeClr val="dk2"/>
+                          </a:solidFill>
+                        </a:rPr>
+                        <a:t>148.345</a:t>
+                      </a:r>
+                      <a:endParaRPr/>
+                    </a:p>
+                  </a:txBody>
+                  <a:tcPr marT="91425" marB="91425" marR="91425" marL="91425"/>
+                </a:tc>
+                <a:tc>
+                  <a:txBody>
+                    <a:bodyPr/>
+                    <a:lstStyle/>
+                    <a:p>
+                      <a:pPr indent="0" lvl="0" marL="0" rtl="0" algn="l">
+                        <a:spcBef>
+                          <a:spcPts val="0"/>
+                        </a:spcBef>
+                        <a:spcAft>
+                          <a:spcPts val="0"/>
+                        </a:spcAft>
+                        <a:buNone/>
+                      </a:pPr>
+                      <a:r>
+                        <a:rPr lang="es">
+                          <a:solidFill>
+                            <a:schemeClr val="dk2"/>
+                          </a:solidFill>
+                        </a:rPr>
+                        <a:t>181.348</a:t>
+                      </a:r>
+                      <a:endParaRPr/>
+                    </a:p>
+                  </a:txBody>
+                  <a:tcPr marT="91425" marB="91425" marR="91425" marL="91425"/>
+                </a:tc>
+                <a:tc>
+                  <a:txBody>
+                    <a:bodyPr/>
+                    <a:lstStyle/>
+                    <a:p>
+                      <a:pPr indent="0" lvl="0" marL="0" rtl="0" algn="l">
+                        <a:spcBef>
+                          <a:spcPts val="0"/>
+                        </a:spcBef>
+                        <a:spcAft>
+                          <a:spcPts val="0"/>
+                        </a:spcAft>
+                        <a:buNone/>
+                      </a:pPr>
+                      <a:r>
+                        <a:rPr lang="es"/>
+                        <a:t>135</a:t>
+                      </a:r>
+                      <a:endParaRPr/>
+                    </a:p>
+                  </a:txBody>
+                  <a:tcPr marT="91425" marB="91425" marR="91425" marL="91425"/>
+                </a:tc>
+                <a:tc>
+                  <a:txBody>
+                    <a:bodyPr/>
+                    <a:lstStyle/>
+                    <a:p>
+                      <a:pPr indent="0" lvl="0" marL="0" rtl="0" algn="l">
+                        <a:spcBef>
+                          <a:spcPts val="0"/>
+                        </a:spcBef>
+                        <a:spcAft>
+                          <a:spcPts val="0"/>
+                        </a:spcAft>
+                        <a:buNone/>
+                      </a:pPr>
+                      <a:r>
+                        <a:rPr lang="es"/>
+                        <a:t>103</a:t>
+                      </a:r>
+                      <a:endParaRPr/>
+                    </a:p>
+                  </a:txBody>
+                  <a:tcPr marT="91425" marB="91425" marR="91425" marL="91425"/>
+                </a:tc>
+                <a:tc>
+                  <a:txBody>
+                    <a:bodyPr/>
+                    <a:lstStyle/>
+                    <a:p>
+                      <a:pPr indent="0" lvl="0" marL="0" rtl="0" algn="l">
+                        <a:spcBef>
+                          <a:spcPts val="0"/>
+                        </a:spcBef>
+                        <a:spcAft>
+                          <a:spcPts val="0"/>
+                        </a:spcAft>
+                        <a:buNone/>
+                      </a:pPr>
+                      <a:r>
+                        <a:rPr lang="es"/>
+                        <a:t>8.952</a:t>
+                      </a:r>
+                      <a:endParaRPr/>
+                    </a:p>
+                  </a:txBody>
+                  <a:tcPr marT="91425" marB="91425" marR="91425" marL="91425"/>
+                </a:tc>
+              </a:tr>
+            </a:tbl>
+          </a:graphicData>
+        </a:graphic>
+      </p:graphicFrame>
+      <p:sp>
+        <p:nvSpPr>
+          <p:cNvPr id="246" name="Google Shape;246;p34"/>
+          <p:cNvSpPr txBox="1"/>
+          <p:nvPr/>
+        </p:nvSpPr>
+        <p:spPr>
+          <a:xfrm>
+            <a:off x="311700" y="4844850"/>
+            <a:ext cx="6951900" cy="338700"/>
+          </a:xfrm>
+          <a:prstGeom prst="rect">
+            <a:avLst/>
+          </a:prstGeom>
+          <a:noFill/>
+          <a:ln>
+            <a:noFill/>
+          </a:ln>
+        </p:spPr>
+        <p:txBody>
+          <a:bodyPr anchorCtr="0" anchor="t" bIns="91425" lIns="91425" spcFirstLastPara="1" rIns="91425" wrap="square" tIns="91425">
+            <a:spAutoFit/>
+          </a:bodyPr>
+          <a:lstStyle/>
+          <a:p>
+            <a:pPr indent="0" lvl="0" marL="0" rtl="0" algn="l">
+              <a:spcBef>
+                <a:spcPts val="0"/>
+              </a:spcBef>
+              <a:spcAft>
+                <a:spcPts val="0"/>
+              </a:spcAft>
+              <a:buNone/>
+            </a:pPr>
+            <a:r>
+              <a:rPr lang="es" sz="1000">
+                <a:solidFill>
+                  <a:schemeClr val="lt1"/>
+                </a:solidFill>
+                <a:latin typeface="Roboto"/>
+                <a:ea typeface="Roboto"/>
+                <a:cs typeface="Roboto"/>
+                <a:sym typeface="Roboto"/>
+              </a:rPr>
+              <a:t>Todas las pruebas fueron ejecutadas en una MacBook Pro 2020</a:t>
+            </a:r>
+            <a:endParaRPr sz="1000">
+              <a:solidFill>
+                <a:schemeClr val="lt1"/>
+              </a:solidFill>
+              <a:latin typeface="Roboto"/>
+              <a:ea typeface="Roboto"/>
+              <a:cs typeface="Roboto"/>
+              <a:sym typeface="Roboto"/>
+            </a:endParaRPr>
+          </a:p>
+        </p:txBody>
+      </p:sp>
+    </p:spTree>
+  </p:cSld>
+  <p:clrMapOvr>
+    <a:masterClrMapping/>
+  </p:clrMapOvr>
+</p:sld>
+</file>
+
+<file path=ppt/slides/slide23.xml><?xml version="1.0" encoding="utf-8"?>
+<p:sld xmlns:a="http://schemas.openxmlformats.org/drawingml/2006/main" xmlns:r="http://schemas.openxmlformats.org/officeDocument/2006/relationships" xmlns:mc="http://schemas.openxmlformats.org/markup-compatibility/2006" xmlns:mv="urn:schemas-microsoft-com:mac:vml" xmlns:p="http://schemas.openxmlformats.org/presentationml/2006/main" xmlns:c="http://schemas.openxmlformats.org/drawingml/2006/chart" xmlns:dgm="http://schemas.openxmlformats.org/drawingml/2006/diagram" xmlns:o="urn:schemas-microsoft-com:office:office" xmlns:v="urn:schemas-microsoft-com:vml" xmlns:pvml="urn:schemas-microsoft-com:office:powerpoint" xmlns:com="http://schemas.openxmlformats.org/drawingml/2006/compatibility" xmlns:p14="http://schemas.microsoft.com/office/powerpoint/2010/main" xmlns:p15="http://schemas.microsoft.com/office/powerpoint/2012/main" xmlns:ahyp="http://schemas.microsoft.com/office/drawing/2018/hyperlinkcolor">
+  <p:cSld>
+    <p:spTree>
+      <p:nvGrpSpPr>
+        <p:cNvPr id="250" name="Shape 250"/>
+        <p:cNvGrpSpPr/>
+        <p:nvPr/>
+      </p:nvGrpSpPr>
+      <p:grpSpPr>
+        <a:xfrm>
+          <a:off x="0" y="0"/>
+          <a:ext cx="0" cy="0"/>
+          <a:chOff x="0" y="0"/>
+          <a:chExt cx="0" cy="0"/>
+        </a:xfrm>
+      </p:grpSpPr>
+      <p:sp>
+        <p:nvSpPr>
+          <p:cNvPr id="251" name="Google Shape;251;p35"/>
+          <p:cNvSpPr txBox="1"/>
+          <p:nvPr>
+            <p:ph type="title"/>
+          </p:nvPr>
+        </p:nvSpPr>
+        <p:spPr>
+          <a:xfrm>
+            <a:off x="311700" y="410000"/>
+            <a:ext cx="8520600" cy="607800"/>
+          </a:xfrm>
+          <a:prstGeom prst="rect">
+            <a:avLst/>
+          </a:prstGeom>
+        </p:spPr>
+        <p:txBody>
+          <a:bodyPr anchorCtr="0" anchor="t" bIns="91425" lIns="91425" spcFirstLastPara="1" rIns="91425" wrap="square" tIns="91425">
+            <a:normAutofit fontScale="90000"/>
+          </a:bodyPr>
+          <a:lstStyle/>
+          <a:p>
+            <a:pPr indent="0" lvl="0" marL="0" rtl="0" algn="l">
+              <a:spcBef>
+                <a:spcPts val="0"/>
+              </a:spcBef>
+              <a:spcAft>
+                <a:spcPts val="0"/>
+              </a:spcAft>
+              <a:buNone/>
+            </a:pPr>
+            <a:r>
+              <a:rPr lang="es"/>
+              <a:t>Algoritmos</a:t>
+            </a:r>
+            <a:endParaRPr/>
+          </a:p>
+        </p:txBody>
+      </p:sp>
+      <p:sp>
+        <p:nvSpPr>
+          <p:cNvPr id="252" name="Google Shape;252;p35"/>
+          <p:cNvSpPr txBox="1"/>
+          <p:nvPr>
+            <p:ph idx="1" type="body"/>
+          </p:nvPr>
+        </p:nvSpPr>
+        <p:spPr>
+          <a:xfrm>
+            <a:off x="311700" y="1082375"/>
+            <a:ext cx="8520600" cy="3339000"/>
+          </a:xfrm>
+          <a:prstGeom prst="rect">
+            <a:avLst/>
+          </a:prstGeom>
+        </p:spPr>
+        <p:txBody>
+          <a:bodyPr anchorCtr="0" anchor="t" bIns="91425" lIns="91425" spcFirstLastPara="1" rIns="91425" wrap="square" tIns="91425">
+            <a:normAutofit lnSpcReduction="20000"/>
+          </a:bodyPr>
+          <a:lstStyle/>
+          <a:p>
+            <a:pPr indent="0" lvl="0" marL="0" rtl="0" algn="l">
+              <a:spcBef>
+                <a:spcPts val="0"/>
+              </a:spcBef>
+              <a:spcAft>
+                <a:spcPts val="0"/>
+              </a:spcAft>
+              <a:buNone/>
+            </a:pPr>
+            <a:r>
+              <a:rPr lang="es" sz="1600"/>
+              <a:t>Los algoritmos de búsqueda informada utilizan el mejor resultado para las distintas heurísticas</a:t>
+            </a:r>
+            <a:endParaRPr sz="1600"/>
+          </a:p>
+          <a:p>
+            <a:pPr indent="0" lvl="0" marL="0" rtl="0" algn="l">
+              <a:spcBef>
+                <a:spcPts val="1200"/>
+              </a:spcBef>
+              <a:spcAft>
+                <a:spcPts val="0"/>
+              </a:spcAft>
+              <a:buNone/>
+            </a:pPr>
+            <a:r>
+              <a:t/>
+            </a:r>
+            <a:endParaRPr sz="1600"/>
+          </a:p>
+          <a:p>
+            <a:pPr indent="0" lvl="0" marL="0" rtl="0" algn="l">
+              <a:spcBef>
+                <a:spcPts val="1200"/>
+              </a:spcBef>
+              <a:spcAft>
+                <a:spcPts val="0"/>
+              </a:spcAft>
+              <a:buNone/>
+            </a:pPr>
+            <a:r>
+              <a:t/>
+            </a:r>
+            <a:endParaRPr sz="1600"/>
+          </a:p>
+          <a:p>
+            <a:pPr indent="0" lvl="0" marL="0" rtl="0" algn="l">
+              <a:spcBef>
+                <a:spcPts val="1200"/>
+              </a:spcBef>
+              <a:spcAft>
+                <a:spcPts val="0"/>
+              </a:spcAft>
+              <a:buNone/>
+            </a:pPr>
+            <a:r>
+              <a:t/>
+            </a:r>
+            <a:endParaRPr sz="1600"/>
+          </a:p>
+          <a:p>
+            <a:pPr indent="0" lvl="0" marL="0" rtl="0" algn="l">
+              <a:spcBef>
+                <a:spcPts val="1200"/>
+              </a:spcBef>
+              <a:spcAft>
+                <a:spcPts val="0"/>
+              </a:spcAft>
+              <a:buNone/>
+            </a:pPr>
+            <a:r>
+              <a:t/>
+            </a:r>
+            <a:endParaRPr sz="1600"/>
+          </a:p>
+          <a:p>
+            <a:pPr indent="0" lvl="0" marL="0" rtl="0" algn="l">
+              <a:spcBef>
+                <a:spcPts val="1200"/>
+              </a:spcBef>
+              <a:spcAft>
+                <a:spcPts val="0"/>
+              </a:spcAft>
+              <a:buNone/>
+            </a:pPr>
+            <a:r>
+              <a:t/>
+            </a:r>
+            <a:endParaRPr sz="1600"/>
+          </a:p>
+          <a:p>
+            <a:pPr indent="0" lvl="0" marL="0" rtl="0" algn="l">
+              <a:spcBef>
+                <a:spcPts val="1200"/>
+              </a:spcBef>
+              <a:spcAft>
+                <a:spcPts val="0"/>
+              </a:spcAft>
+              <a:buNone/>
+            </a:pPr>
+            <a:r>
+              <a:t/>
+            </a:r>
+            <a:endParaRPr sz="1600"/>
+          </a:p>
+          <a:p>
+            <a:pPr indent="0" lvl="0" marL="0" rtl="0" algn="l">
+              <a:spcBef>
+                <a:spcPts val="1200"/>
+              </a:spcBef>
+              <a:spcAft>
+                <a:spcPts val="1200"/>
+              </a:spcAft>
+              <a:buNone/>
+            </a:pPr>
+            <a:r>
+              <a:rPr lang="es" sz="1600"/>
+              <a:t>Costo de la </a:t>
+            </a:r>
+            <a:r>
+              <a:rPr lang="es" sz="1600"/>
+              <a:t>solución</a:t>
+            </a:r>
+            <a:endParaRPr sz="1600"/>
+          </a:p>
+        </p:txBody>
+      </p:sp>
+      <p:graphicFrame>
+        <p:nvGraphicFramePr>
+          <p:cNvPr id="253" name="Google Shape;253;p35"/>
+          <p:cNvGraphicFramePr/>
+          <p:nvPr/>
+        </p:nvGraphicFramePr>
+        <p:xfrm>
+          <a:off x="952475" y="1809750"/>
+          <a:ext cx="3000000" cy="3000000"/>
+        </p:xfrm>
+        <a:graphic>
+          <a:graphicData uri="http://schemas.openxmlformats.org/drawingml/2006/table">
+            <a:tbl>
+              <a:tblPr>
+                <a:noFill/>
+                <a:tableStyleId>{924DFE90-9517-4390-BDEE-AA3B4A31AECB}</a:tableStyleId>
+              </a:tblPr>
+              <a:tblGrid>
+                <a:gridCol w="1034150"/>
+                <a:gridCol w="1034150"/>
+                <a:gridCol w="1034150"/>
+                <a:gridCol w="1034150"/>
+                <a:gridCol w="1034150"/>
+                <a:gridCol w="1034150"/>
+                <a:gridCol w="1034150"/>
+              </a:tblGrid>
+              <a:tr h="611100">
+                <a:tc>
+                  <a:txBody>
+                    <a:bodyPr/>
+                    <a:lstStyle/>
+                    <a:p>
+                      <a:pPr indent="0" lvl="0" marL="0" rtl="0" algn="l">
+                        <a:spcBef>
+                          <a:spcPts val="0"/>
+                        </a:spcBef>
+                        <a:spcAft>
+                          <a:spcPts val="0"/>
+                        </a:spcAft>
+                        <a:buNone/>
+                      </a:pPr>
+                      <a:r>
+                        <a:t/>
+                      </a:r>
+                      <a:endParaRPr/>
+                    </a:p>
+                  </a:txBody>
+                  <a:tcPr marT="91425" marB="91425" marR="91425" marL="91425"/>
+                </a:tc>
+                <a:tc>
+                  <a:txBody>
+                    <a:bodyPr/>
+                    <a:lstStyle/>
+                    <a:p>
+                      <a:pPr indent="0" lvl="0" marL="0" rtl="0" algn="l">
+                        <a:spcBef>
+                          <a:spcPts val="0"/>
+                        </a:spcBef>
+                        <a:spcAft>
+                          <a:spcPts val="0"/>
+                        </a:spcAft>
+                        <a:buNone/>
+                      </a:pPr>
+                      <a:r>
+                        <a:rPr lang="es"/>
+                        <a:t>BPA</a:t>
+                      </a:r>
+                      <a:endParaRPr/>
+                    </a:p>
+                  </a:txBody>
+                  <a:tcPr marT="91425" marB="91425" marR="91425" marL="91425"/>
+                </a:tc>
+                <a:tc>
+                  <a:txBody>
+                    <a:bodyPr/>
+                    <a:lstStyle/>
+                    <a:p>
+                      <a:pPr indent="0" lvl="0" marL="0" rtl="0" algn="l">
+                        <a:spcBef>
+                          <a:spcPts val="0"/>
+                        </a:spcBef>
+                        <a:spcAft>
+                          <a:spcPts val="0"/>
+                        </a:spcAft>
+                        <a:buNone/>
+                      </a:pPr>
+                      <a:r>
+                        <a:rPr lang="es"/>
+                        <a:t>BPP</a:t>
+                      </a:r>
+                      <a:endParaRPr/>
+                    </a:p>
+                  </a:txBody>
+                  <a:tcPr marT="91425" marB="91425" marR="91425" marL="91425"/>
+                </a:tc>
+                <a:tc>
+                  <a:txBody>
+                    <a:bodyPr/>
+                    <a:lstStyle/>
+                    <a:p>
+                      <a:pPr indent="0" lvl="0" marL="0" rtl="0" algn="l">
+                        <a:spcBef>
+                          <a:spcPts val="0"/>
+                        </a:spcBef>
+                        <a:spcAft>
+                          <a:spcPts val="0"/>
+                        </a:spcAft>
+                        <a:buNone/>
+                      </a:pPr>
+                      <a:r>
+                        <a:rPr lang="es"/>
+                        <a:t>BPPV</a:t>
+                      </a:r>
+                      <a:endParaRPr/>
+                    </a:p>
+                  </a:txBody>
+                  <a:tcPr marT="91425" marB="91425" marR="91425" marL="91425"/>
+                </a:tc>
+                <a:tc>
+                  <a:txBody>
+                    <a:bodyPr/>
+                    <a:lstStyle/>
+                    <a:p>
+                      <a:pPr indent="0" lvl="0" marL="0" rtl="0" algn="l">
+                        <a:spcBef>
+                          <a:spcPts val="0"/>
+                        </a:spcBef>
+                        <a:spcAft>
+                          <a:spcPts val="0"/>
+                        </a:spcAft>
+                        <a:buNone/>
+                      </a:pPr>
+                      <a:r>
+                        <a:rPr lang="es"/>
+                        <a:t>Heurística Local</a:t>
+                      </a:r>
+                      <a:endParaRPr/>
+                    </a:p>
+                  </a:txBody>
+                  <a:tcPr marT="91425" marB="91425" marR="91425" marL="91425"/>
+                </a:tc>
+                <a:tc>
+                  <a:txBody>
+                    <a:bodyPr/>
+                    <a:lstStyle/>
+                    <a:p>
+                      <a:pPr indent="0" lvl="0" marL="0" rtl="0" algn="l">
+                        <a:spcBef>
+                          <a:spcPts val="0"/>
+                        </a:spcBef>
+                        <a:spcAft>
+                          <a:spcPts val="0"/>
+                        </a:spcAft>
+                        <a:buNone/>
+                      </a:pPr>
+                      <a:r>
+                        <a:rPr lang="es"/>
+                        <a:t>Heurística Global</a:t>
+                      </a:r>
+                      <a:endParaRPr/>
+                    </a:p>
+                  </a:txBody>
+                  <a:tcPr marT="91425" marB="91425" marR="91425" marL="91425"/>
+                </a:tc>
+                <a:tc>
+                  <a:txBody>
+                    <a:bodyPr/>
+                    <a:lstStyle/>
+                    <a:p>
+                      <a:pPr indent="0" lvl="0" marL="0" rtl="0" algn="l">
+                        <a:spcBef>
+                          <a:spcPts val="0"/>
+                        </a:spcBef>
+                        <a:spcAft>
+                          <a:spcPts val="0"/>
+                        </a:spcAft>
+                        <a:buNone/>
+                      </a:pPr>
+                      <a:r>
+                        <a:rPr lang="es"/>
+                        <a:t>A*</a:t>
+                      </a:r>
+                      <a:endParaRPr/>
+                    </a:p>
+                  </a:txBody>
+                  <a:tcPr marT="91425" marB="91425" marR="91425" marL="91425"/>
+                </a:tc>
+              </a:tr>
+              <a:tr h="611100">
+                <a:tc>
+                  <a:txBody>
+                    <a:bodyPr/>
+                    <a:lstStyle/>
+                    <a:p>
+                      <a:pPr indent="0" lvl="0" marL="0" rtl="0" algn="l">
+                        <a:spcBef>
+                          <a:spcPts val="0"/>
+                        </a:spcBef>
+                        <a:spcAft>
+                          <a:spcPts val="0"/>
+                        </a:spcAft>
+                        <a:buNone/>
+                      </a:pPr>
+                      <a:r>
+                        <a:rPr lang="es"/>
+                        <a:t>Problema promedio</a:t>
+                      </a:r>
+                      <a:endParaRPr/>
+                    </a:p>
+                  </a:txBody>
+                  <a:tcPr marT="91425" marB="91425" marR="91425" marL="91425"/>
+                </a:tc>
+                <a:tc>
+                  <a:txBody>
+                    <a:bodyPr/>
+                    <a:lstStyle/>
+                    <a:p>
+                      <a:pPr indent="0" lvl="0" marL="0" rtl="0" algn="l">
+                        <a:spcBef>
+                          <a:spcPts val="0"/>
+                        </a:spcBef>
+                        <a:spcAft>
+                          <a:spcPts val="0"/>
+                        </a:spcAft>
+                        <a:buNone/>
+                      </a:pPr>
+                      <a:r>
+                        <a:rPr lang="es"/>
+                        <a:t>22</a:t>
+                      </a:r>
+                      <a:endParaRPr/>
+                    </a:p>
+                  </a:txBody>
+                  <a:tcPr marT="91425" marB="91425" marR="91425" marL="91425"/>
+                </a:tc>
+                <a:tc>
+                  <a:txBody>
+                    <a:bodyPr/>
+                    <a:lstStyle/>
+                    <a:p>
+                      <a:pPr indent="0" lvl="0" marL="0" rtl="0" algn="l">
+                        <a:spcBef>
+                          <a:spcPts val="0"/>
+                        </a:spcBef>
+                        <a:spcAft>
+                          <a:spcPts val="0"/>
+                        </a:spcAft>
+                        <a:buNone/>
+                      </a:pPr>
+                      <a:r>
+                        <a:rPr lang="es"/>
+                        <a:t>72.142</a:t>
+                      </a:r>
+                      <a:endParaRPr/>
+                    </a:p>
+                  </a:txBody>
+                  <a:tcPr marT="91425" marB="91425" marR="91425" marL="91425"/>
+                </a:tc>
+                <a:tc>
+                  <a:txBody>
+                    <a:bodyPr/>
+                    <a:lstStyle/>
+                    <a:p>
+                      <a:pPr indent="0" lvl="0" marL="0" rtl="0" algn="l">
+                        <a:spcBef>
+                          <a:spcPts val="0"/>
+                        </a:spcBef>
+                        <a:spcAft>
+                          <a:spcPts val="0"/>
+                        </a:spcAft>
+                        <a:buNone/>
+                      </a:pPr>
+                      <a:r>
+                        <a:rPr lang="es"/>
+                        <a:t>22</a:t>
+                      </a:r>
+                      <a:endParaRPr/>
+                    </a:p>
+                  </a:txBody>
+                  <a:tcPr marT="91425" marB="91425" marR="91425" marL="91425"/>
+                </a:tc>
+                <a:tc>
+                  <a:txBody>
+                    <a:bodyPr/>
+                    <a:lstStyle/>
+                    <a:p>
+                      <a:pPr indent="0" lvl="0" marL="0" rtl="0" algn="l">
+                        <a:spcBef>
+                          <a:spcPts val="0"/>
+                        </a:spcBef>
+                        <a:spcAft>
+                          <a:spcPts val="0"/>
+                        </a:spcAft>
+                        <a:buNone/>
+                      </a:pPr>
+                      <a:r>
+                        <a:rPr lang="es">
+                          <a:solidFill>
+                            <a:schemeClr val="dk2"/>
+                          </a:solidFill>
+                        </a:rPr>
+                        <a:t>124</a:t>
+                      </a:r>
+                      <a:endParaRPr/>
+                    </a:p>
+                  </a:txBody>
+                  <a:tcPr marT="91425" marB="91425" marR="91425" marL="91425"/>
+                </a:tc>
+                <a:tc>
+                  <a:txBody>
+                    <a:bodyPr/>
+                    <a:lstStyle/>
+                    <a:p>
+                      <a:pPr indent="0" lvl="0" marL="0" rtl="0" algn="l">
+                        <a:spcBef>
+                          <a:spcPts val="0"/>
+                        </a:spcBef>
+                        <a:spcAft>
+                          <a:spcPts val="0"/>
+                        </a:spcAft>
+                        <a:buNone/>
+                      </a:pPr>
+                      <a:r>
+                        <a:rPr lang="es"/>
+                        <a:t>38</a:t>
+                      </a:r>
+                      <a:endParaRPr/>
+                    </a:p>
+                  </a:txBody>
+                  <a:tcPr marT="91425" marB="91425" marR="91425" marL="91425"/>
+                </a:tc>
+                <a:tc>
+                  <a:txBody>
+                    <a:bodyPr/>
+                    <a:lstStyle/>
+                    <a:p>
+                      <a:pPr indent="0" lvl="0" marL="0" rtl="0" algn="l">
+                        <a:spcBef>
+                          <a:spcPts val="0"/>
+                        </a:spcBef>
+                        <a:spcAft>
+                          <a:spcPts val="0"/>
+                        </a:spcAft>
+                        <a:buNone/>
+                      </a:pPr>
+                      <a:r>
+                        <a:rPr lang="es"/>
+                        <a:t>22</a:t>
+                      </a:r>
+                      <a:endParaRPr/>
+                    </a:p>
+                  </a:txBody>
+                  <a:tcPr marT="91425" marB="91425" marR="91425" marL="91425"/>
+                </a:tc>
+              </a:tr>
+              <a:tr h="611100">
+                <a:tc>
+                  <a:txBody>
+                    <a:bodyPr/>
+                    <a:lstStyle/>
+                    <a:p>
+                      <a:pPr indent="0" lvl="0" marL="0" rtl="0" algn="l">
+                        <a:spcBef>
+                          <a:spcPts val="0"/>
+                        </a:spcBef>
+                        <a:spcAft>
+                          <a:spcPts val="0"/>
+                        </a:spcAft>
+                        <a:buNone/>
+                      </a:pPr>
+                      <a:r>
+                        <a:rPr lang="es"/>
+                        <a:t>Problema más difícil</a:t>
+                      </a:r>
+                      <a:endParaRPr/>
+                    </a:p>
+                  </a:txBody>
+                  <a:tcPr marT="91425" marB="91425" marR="91425" marL="91425"/>
+                </a:tc>
+                <a:tc>
+                  <a:txBody>
+                    <a:bodyPr/>
+                    <a:lstStyle/>
+                    <a:p>
+                      <a:pPr indent="0" lvl="0" marL="0" rtl="0" algn="l">
+                        <a:spcBef>
+                          <a:spcPts val="0"/>
+                        </a:spcBef>
+                        <a:spcAft>
+                          <a:spcPts val="0"/>
+                        </a:spcAft>
+                        <a:buNone/>
+                      </a:pPr>
+                      <a:r>
+                        <a:rPr lang="es"/>
+                        <a:t>31</a:t>
+                      </a:r>
+                      <a:endParaRPr/>
+                    </a:p>
+                  </a:txBody>
+                  <a:tcPr marT="91425" marB="91425" marR="91425" marL="91425"/>
+                </a:tc>
+                <a:tc>
+                  <a:txBody>
+                    <a:bodyPr/>
+                    <a:lstStyle/>
+                    <a:p>
+                      <a:pPr indent="0" lvl="0" marL="0" rtl="0" algn="l">
+                        <a:spcBef>
+                          <a:spcPts val="0"/>
+                        </a:spcBef>
+                        <a:spcAft>
+                          <a:spcPts val="0"/>
+                        </a:spcAft>
+                        <a:buNone/>
+                      </a:pPr>
+                      <a:r>
+                        <a:rPr lang="es"/>
+                        <a:t>107.823</a:t>
+                      </a:r>
+                      <a:endParaRPr/>
+                    </a:p>
+                  </a:txBody>
+                  <a:tcPr marT="91425" marB="91425" marR="91425" marL="91425"/>
+                </a:tc>
+                <a:tc>
+                  <a:txBody>
+                    <a:bodyPr/>
+                    <a:lstStyle/>
+                    <a:p>
+                      <a:pPr indent="0" lvl="0" marL="0" rtl="0" algn="l">
+                        <a:spcBef>
+                          <a:spcPts val="0"/>
+                        </a:spcBef>
+                        <a:spcAft>
+                          <a:spcPts val="0"/>
+                        </a:spcAft>
+                        <a:buNone/>
+                      </a:pPr>
+                      <a:r>
+                        <a:rPr lang="es"/>
+                        <a:t>31</a:t>
+                      </a:r>
+                      <a:endParaRPr/>
+                    </a:p>
+                  </a:txBody>
+                  <a:tcPr marT="91425" marB="91425" marR="91425" marL="91425"/>
+                </a:tc>
+                <a:tc>
+                  <a:txBody>
+                    <a:bodyPr/>
+                    <a:lstStyle/>
+                    <a:p>
+                      <a:pPr indent="0" lvl="0" marL="0" rtl="0" algn="l">
+                        <a:spcBef>
+                          <a:spcPts val="0"/>
+                        </a:spcBef>
+                        <a:spcAft>
+                          <a:spcPts val="0"/>
+                        </a:spcAft>
+                        <a:buNone/>
+                      </a:pPr>
+                      <a:r>
+                        <a:rPr lang="es"/>
+                        <a:t>133</a:t>
+                      </a:r>
+                      <a:endParaRPr/>
+                    </a:p>
+                  </a:txBody>
+                  <a:tcPr marT="91425" marB="91425" marR="91425" marL="91425"/>
+                </a:tc>
+                <a:tc>
+                  <a:txBody>
+                    <a:bodyPr/>
+                    <a:lstStyle/>
+                    <a:p>
+                      <a:pPr indent="0" lvl="0" marL="0" rtl="0" algn="l">
+                        <a:spcBef>
+                          <a:spcPts val="0"/>
+                        </a:spcBef>
+                        <a:spcAft>
+                          <a:spcPts val="0"/>
+                        </a:spcAft>
+                        <a:buNone/>
+                      </a:pPr>
+                      <a:r>
+                        <a:rPr lang="es"/>
+                        <a:t>47</a:t>
+                      </a:r>
+                      <a:endParaRPr/>
+                    </a:p>
+                  </a:txBody>
+                  <a:tcPr marT="91425" marB="91425" marR="91425" marL="91425"/>
+                </a:tc>
+                <a:tc>
+                  <a:txBody>
+                    <a:bodyPr/>
+                    <a:lstStyle/>
+                    <a:p>
+                      <a:pPr indent="0" lvl="0" marL="0" rtl="0" algn="l">
+                        <a:spcBef>
+                          <a:spcPts val="0"/>
+                        </a:spcBef>
+                        <a:spcAft>
+                          <a:spcPts val="0"/>
+                        </a:spcAft>
+                        <a:buNone/>
+                      </a:pPr>
+                      <a:r>
+                        <a:rPr lang="es"/>
+                        <a:t>31</a:t>
+                      </a:r>
+                      <a:endParaRPr/>
+                    </a:p>
+                  </a:txBody>
+                  <a:tcPr marT="91425" marB="91425" marR="91425" marL="91425"/>
+                </a:tc>
+              </a:tr>
+            </a:tbl>
+          </a:graphicData>
+        </a:graphic>
+      </p:graphicFrame>
+      <p:sp>
+        <p:nvSpPr>
+          <p:cNvPr id="254" name="Google Shape;254;p35"/>
+          <p:cNvSpPr txBox="1"/>
+          <p:nvPr/>
+        </p:nvSpPr>
+        <p:spPr>
+          <a:xfrm>
+            <a:off x="311700" y="4844850"/>
+            <a:ext cx="6951900" cy="338700"/>
+          </a:xfrm>
+          <a:prstGeom prst="rect">
+            <a:avLst/>
+          </a:prstGeom>
+          <a:noFill/>
+          <a:ln>
+            <a:noFill/>
+          </a:ln>
+        </p:spPr>
+        <p:txBody>
+          <a:bodyPr anchorCtr="0" anchor="t" bIns="91425" lIns="91425" spcFirstLastPara="1" rIns="91425" wrap="square" tIns="91425">
+            <a:spAutoFit/>
+          </a:bodyPr>
+          <a:lstStyle/>
+          <a:p>
+            <a:pPr indent="0" lvl="0" marL="0" rtl="0" algn="l">
+              <a:spcBef>
+                <a:spcPts val="0"/>
+              </a:spcBef>
+              <a:spcAft>
+                <a:spcPts val="0"/>
+              </a:spcAft>
+              <a:buNone/>
+            </a:pPr>
+            <a:r>
+              <a:rPr lang="es" sz="1000">
+                <a:solidFill>
+                  <a:schemeClr val="lt1"/>
+                </a:solidFill>
+                <a:latin typeface="Roboto"/>
+                <a:ea typeface="Roboto"/>
+                <a:cs typeface="Roboto"/>
+                <a:sym typeface="Roboto"/>
+              </a:rPr>
+              <a:t>Todas las pruebas fueron ejecutadas en una MacBook Pro 2020</a:t>
+            </a:r>
+            <a:endParaRPr sz="1000">
+              <a:solidFill>
+                <a:schemeClr val="lt1"/>
+              </a:solidFill>
+              <a:latin typeface="Roboto"/>
+              <a:ea typeface="Roboto"/>
+              <a:cs typeface="Roboto"/>
+              <a:sym typeface="Roboto"/>
+            </a:endParaRPr>
+          </a:p>
+        </p:txBody>
+      </p:sp>
     </p:spTree>
   </p:cSld>
   <p:clrMapOvr>
@@ -15433,7 +18342,7 @@
         </p:nvSpPr>
         <p:spPr>
           <a:xfrm>
-            <a:off x="265500" y="1151100"/>
+            <a:off x="265500" y="256200"/>
             <a:ext cx="4045200" cy="1564500"/>
           </a:xfrm>
           <a:prstGeom prst="rect">
@@ -15473,7 +18382,7 @@
         </p:nvSpPr>
         <p:spPr>
           <a:xfrm>
-            <a:off x="265500" y="2769001"/>
+            <a:off x="265500" y="1874101"/>
             <a:ext cx="4045200" cy="1269300"/>
           </a:xfrm>
           <a:prstGeom prst="rect">
@@ -15561,6 +18470,33 @@
           </a:p>
         </p:txBody>
       </p:sp>
+      <p:pic>
+        <p:nvPicPr>
+          <p:cNvPr id="121" name="Google Shape;121;p18"/>
+          <p:cNvPicPr preferRelativeResize="0"/>
+          <p:nvPr/>
+        </p:nvPicPr>
+        <p:blipFill rotWithShape="1">
+          <a:blip r:embed="rId3">
+            <a:alphaModFix/>
+          </a:blip>
+          <a:srcRect b="288" l="0" r="0" t="288"/>
+          <a:stretch/>
+        </p:blipFill>
+        <p:spPr>
+          <a:xfrm>
+            <a:off x="1375145" y="2571750"/>
+            <a:ext cx="1825917" cy="1847550"/>
+          </a:xfrm>
+          <a:prstGeom prst="rect">
+            <a:avLst/>
+          </a:prstGeom>
+          <a:noFill/>
+          <a:ln>
+            <a:noFill/>
+          </a:ln>
+        </p:spPr>
+      </p:pic>
     </p:spTree>
   </p:cSld>
   <p:clrMapOvr>
@@ -15574,7 +18510,7 @@
   <p:cSld>
     <p:spTree>
       <p:nvGrpSpPr>
-        <p:cNvPr id="124" name="Shape 124"/>
+        <p:cNvPr id="125" name="Shape 125"/>
         <p:cNvGrpSpPr/>
         <p:nvPr/>
       </p:nvGrpSpPr>
@@ -15588,7 +18524,7 @@
       </p:grpSpPr>
       <p:sp>
         <p:nvSpPr>
-          <p:cNvPr id="125" name="Google Shape;125;p19"/>
+          <p:cNvPr id="126" name="Google Shape;126;p19"/>
           <p:cNvSpPr txBox="1"/>
           <p:nvPr>
             <p:ph type="title"/>
@@ -15596,7 +18532,7 @@
         </p:nvSpPr>
         <p:spPr>
           <a:xfrm>
-            <a:off x="265500" y="1151100"/>
+            <a:off x="256825" y="151950"/>
             <a:ext cx="4045200" cy="1564500"/>
           </a:xfrm>
           <a:prstGeom prst="rect">
@@ -15628,7 +18564,7 @@
       </p:sp>
       <p:sp>
         <p:nvSpPr>
-          <p:cNvPr id="126" name="Google Shape;126;p19"/>
+          <p:cNvPr id="127" name="Google Shape;127;p19"/>
           <p:cNvSpPr txBox="1"/>
           <p:nvPr>
             <p:ph idx="1" type="subTitle"/>
@@ -15636,7 +18572,7 @@
         </p:nvSpPr>
         <p:spPr>
           <a:xfrm>
-            <a:off x="265500" y="2769001"/>
+            <a:off x="256825" y="1769851"/>
             <a:ext cx="4045200" cy="1269300"/>
           </a:xfrm>
           <a:prstGeom prst="rect">
@@ -15672,7 +18608,7 @@
       </p:sp>
       <p:sp>
         <p:nvSpPr>
-          <p:cNvPr id="127" name="Google Shape;127;p19"/>
+          <p:cNvPr id="128" name="Google Shape;128;p19"/>
           <p:cNvSpPr txBox="1"/>
           <p:nvPr>
             <p:ph idx="2" type="body"/>
@@ -15732,6 +18668,62 @@
           </a:p>
         </p:txBody>
       </p:sp>
+      <p:pic>
+        <p:nvPicPr>
+          <p:cNvPr id="129" name="Google Shape;129;p19"/>
+          <p:cNvPicPr preferRelativeResize="0"/>
+          <p:nvPr/>
+        </p:nvPicPr>
+        <p:blipFill>
+          <a:blip r:embed="rId3">
+            <a:alphaModFix/>
+          </a:blip>
+          <a:stretch>
+            <a:fillRect/>
+          </a:stretch>
+        </p:blipFill>
+        <p:spPr>
+          <a:xfrm>
+            <a:off x="1367225" y="2571751"/>
+            <a:ext cx="1824405" cy="1799549"/>
+          </a:xfrm>
+          <a:prstGeom prst="rect">
+            <a:avLst/>
+          </a:prstGeom>
+          <a:noFill/>
+          <a:ln>
+            <a:noFill/>
+          </a:ln>
+        </p:spPr>
+      </p:pic>
+      <p:pic>
+        <p:nvPicPr>
+          <p:cNvPr id="130" name="Google Shape;130;p19"/>
+          <p:cNvPicPr preferRelativeResize="0"/>
+          <p:nvPr/>
+        </p:nvPicPr>
+        <p:blipFill>
+          <a:blip r:embed="rId4">
+            <a:alphaModFix/>
+          </a:blip>
+          <a:stretch>
+            <a:fillRect/>
+          </a:stretch>
+        </p:blipFill>
+        <p:spPr>
+          <a:xfrm>
+            <a:off x="1741263" y="4618900"/>
+            <a:ext cx="1076325" cy="247650"/>
+          </a:xfrm>
+          <a:prstGeom prst="rect">
+            <a:avLst/>
+          </a:prstGeom>
+          <a:noFill/>
+          <a:ln>
+            <a:noFill/>
+          </a:ln>
+        </p:spPr>
+      </p:pic>
     </p:spTree>
   </p:cSld>
   <p:clrMapOvr>
@@ -15745,7 +18737,7 @@
   <p:cSld>
     <p:spTree>
       <p:nvGrpSpPr>
-        <p:cNvPr id="131" name="Shape 131"/>
+        <p:cNvPr id="134" name="Shape 134"/>
         <p:cNvGrpSpPr/>
         <p:nvPr/>
       </p:nvGrpSpPr>
@@ -15759,7 +18751,7 @@
       </p:grpSpPr>
       <p:sp>
         <p:nvSpPr>
-          <p:cNvPr id="132" name="Google Shape;132;p20"/>
+          <p:cNvPr id="135" name="Google Shape;135;p20"/>
           <p:cNvSpPr txBox="1"/>
           <p:nvPr>
             <p:ph type="title"/>
@@ -15767,7 +18759,7 @@
         </p:nvSpPr>
         <p:spPr>
           <a:xfrm>
-            <a:off x="265500" y="1151100"/>
+            <a:off x="230750" y="0"/>
             <a:ext cx="4045200" cy="1564500"/>
           </a:xfrm>
           <a:prstGeom prst="rect">
@@ -15799,7 +18791,7 @@
       </p:sp>
       <p:sp>
         <p:nvSpPr>
-          <p:cNvPr id="133" name="Google Shape;133;p20"/>
+          <p:cNvPr id="136" name="Google Shape;136;p20"/>
           <p:cNvSpPr txBox="1"/>
           <p:nvPr>
             <p:ph idx="1" type="subTitle"/>
@@ -15807,7 +18799,7 @@
         </p:nvSpPr>
         <p:spPr>
           <a:xfrm>
-            <a:off x="265500" y="2769001"/>
+            <a:off x="230750" y="1449276"/>
             <a:ext cx="4045200" cy="1269300"/>
           </a:xfrm>
           <a:prstGeom prst="rect">
@@ -15843,7 +18835,7 @@
       </p:sp>
       <p:sp>
         <p:nvSpPr>
-          <p:cNvPr id="134" name="Google Shape;134;p20"/>
+          <p:cNvPr id="137" name="Google Shape;137;p20"/>
           <p:cNvSpPr txBox="1"/>
           <p:nvPr>
             <p:ph idx="2" type="body"/>
@@ -15932,6 +18924,61 @@
           </a:p>
         </p:txBody>
       </p:sp>
+      <p:pic>
+        <p:nvPicPr>
+          <p:cNvPr id="138" name="Google Shape;138;p20"/>
+          <p:cNvPicPr preferRelativeResize="0"/>
+          <p:nvPr/>
+        </p:nvPicPr>
+        <p:blipFill>
+          <a:blip r:embed="rId3">
+            <a:alphaModFix/>
+          </a:blip>
+          <a:stretch>
+            <a:fillRect/>
+          </a:stretch>
+        </p:blipFill>
+        <p:spPr>
+          <a:xfrm>
+            <a:off x="1495563" y="4542250"/>
+            <a:ext cx="1515575" cy="328375"/>
+          </a:xfrm>
+          <a:prstGeom prst="rect">
+            <a:avLst/>
+          </a:prstGeom>
+          <a:noFill/>
+          <a:ln>
+            <a:noFill/>
+          </a:ln>
+        </p:spPr>
+      </p:pic>
+      <p:pic>
+        <p:nvPicPr>
+          <p:cNvPr id="139" name="Google Shape;139;p20"/>
+          <p:cNvPicPr preferRelativeResize="0"/>
+          <p:nvPr/>
+        </p:nvPicPr>
+        <p:blipFill rotWithShape="1">
+          <a:blip r:embed="rId4">
+            <a:alphaModFix/>
+          </a:blip>
+          <a:srcRect b="0" l="0" r="0" t="0"/>
+          <a:stretch/>
+        </p:blipFill>
+        <p:spPr>
+          <a:xfrm>
+            <a:off x="1219813" y="2277650"/>
+            <a:ext cx="2067100" cy="2067100"/>
+          </a:xfrm>
+          <a:prstGeom prst="rect">
+            <a:avLst/>
+          </a:prstGeom>
+          <a:noFill/>
+          <a:ln>
+            <a:noFill/>
+          </a:ln>
+        </p:spPr>
+      </p:pic>
     </p:spTree>
   </p:cSld>
   <p:clrMapOvr>
@@ -15945,7 +18992,7 @@
   <p:cSld>
     <p:spTree>
       <p:nvGrpSpPr>
-        <p:cNvPr id="138" name="Shape 138"/>
+        <p:cNvPr id="143" name="Shape 143"/>
         <p:cNvGrpSpPr/>
         <p:nvPr/>
       </p:nvGrpSpPr>
@@ -15959,7 +19006,7 @@
       </p:grpSpPr>
       <p:sp>
         <p:nvSpPr>
-          <p:cNvPr id="139" name="Google Shape;139;p21"/>
+          <p:cNvPr id="144" name="Google Shape;144;p21"/>
           <p:cNvSpPr txBox="1"/>
           <p:nvPr>
             <p:ph type="title"/>
